--- a/Slides/05 - Classes.pptx
+++ b/Slides/05 - Classes.pptx
@@ -1,50 +1,50 @@
 
 <file path=ppt/presentation.xml><?xml version="1.0" encoding="utf-8"?>
-<p:presentation xmlns:a="http://schemas.openxmlformats.org/drawingml/2006/main" xmlns:r="http://schemas.openxmlformats.org/officeDocument/2006/relationships" xmlns:mc="http://schemas.openxmlformats.org/markup-compatibility/2006" xmlns:mv="urn:schemas-microsoft-com:mac:vml" xmlns:p="http://schemas.openxmlformats.org/presentationml/2006/main" xmlns:c="http://schemas.openxmlformats.org/drawingml/2006/chart" xmlns:dgm="http://schemas.openxmlformats.org/drawingml/2006/diagram" xmlns:o="urn:schemas-microsoft-com:office:office" xmlns:v="urn:schemas-microsoft-com:vml" xmlns:pvml="urn:schemas-microsoft-com:office:powerpoint" xmlns:com="http://schemas.openxmlformats.org/drawingml/2006/compatibility" xmlns:p14="http://schemas.microsoft.com/office/powerpoint/2010/main" xmlns:p15="http://schemas.microsoft.com/office/powerpoint/2012/main" autoCompressPictures="0" embedTrueTypeFonts="1" strictFirstAndLastChars="0" saveSubsetFonts="1">
+<p:presentation xmlns:a="http://schemas.openxmlformats.org/drawingml/2006/main" xmlns:r="http://schemas.openxmlformats.org/officeDocument/2006/relationships" xmlns:p="http://schemas.openxmlformats.org/presentationml/2006/main" strictFirstAndLastChars="0" embedTrueTypeFonts="1" saveSubsetFonts="1" autoCompressPictures="0">
   <p:sldMasterIdLst>
-    <p:sldMasterId id="2147483659" r:id="rId4"/>
+    <p:sldMasterId id="2147483659" r:id="rId1"/>
   </p:sldMasterIdLst>
   <p:notesMasterIdLst>
-    <p:notesMasterId r:id="rId5"/>
+    <p:notesMasterId r:id="rId11"/>
   </p:notesMasterIdLst>
   <p:sldIdLst>
-    <p:sldId id="256" r:id="rId6"/>
-    <p:sldId id="257" r:id="rId7"/>
-    <p:sldId id="258" r:id="rId8"/>
-    <p:sldId id="259" r:id="rId9"/>
-    <p:sldId id="260" r:id="rId10"/>
-    <p:sldId id="261" r:id="rId11"/>
-    <p:sldId id="262" r:id="rId12"/>
-    <p:sldId id="263" r:id="rId13"/>
-    <p:sldId id="264" r:id="rId14"/>
+    <p:sldId id="256" r:id="rId2"/>
+    <p:sldId id="257" r:id="rId3"/>
+    <p:sldId id="258" r:id="rId4"/>
+    <p:sldId id="259" r:id="rId5"/>
+    <p:sldId id="260" r:id="rId6"/>
+    <p:sldId id="261" r:id="rId7"/>
+    <p:sldId id="262" r:id="rId8"/>
+    <p:sldId id="263" r:id="rId9"/>
+    <p:sldId id="264" r:id="rId10"/>
   </p:sldIdLst>
-  <p:sldSz cy="5143500" cx="9144000"/>
+  <p:sldSz cx="9144000" cy="5143500" type="screen16x9"/>
   <p:notesSz cx="6858000" cy="9144000"/>
   <p:embeddedFontLst>
     <p:embeddedFont>
-      <p:font typeface="Raleway"/>
-      <p:regular r:id="rId15"/>
-      <p:bold r:id="rId16"/>
-      <p:italic r:id="rId17"/>
-      <p:boldItalic r:id="rId18"/>
+      <p:font typeface="Lato" charset="0"/>
+      <p:regular r:id="rId12"/>
+      <p:bold r:id="rId13"/>
+      <p:italic r:id="rId14"/>
+      <p:boldItalic r:id="rId15"/>
     </p:embeddedFont>
     <p:embeddedFont>
-      <p:font typeface="Lato"/>
-      <p:regular r:id="rId19"/>
-      <p:bold r:id="rId20"/>
-      <p:italic r:id="rId21"/>
-      <p:boldItalic r:id="rId22"/>
+      <p:font typeface="Roboto Mono" charset="0"/>
+      <p:regular r:id="rId16"/>
+      <p:bold r:id="rId17"/>
+      <p:italic r:id="rId18"/>
+      <p:boldItalic r:id="rId19"/>
     </p:embeddedFont>
     <p:embeddedFont>
-      <p:font typeface="Roboto Mono"/>
-      <p:regular r:id="rId23"/>
-      <p:bold r:id="rId24"/>
-      <p:italic r:id="rId25"/>
-      <p:boldItalic r:id="rId26"/>
+      <p:font typeface="Raleway" charset="0"/>
+      <p:regular r:id="rId20"/>
+      <p:bold r:id="rId21"/>
+      <p:italic r:id="rId22"/>
+      <p:boldItalic r:id="rId23"/>
     </p:embeddedFont>
   </p:embeddedFontLst>
   <p:defaultTextStyle>
-    <a:defPPr lvl="0" marR="0" rtl="0" algn="l">
+    <a:defPPr marR="0" lvl="0" algn="l" rtl="0">
       <a:lnSpc>
         <a:spcPct val="100000"/>
       </a:lnSpc>
@@ -55,7 +55,7 @@
         <a:spcPts val="0"/>
       </a:spcAft>
     </a:defPPr>
-    <a:lvl1pPr lvl="0" marR="0" rtl="0" algn="l">
+    <a:lvl1pPr marR="0" lvl="0" algn="l" rtl="0">
       <a:lnSpc>
         <a:spcPct val="100000"/>
       </a:lnSpc>
@@ -69,7 +69,7 @@
         <a:srgbClr val="000000"/>
       </a:buClr>
       <a:buFont typeface="Arial"/>
-      <a:defRPr b="0" i="0" sz="1400" u="none" cap="none" strike="noStrike">
+      <a:defRPr sz="1400" b="0" i="0" u="none" strike="noStrike" cap="none">
         <a:solidFill>
           <a:srgbClr val="000000"/>
         </a:solidFill>
@@ -79,7 +79,7 @@
         <a:sym typeface="Arial"/>
       </a:defRPr>
     </a:lvl1pPr>
-    <a:lvl2pPr lvl="1" marR="0" rtl="0" algn="l">
+    <a:lvl2pPr marR="0" lvl="1" algn="l" rtl="0">
       <a:lnSpc>
         <a:spcPct val="100000"/>
       </a:lnSpc>
@@ -93,7 +93,7 @@
         <a:srgbClr val="000000"/>
       </a:buClr>
       <a:buFont typeface="Arial"/>
-      <a:defRPr b="0" i="0" sz="1400" u="none" cap="none" strike="noStrike">
+      <a:defRPr sz="1400" b="0" i="0" u="none" strike="noStrike" cap="none">
         <a:solidFill>
           <a:srgbClr val="000000"/>
         </a:solidFill>
@@ -103,7 +103,7 @@
         <a:sym typeface="Arial"/>
       </a:defRPr>
     </a:lvl2pPr>
-    <a:lvl3pPr lvl="2" marR="0" rtl="0" algn="l">
+    <a:lvl3pPr marR="0" lvl="2" algn="l" rtl="0">
       <a:lnSpc>
         <a:spcPct val="100000"/>
       </a:lnSpc>
@@ -117,7 +117,7 @@
         <a:srgbClr val="000000"/>
       </a:buClr>
       <a:buFont typeface="Arial"/>
-      <a:defRPr b="0" i="0" sz="1400" u="none" cap="none" strike="noStrike">
+      <a:defRPr sz="1400" b="0" i="0" u="none" strike="noStrike" cap="none">
         <a:solidFill>
           <a:srgbClr val="000000"/>
         </a:solidFill>
@@ -127,7 +127,7 @@
         <a:sym typeface="Arial"/>
       </a:defRPr>
     </a:lvl3pPr>
-    <a:lvl4pPr lvl="3" marR="0" rtl="0" algn="l">
+    <a:lvl4pPr marR="0" lvl="3" algn="l" rtl="0">
       <a:lnSpc>
         <a:spcPct val="100000"/>
       </a:lnSpc>
@@ -141,7 +141,7 @@
         <a:srgbClr val="000000"/>
       </a:buClr>
       <a:buFont typeface="Arial"/>
-      <a:defRPr b="0" i="0" sz="1400" u="none" cap="none" strike="noStrike">
+      <a:defRPr sz="1400" b="0" i="0" u="none" strike="noStrike" cap="none">
         <a:solidFill>
           <a:srgbClr val="000000"/>
         </a:solidFill>
@@ -151,7 +151,7 @@
         <a:sym typeface="Arial"/>
       </a:defRPr>
     </a:lvl4pPr>
-    <a:lvl5pPr lvl="4" marR="0" rtl="0" algn="l">
+    <a:lvl5pPr marR="0" lvl="4" algn="l" rtl="0">
       <a:lnSpc>
         <a:spcPct val="100000"/>
       </a:lnSpc>
@@ -165,7 +165,7 @@
         <a:srgbClr val="000000"/>
       </a:buClr>
       <a:buFont typeface="Arial"/>
-      <a:defRPr b="0" i="0" sz="1400" u="none" cap="none" strike="noStrike">
+      <a:defRPr sz="1400" b="0" i="0" u="none" strike="noStrike" cap="none">
         <a:solidFill>
           <a:srgbClr val="000000"/>
         </a:solidFill>
@@ -175,7 +175,7 @@
         <a:sym typeface="Arial"/>
       </a:defRPr>
     </a:lvl5pPr>
-    <a:lvl6pPr lvl="5" marR="0" rtl="0" algn="l">
+    <a:lvl6pPr marR="0" lvl="5" algn="l" rtl="0">
       <a:lnSpc>
         <a:spcPct val="100000"/>
       </a:lnSpc>
@@ -189,7 +189,7 @@
         <a:srgbClr val="000000"/>
       </a:buClr>
       <a:buFont typeface="Arial"/>
-      <a:defRPr b="0" i="0" sz="1400" u="none" cap="none" strike="noStrike">
+      <a:defRPr sz="1400" b="0" i="0" u="none" strike="noStrike" cap="none">
         <a:solidFill>
           <a:srgbClr val="000000"/>
         </a:solidFill>
@@ -199,7 +199,7 @@
         <a:sym typeface="Arial"/>
       </a:defRPr>
     </a:lvl6pPr>
-    <a:lvl7pPr lvl="6" marR="0" rtl="0" algn="l">
+    <a:lvl7pPr marR="0" lvl="6" algn="l" rtl="0">
       <a:lnSpc>
         <a:spcPct val="100000"/>
       </a:lnSpc>
@@ -213,7 +213,7 @@
         <a:srgbClr val="000000"/>
       </a:buClr>
       <a:buFont typeface="Arial"/>
-      <a:defRPr b="0" i="0" sz="1400" u="none" cap="none" strike="noStrike">
+      <a:defRPr sz="1400" b="0" i="0" u="none" strike="noStrike" cap="none">
         <a:solidFill>
           <a:srgbClr val="000000"/>
         </a:solidFill>
@@ -223,7 +223,7 @@
         <a:sym typeface="Arial"/>
       </a:defRPr>
     </a:lvl7pPr>
-    <a:lvl8pPr lvl="7" marR="0" rtl="0" algn="l">
+    <a:lvl8pPr marR="0" lvl="7" algn="l" rtl="0">
       <a:lnSpc>
         <a:spcPct val="100000"/>
       </a:lnSpc>
@@ -237,7 +237,7 @@
         <a:srgbClr val="000000"/>
       </a:buClr>
       <a:buFont typeface="Arial"/>
-      <a:defRPr b="0" i="0" sz="1400" u="none" cap="none" strike="noStrike">
+      <a:defRPr sz="1400" b="0" i="0" u="none" strike="noStrike" cap="none">
         <a:solidFill>
           <a:srgbClr val="000000"/>
         </a:solidFill>
@@ -247,7 +247,7 @@
         <a:sym typeface="Arial"/>
       </a:defRPr>
     </a:lvl8pPr>
-    <a:lvl9pPr lvl="8" marR="0" rtl="0" algn="l">
+    <a:lvl9pPr marR="0" lvl="8" algn="l" rtl="0">
       <a:lnSpc>
         <a:spcPct val="100000"/>
       </a:lnSpc>
@@ -261,7 +261,7 @@
         <a:srgbClr val="000000"/>
       </a:buClr>
       <a:buFont typeface="Arial"/>
-      <a:defRPr b="0" i="0" sz="1400" u="none" cap="none" strike="noStrike">
+      <a:defRPr sz="1400" b="0" i="0" u="none" strike="noStrike" cap="none">
         <a:solidFill>
           <a:srgbClr val="000000"/>
         </a:solidFill>
@@ -274,7 +274,7 @@
   </p:defaultTextStyle>
   <p:extLst>
     <p:ext uri="{EFAFB233-063F-42B5-8137-9DF3F51BA10A}">
-      <p15:sldGuideLst>
+      <p15:sldGuideLst xmlns:p15="http://schemas.microsoft.com/office/powerpoint/2012/main" xmlns:p14="http://schemas.microsoft.com/office/powerpoint/2010/main" xmlns:com="http://schemas.openxmlformats.org/drawingml/2006/compatibility" xmlns:pvml="urn:schemas-microsoft-com:office:powerpoint" xmlns:v="urn:schemas-microsoft-com:vml" xmlns:o="urn:schemas-microsoft-com:office:office" xmlns:dgm="http://schemas.openxmlformats.org/drawingml/2006/diagram" xmlns:c="http://schemas.openxmlformats.org/drawingml/2006/chart" xmlns:mv="urn:schemas-microsoft-com:mac:vml" xmlns:mc="http://schemas.openxmlformats.org/markup-compatibility/2006" xmlns="">
         <p15:guide id="1" orient="horz" pos="1620">
           <p15:clr>
             <a:srgbClr val="A4A3A4"/>
@@ -292,11 +292,16 @@
 </file>
 
 <file path=ppt/notesMasters/notesMaster1.xml><?xml version="1.0" encoding="utf-8"?>
-<p:notesMaster xmlns:a="http://schemas.openxmlformats.org/drawingml/2006/main" xmlns:r="http://schemas.openxmlformats.org/officeDocument/2006/relationships" xmlns:mc="http://schemas.openxmlformats.org/markup-compatibility/2006" xmlns:mv="urn:schemas-microsoft-com:mac:vml" xmlns:p="http://schemas.openxmlformats.org/presentationml/2006/main" xmlns:c="http://schemas.openxmlformats.org/drawingml/2006/chart" xmlns:dgm="http://schemas.openxmlformats.org/drawingml/2006/diagram" xmlns:o="urn:schemas-microsoft-com:office:office" xmlns:v="urn:schemas-microsoft-com:vml" xmlns:pvml="urn:schemas-microsoft-com:office:powerpoint" xmlns:com="http://schemas.openxmlformats.org/drawingml/2006/compatibility" xmlns:p14="http://schemas.microsoft.com/office/powerpoint/2010/main" xmlns:p15="http://schemas.microsoft.com/office/powerpoint/2012/main">
+<p:notesMaster xmlns:a="http://schemas.openxmlformats.org/drawingml/2006/main" xmlns:r="http://schemas.openxmlformats.org/officeDocument/2006/relationships" xmlns:p="http://schemas.openxmlformats.org/presentationml/2006/main">
   <p:cSld>
+    <p:bg>
+      <p:bgRef idx="1001">
+        <a:schemeClr val="bg1"/>
+      </p:bgRef>
+    </p:bg>
     <p:spTree>
       <p:nvGrpSpPr>
-        <p:cNvPr id="2" name="Shape 2"/>
+        <p:cNvPr id="1" name="Shape 2"/>
         <p:cNvGrpSpPr/>
         <p:nvPr/>
       </p:nvGrpSpPr>
@@ -311,9 +316,11 @@
       <p:sp>
         <p:nvSpPr>
           <p:cNvPr id="3" name="Google Shape;3;n"/>
-          <p:cNvSpPr/>
+          <p:cNvSpPr>
+            <a:spLocks noGrp="1" noRot="1" noChangeAspect="1"/>
+          </p:cNvSpPr>
           <p:nvPr>
-            <p:ph idx="2" type="sldImg"/>
+            <p:ph type="sldImg" idx="2"/>
           </p:nvPr>
         </p:nvSpPr>
         <p:spPr>
@@ -322,9 +329,13 @@
             <a:ext cx="6096075" cy="3429000"/>
           </a:xfrm>
           <a:custGeom>
-            <a:rect b="b" l="l" r="r" t="t"/>
+            <a:avLst/>
+            <a:gdLst/>
+            <a:ahLst/>
+            <a:cxnLst/>
+            <a:rect l="l" t="t" r="r" b="b"/>
             <a:pathLst>
-              <a:path extrusionOk="0" h="120000" w="120000">
+              <a:path w="120000" h="120000" extrusionOk="0">
                 <a:moveTo>
                   <a:pt x="0" y="0"/>
                 </a:moveTo>
@@ -342,23 +353,25 @@
             </a:pathLst>
           </a:custGeom>
           <a:noFill/>
-          <a:ln cap="flat" cmpd="sng" w="9525">
+          <a:ln w="9525" cap="flat" cmpd="sng">
             <a:solidFill>
               <a:srgbClr val="000000"/>
             </a:solidFill>
             <a:prstDash val="solid"/>
             <a:round/>
-            <a:headEnd len="sm" w="sm" type="none"/>
-            <a:tailEnd len="sm" w="sm" type="none"/>
+            <a:headEnd type="none" w="sm" len="sm"/>
+            <a:tailEnd type="none" w="sm" len="sm"/>
           </a:ln>
         </p:spPr>
       </p:sp>
       <p:sp>
         <p:nvSpPr>
           <p:cNvPr id="4" name="Google Shape;4;n"/>
-          <p:cNvSpPr txBox="1"/>
+          <p:cNvSpPr txBox="1">
+            <a:spLocks noGrp="1"/>
+          </p:cNvSpPr>
           <p:nvPr>
-            <p:ph idx="1" type="body"/>
+            <p:ph type="body" idx="1"/>
           </p:nvPr>
         </p:nvSpPr>
         <p:spPr>
@@ -375,11 +388,11 @@
           </a:ln>
         </p:spPr>
         <p:txBody>
-          <a:bodyPr anchorCtr="0" anchor="t" bIns="91425" lIns="91425" spcFirstLastPara="1" rIns="91425" wrap="square" tIns="91425">
+          <a:bodyPr spcFirstLastPara="1" wrap="square" lIns="91425" tIns="91425" rIns="91425" bIns="91425" anchor="t" anchorCtr="0">
             <a:noAutofit/>
           </a:bodyPr>
           <a:lstStyle>
-            <a:lvl1pPr indent="-298450" lvl="0" marL="457200">
+            <a:lvl1pPr marL="457200" lvl="0" indent="-298450">
               <a:spcBef>
                 <a:spcPts val="0"/>
               </a:spcBef>
@@ -390,7 +403,7 @@
               <a:buChar char="●"/>
               <a:defRPr sz="1100"/>
             </a:lvl1pPr>
-            <a:lvl2pPr indent="-298450" lvl="1" marL="914400">
+            <a:lvl2pPr marL="914400" lvl="1" indent="-298450">
               <a:spcBef>
                 <a:spcPts val="0"/>
               </a:spcBef>
@@ -401,7 +414,7 @@
               <a:buChar char="○"/>
               <a:defRPr sz="1100"/>
             </a:lvl2pPr>
-            <a:lvl3pPr indent="-298450" lvl="2" marL="1371600">
+            <a:lvl3pPr marL="1371600" lvl="2" indent="-298450">
               <a:spcBef>
                 <a:spcPts val="0"/>
               </a:spcBef>
@@ -412,7 +425,7 @@
               <a:buChar char="■"/>
               <a:defRPr sz="1100"/>
             </a:lvl3pPr>
-            <a:lvl4pPr indent="-298450" lvl="3" marL="1828800">
+            <a:lvl4pPr marL="1828800" lvl="3" indent="-298450">
               <a:spcBef>
                 <a:spcPts val="0"/>
               </a:spcBef>
@@ -423,7 +436,7 @@
               <a:buChar char="●"/>
               <a:defRPr sz="1100"/>
             </a:lvl4pPr>
-            <a:lvl5pPr indent="-298450" lvl="4" marL="2286000">
+            <a:lvl5pPr marL="2286000" lvl="4" indent="-298450">
               <a:spcBef>
                 <a:spcPts val="0"/>
               </a:spcBef>
@@ -434,7 +447,7 @@
               <a:buChar char="○"/>
               <a:defRPr sz="1100"/>
             </a:lvl5pPr>
-            <a:lvl6pPr indent="-298450" lvl="5" marL="2743200">
+            <a:lvl6pPr marL="2743200" lvl="5" indent="-298450">
               <a:spcBef>
                 <a:spcPts val="0"/>
               </a:spcBef>
@@ -445,7 +458,7 @@
               <a:buChar char="■"/>
               <a:defRPr sz="1100"/>
             </a:lvl6pPr>
-            <a:lvl7pPr indent="-298450" lvl="6" marL="3200400">
+            <a:lvl7pPr marL="3200400" lvl="6" indent="-298450">
               <a:spcBef>
                 <a:spcPts val="0"/>
               </a:spcBef>
@@ -456,7 +469,7 @@
               <a:buChar char="●"/>
               <a:defRPr sz="1100"/>
             </a:lvl7pPr>
-            <a:lvl8pPr indent="-298450" lvl="7" marL="3657600">
+            <a:lvl8pPr marL="3657600" lvl="7" indent="-298450">
               <a:spcBef>
                 <a:spcPts val="0"/>
               </a:spcBef>
@@ -467,7 +480,7 @@
               <a:buChar char="○"/>
               <a:defRPr sz="1100"/>
             </a:lvl8pPr>
-            <a:lvl9pPr indent="-298450" lvl="8" marL="4114800">
+            <a:lvl9pPr marL="4114800" lvl="8" indent="-298450">
               <a:spcBef>
                 <a:spcPts val="0"/>
               </a:spcBef>
@@ -479,14 +492,21 @@
               <a:defRPr sz="1100"/>
             </a:lvl9pPr>
           </a:lstStyle>
-          <a:p/>
+          <a:p>
+            <a:endParaRPr/>
+          </a:p>
         </p:txBody>
       </p:sp>
     </p:spTree>
+    <p:extLst>
+      <p:ext uri="{BB962C8B-B14F-4D97-AF65-F5344CB8AC3E}">
+        <p14:creationId xmlns:p14="http://schemas.microsoft.com/office/powerpoint/2010/main" val="3177255260"/>
+      </p:ext>
+    </p:extLst>
   </p:cSld>
-  <p:clrMap accent1="accent1" accent2="accent2" accent3="accent3" accent4="accent4" accent5="accent5" accent6="accent6" bg1="lt1" bg2="dk2" tx1="dk1" tx2="lt2" folHlink="folHlink" hlink="hlink"/>
+  <p:clrMap bg1="lt1" tx1="dk1" bg2="dk2" tx2="lt2" accent1="accent1" accent2="accent2" accent3="accent3" accent4="accent4" accent5="accent5" accent6="accent6" hlink="hlink" folHlink="folHlink"/>
   <p:notesStyle>
-    <a:defPPr lvl="0" marR="0" rtl="0" algn="l">
+    <a:defPPr marR="0" lvl="0" algn="l" rtl="0">
       <a:lnSpc>
         <a:spcPct val="100000"/>
       </a:lnSpc>
@@ -497,7 +517,7 @@
         <a:spcPts val="0"/>
       </a:spcAft>
     </a:defPPr>
-    <a:lvl1pPr lvl="0" marR="0" rtl="0" algn="l">
+    <a:lvl1pPr marR="0" lvl="0" algn="l" rtl="0">
       <a:lnSpc>
         <a:spcPct val="100000"/>
       </a:lnSpc>
@@ -511,7 +531,7 @@
         <a:srgbClr val="000000"/>
       </a:buClr>
       <a:buFont typeface="Arial"/>
-      <a:defRPr b="0" i="0" sz="1400" u="none" cap="none" strike="noStrike">
+      <a:defRPr sz="1400" b="0" i="0" u="none" strike="noStrike" cap="none">
         <a:solidFill>
           <a:srgbClr val="000000"/>
         </a:solidFill>
@@ -521,7 +541,7 @@
         <a:sym typeface="Arial"/>
       </a:defRPr>
     </a:lvl1pPr>
-    <a:lvl2pPr lvl="1" marR="0" rtl="0" algn="l">
+    <a:lvl2pPr marR="0" lvl="1" algn="l" rtl="0">
       <a:lnSpc>
         <a:spcPct val="100000"/>
       </a:lnSpc>
@@ -535,7 +555,7 @@
         <a:srgbClr val="000000"/>
       </a:buClr>
       <a:buFont typeface="Arial"/>
-      <a:defRPr b="0" i="0" sz="1400" u="none" cap="none" strike="noStrike">
+      <a:defRPr sz="1400" b="0" i="0" u="none" strike="noStrike" cap="none">
         <a:solidFill>
           <a:srgbClr val="000000"/>
         </a:solidFill>
@@ -545,7 +565,7 @@
         <a:sym typeface="Arial"/>
       </a:defRPr>
     </a:lvl2pPr>
-    <a:lvl3pPr lvl="2" marR="0" rtl="0" algn="l">
+    <a:lvl3pPr marR="0" lvl="2" algn="l" rtl="0">
       <a:lnSpc>
         <a:spcPct val="100000"/>
       </a:lnSpc>
@@ -559,7 +579,7 @@
         <a:srgbClr val="000000"/>
       </a:buClr>
       <a:buFont typeface="Arial"/>
-      <a:defRPr b="0" i="0" sz="1400" u="none" cap="none" strike="noStrike">
+      <a:defRPr sz="1400" b="0" i="0" u="none" strike="noStrike" cap="none">
         <a:solidFill>
           <a:srgbClr val="000000"/>
         </a:solidFill>
@@ -569,7 +589,7 @@
         <a:sym typeface="Arial"/>
       </a:defRPr>
     </a:lvl3pPr>
-    <a:lvl4pPr lvl="3" marR="0" rtl="0" algn="l">
+    <a:lvl4pPr marR="0" lvl="3" algn="l" rtl="0">
       <a:lnSpc>
         <a:spcPct val="100000"/>
       </a:lnSpc>
@@ -583,7 +603,7 @@
         <a:srgbClr val="000000"/>
       </a:buClr>
       <a:buFont typeface="Arial"/>
-      <a:defRPr b="0" i="0" sz="1400" u="none" cap="none" strike="noStrike">
+      <a:defRPr sz="1400" b="0" i="0" u="none" strike="noStrike" cap="none">
         <a:solidFill>
           <a:srgbClr val="000000"/>
         </a:solidFill>
@@ -593,7 +613,7 @@
         <a:sym typeface="Arial"/>
       </a:defRPr>
     </a:lvl4pPr>
-    <a:lvl5pPr lvl="4" marR="0" rtl="0" algn="l">
+    <a:lvl5pPr marR="0" lvl="4" algn="l" rtl="0">
       <a:lnSpc>
         <a:spcPct val="100000"/>
       </a:lnSpc>
@@ -607,7 +627,7 @@
         <a:srgbClr val="000000"/>
       </a:buClr>
       <a:buFont typeface="Arial"/>
-      <a:defRPr b="0" i="0" sz="1400" u="none" cap="none" strike="noStrike">
+      <a:defRPr sz="1400" b="0" i="0" u="none" strike="noStrike" cap="none">
         <a:solidFill>
           <a:srgbClr val="000000"/>
         </a:solidFill>
@@ -617,7 +637,7 @@
         <a:sym typeface="Arial"/>
       </a:defRPr>
     </a:lvl5pPr>
-    <a:lvl6pPr lvl="5" marR="0" rtl="0" algn="l">
+    <a:lvl6pPr marR="0" lvl="5" algn="l" rtl="0">
       <a:lnSpc>
         <a:spcPct val="100000"/>
       </a:lnSpc>
@@ -631,7 +651,7 @@
         <a:srgbClr val="000000"/>
       </a:buClr>
       <a:buFont typeface="Arial"/>
-      <a:defRPr b="0" i="0" sz="1400" u="none" cap="none" strike="noStrike">
+      <a:defRPr sz="1400" b="0" i="0" u="none" strike="noStrike" cap="none">
         <a:solidFill>
           <a:srgbClr val="000000"/>
         </a:solidFill>
@@ -641,7 +661,7 @@
         <a:sym typeface="Arial"/>
       </a:defRPr>
     </a:lvl6pPr>
-    <a:lvl7pPr lvl="6" marR="0" rtl="0" algn="l">
+    <a:lvl7pPr marR="0" lvl="6" algn="l" rtl="0">
       <a:lnSpc>
         <a:spcPct val="100000"/>
       </a:lnSpc>
@@ -655,7 +675,7 @@
         <a:srgbClr val="000000"/>
       </a:buClr>
       <a:buFont typeface="Arial"/>
-      <a:defRPr b="0" i="0" sz="1400" u="none" cap="none" strike="noStrike">
+      <a:defRPr sz="1400" b="0" i="0" u="none" strike="noStrike" cap="none">
         <a:solidFill>
           <a:srgbClr val="000000"/>
         </a:solidFill>
@@ -665,7 +685,7 @@
         <a:sym typeface="Arial"/>
       </a:defRPr>
     </a:lvl7pPr>
-    <a:lvl8pPr lvl="7" marR="0" rtl="0" algn="l">
+    <a:lvl8pPr marR="0" lvl="7" algn="l" rtl="0">
       <a:lnSpc>
         <a:spcPct val="100000"/>
       </a:lnSpc>
@@ -679,7 +699,7 @@
         <a:srgbClr val="000000"/>
       </a:buClr>
       <a:buFont typeface="Arial"/>
-      <a:defRPr b="0" i="0" sz="1400" u="none" cap="none" strike="noStrike">
+      <a:defRPr sz="1400" b="0" i="0" u="none" strike="noStrike" cap="none">
         <a:solidFill>
           <a:srgbClr val="000000"/>
         </a:solidFill>
@@ -689,7 +709,7 @@
         <a:sym typeface="Arial"/>
       </a:defRPr>
     </a:lvl8pPr>
-    <a:lvl9pPr lvl="8" marR="0" rtl="0" algn="l">
+    <a:lvl9pPr marR="0" lvl="8" algn="l" rtl="0">
       <a:lnSpc>
         <a:spcPct val="100000"/>
       </a:lnSpc>
@@ -703,7 +723,7 @@
         <a:srgbClr val="000000"/>
       </a:buClr>
       <a:buFont typeface="Arial"/>
-      <a:defRPr b="0" i="0" sz="1400" u="none" cap="none" strike="noStrike">
+      <a:defRPr sz="1400" b="0" i="0" u="none" strike="noStrike" cap="none">
         <a:solidFill>
           <a:srgbClr val="000000"/>
         </a:solidFill>
@@ -718,11 +738,11 @@
 </file>
 
 <file path=ppt/notesSlides/notesSlide1.xml><?xml version="1.0" encoding="utf-8"?>
-<p:notes xmlns:a="http://schemas.openxmlformats.org/drawingml/2006/main" xmlns:r="http://schemas.openxmlformats.org/officeDocument/2006/relationships" xmlns:mc="http://schemas.openxmlformats.org/markup-compatibility/2006" xmlns:mv="urn:schemas-microsoft-com:mac:vml" xmlns:p="http://schemas.openxmlformats.org/presentationml/2006/main" xmlns:c="http://schemas.openxmlformats.org/drawingml/2006/chart" xmlns:dgm="http://schemas.openxmlformats.org/drawingml/2006/diagram" xmlns:o="urn:schemas-microsoft-com:office:office" xmlns:v="urn:schemas-microsoft-com:vml" xmlns:pvml="urn:schemas-microsoft-com:office:powerpoint" xmlns:com="http://schemas.openxmlformats.org/drawingml/2006/compatibility" xmlns:p14="http://schemas.microsoft.com/office/powerpoint/2010/main" xmlns:p15="http://schemas.microsoft.com/office/powerpoint/2012/main" showMasterPhAnim="0" showMasterSp="0">
+<p:notes xmlns:a="http://schemas.openxmlformats.org/drawingml/2006/main" xmlns:r="http://schemas.openxmlformats.org/officeDocument/2006/relationships" xmlns:p="http://schemas.openxmlformats.org/presentationml/2006/main" showMasterSp="0" showMasterPhAnim="0">
   <p:cSld>
     <p:spTree>
       <p:nvGrpSpPr>
-        <p:cNvPr id="82" name="Shape 82"/>
+        <p:cNvPr id="1" name="Shape 82"/>
         <p:cNvGrpSpPr/>
         <p:nvPr/>
       </p:nvGrpSpPr>
@@ -737,9 +757,11 @@
       <p:sp>
         <p:nvSpPr>
           <p:cNvPr id="83" name="Google Shape;83;p:notes"/>
-          <p:cNvSpPr/>
+          <p:cNvSpPr>
+            <a:spLocks noGrp="1" noRot="1" noChangeAspect="1"/>
+          </p:cNvSpPr>
           <p:nvPr>
-            <p:ph idx="2" type="sldImg"/>
+            <p:ph type="sldImg" idx="2"/>
           </p:nvPr>
         </p:nvSpPr>
         <p:spPr>
@@ -748,9 +770,13 @@
             <a:ext cx="6096075" cy="3429000"/>
           </a:xfrm>
           <a:custGeom>
-            <a:rect b="b" l="l" r="r" t="t"/>
+            <a:avLst/>
+            <a:gdLst/>
+            <a:ahLst/>
+            <a:cxnLst/>
+            <a:rect l="l" t="t" r="r" b="b"/>
             <a:pathLst>
-              <a:path extrusionOk="0" h="120000" w="120000">
+              <a:path w="120000" h="120000" extrusionOk="0">
                 <a:moveTo>
                   <a:pt x="0" y="0"/>
                 </a:moveTo>
@@ -772,9 +798,11 @@
       <p:sp>
         <p:nvSpPr>
           <p:cNvPr id="84" name="Google Shape;84;p:notes"/>
-          <p:cNvSpPr txBox="1"/>
+          <p:cNvSpPr txBox="1">
+            <a:spLocks noGrp="1"/>
+          </p:cNvSpPr>
           <p:nvPr>
-            <p:ph idx="1" type="body"/>
+            <p:ph type="body" idx="1"/>
           </p:nvPr>
         </p:nvSpPr>
         <p:spPr>
@@ -787,12 +815,12 @@
           </a:prstGeom>
         </p:spPr>
         <p:txBody>
-          <a:bodyPr anchorCtr="0" anchor="t" bIns="91425" lIns="91425" spcFirstLastPara="1" rIns="91425" wrap="square" tIns="91425">
+          <a:bodyPr spcFirstLastPara="1" wrap="square" lIns="91425" tIns="91425" rIns="91425" bIns="91425" anchor="t" anchorCtr="0">
             <a:noAutofit/>
           </a:bodyPr>
           <a:lstStyle/>
           <a:p>
-            <a:pPr indent="0" lvl="0" marL="0" rtl="0" algn="l">
+            <a:pPr marL="0" lvl="0" indent="0" algn="l" rtl="0">
               <a:spcBef>
                 <a:spcPts val="0"/>
               </a:spcBef>
@@ -801,9 +829,6 @@
               </a:spcAft>
               <a:buNone/>
             </a:pPr>
-            <a:r>
-              <a:t/>
-            </a:r>
             <a:endParaRPr/>
           </a:p>
         </p:txBody>
@@ -817,11 +842,11 @@
 </file>
 
 <file path=ppt/notesSlides/notesSlide2.xml><?xml version="1.0" encoding="utf-8"?>
-<p:notes xmlns:a="http://schemas.openxmlformats.org/drawingml/2006/main" xmlns:r="http://schemas.openxmlformats.org/officeDocument/2006/relationships" xmlns:mc="http://schemas.openxmlformats.org/markup-compatibility/2006" xmlns:mv="urn:schemas-microsoft-com:mac:vml" xmlns:p="http://schemas.openxmlformats.org/presentationml/2006/main" xmlns:c="http://schemas.openxmlformats.org/drawingml/2006/chart" xmlns:dgm="http://schemas.openxmlformats.org/drawingml/2006/diagram" xmlns:o="urn:schemas-microsoft-com:office:office" xmlns:v="urn:schemas-microsoft-com:vml" xmlns:pvml="urn:schemas-microsoft-com:office:powerpoint" xmlns:com="http://schemas.openxmlformats.org/drawingml/2006/compatibility" xmlns:p14="http://schemas.microsoft.com/office/powerpoint/2010/main" xmlns:p15="http://schemas.microsoft.com/office/powerpoint/2012/main" showMasterPhAnim="0" showMasterSp="0">
+<p:notes xmlns:a="http://schemas.openxmlformats.org/drawingml/2006/main" xmlns:r="http://schemas.openxmlformats.org/officeDocument/2006/relationships" xmlns:p="http://schemas.openxmlformats.org/presentationml/2006/main" showMasterSp="0" showMasterPhAnim="0">
   <p:cSld>
     <p:spTree>
       <p:nvGrpSpPr>
-        <p:cNvPr id="87" name="Shape 87"/>
+        <p:cNvPr id="1" name="Shape 87"/>
         <p:cNvGrpSpPr/>
         <p:nvPr/>
       </p:nvGrpSpPr>
@@ -836,9 +861,11 @@
       <p:sp>
         <p:nvSpPr>
           <p:cNvPr id="88" name="Google Shape;88;g63dcb2d569_0_77:notes"/>
-          <p:cNvSpPr/>
+          <p:cNvSpPr>
+            <a:spLocks noGrp="1" noRot="1" noChangeAspect="1"/>
+          </p:cNvSpPr>
           <p:nvPr>
-            <p:ph idx="2" type="sldImg"/>
+            <p:ph type="sldImg" idx="2"/>
           </p:nvPr>
         </p:nvSpPr>
         <p:spPr>
@@ -847,9 +874,13 @@
             <a:ext cx="6096000" cy="3429000"/>
           </a:xfrm>
           <a:custGeom>
-            <a:rect b="b" l="l" r="r" t="t"/>
+            <a:avLst/>
+            <a:gdLst/>
+            <a:ahLst/>
+            <a:cxnLst/>
+            <a:rect l="l" t="t" r="r" b="b"/>
             <a:pathLst>
-              <a:path extrusionOk="0" h="120000" w="120000">
+              <a:path w="120000" h="120000" extrusionOk="0">
                 <a:moveTo>
                   <a:pt x="0" y="0"/>
                 </a:moveTo>
@@ -871,9 +902,11 @@
       <p:sp>
         <p:nvSpPr>
           <p:cNvPr id="89" name="Google Shape;89;g63dcb2d569_0_77:notes"/>
-          <p:cNvSpPr txBox="1"/>
+          <p:cNvSpPr txBox="1">
+            <a:spLocks noGrp="1"/>
+          </p:cNvSpPr>
           <p:nvPr>
-            <p:ph idx="1" type="body"/>
+            <p:ph type="body" idx="1"/>
           </p:nvPr>
         </p:nvSpPr>
         <p:spPr>
@@ -886,12 +919,12 @@
           </a:prstGeom>
         </p:spPr>
         <p:txBody>
-          <a:bodyPr anchorCtr="0" anchor="t" bIns="91425" lIns="91425" spcFirstLastPara="1" rIns="91425" wrap="square" tIns="91425">
+          <a:bodyPr spcFirstLastPara="1" wrap="square" lIns="91425" tIns="91425" rIns="91425" bIns="91425" anchor="t" anchorCtr="0">
             <a:noAutofit/>
           </a:bodyPr>
           <a:lstStyle/>
           <a:p>
-            <a:pPr indent="0" lvl="0" marL="0" rtl="0" algn="l">
+            <a:pPr marL="0" lvl="0" indent="0" algn="l" rtl="0">
               <a:spcBef>
                 <a:spcPts val="0"/>
               </a:spcBef>
@@ -900,9 +933,6 @@
               </a:spcAft>
               <a:buNone/>
             </a:pPr>
-            <a:r>
-              <a:t/>
-            </a:r>
             <a:endParaRPr/>
           </a:p>
         </p:txBody>
@@ -916,11 +946,11 @@
 </file>
 
 <file path=ppt/notesSlides/notesSlide3.xml><?xml version="1.0" encoding="utf-8"?>
-<p:notes xmlns:a="http://schemas.openxmlformats.org/drawingml/2006/main" xmlns:r="http://schemas.openxmlformats.org/officeDocument/2006/relationships" xmlns:mc="http://schemas.openxmlformats.org/markup-compatibility/2006" xmlns:mv="urn:schemas-microsoft-com:mac:vml" xmlns:p="http://schemas.openxmlformats.org/presentationml/2006/main" xmlns:c="http://schemas.openxmlformats.org/drawingml/2006/chart" xmlns:dgm="http://schemas.openxmlformats.org/drawingml/2006/diagram" xmlns:o="urn:schemas-microsoft-com:office:office" xmlns:v="urn:schemas-microsoft-com:vml" xmlns:pvml="urn:schemas-microsoft-com:office:powerpoint" xmlns:com="http://schemas.openxmlformats.org/drawingml/2006/compatibility" xmlns:p14="http://schemas.microsoft.com/office/powerpoint/2010/main" xmlns:p15="http://schemas.microsoft.com/office/powerpoint/2012/main" showMasterPhAnim="0" showMasterSp="0">
+<p:notes xmlns:a="http://schemas.openxmlformats.org/drawingml/2006/main" xmlns:r="http://schemas.openxmlformats.org/officeDocument/2006/relationships" xmlns:p="http://schemas.openxmlformats.org/presentationml/2006/main" showMasterSp="0" showMasterPhAnim="0">
   <p:cSld>
     <p:spTree>
       <p:nvGrpSpPr>
-        <p:cNvPr id="94" name="Shape 94"/>
+        <p:cNvPr id="1" name="Shape 94"/>
         <p:cNvGrpSpPr/>
         <p:nvPr/>
       </p:nvGrpSpPr>
@@ -935,9 +965,11 @@
       <p:sp>
         <p:nvSpPr>
           <p:cNvPr id="95" name="Google Shape;95;g63dcb2d569_1_1:notes"/>
-          <p:cNvSpPr/>
+          <p:cNvSpPr>
+            <a:spLocks noGrp="1" noRot="1" noChangeAspect="1"/>
+          </p:cNvSpPr>
           <p:nvPr>
-            <p:ph idx="2" type="sldImg"/>
+            <p:ph type="sldImg" idx="2"/>
           </p:nvPr>
         </p:nvSpPr>
         <p:spPr>
@@ -946,9 +978,13 @@
             <a:ext cx="6096000" cy="3429000"/>
           </a:xfrm>
           <a:custGeom>
-            <a:rect b="b" l="l" r="r" t="t"/>
+            <a:avLst/>
+            <a:gdLst/>
+            <a:ahLst/>
+            <a:cxnLst/>
+            <a:rect l="l" t="t" r="r" b="b"/>
             <a:pathLst>
-              <a:path extrusionOk="0" h="120000" w="120000">
+              <a:path w="120000" h="120000" extrusionOk="0">
                 <a:moveTo>
                   <a:pt x="0" y="0"/>
                 </a:moveTo>
@@ -970,9 +1006,11 @@
       <p:sp>
         <p:nvSpPr>
           <p:cNvPr id="96" name="Google Shape;96;g63dcb2d569_1_1:notes"/>
-          <p:cNvSpPr txBox="1"/>
+          <p:cNvSpPr txBox="1">
+            <a:spLocks noGrp="1"/>
+          </p:cNvSpPr>
           <p:nvPr>
-            <p:ph idx="1" type="body"/>
+            <p:ph type="body" idx="1"/>
           </p:nvPr>
         </p:nvSpPr>
         <p:spPr>
@@ -985,12 +1023,12 @@
           </a:prstGeom>
         </p:spPr>
         <p:txBody>
-          <a:bodyPr anchorCtr="0" anchor="t" bIns="91425" lIns="91425" spcFirstLastPara="1" rIns="91425" wrap="square" tIns="91425">
+          <a:bodyPr spcFirstLastPara="1" wrap="square" lIns="91425" tIns="91425" rIns="91425" bIns="91425" anchor="t" anchorCtr="0">
             <a:noAutofit/>
           </a:bodyPr>
           <a:lstStyle/>
           <a:p>
-            <a:pPr indent="0" lvl="0" marL="0" rtl="0" algn="l">
+            <a:pPr marL="0" lvl="0" indent="0" algn="l" rtl="0">
               <a:spcBef>
                 <a:spcPts val="0"/>
               </a:spcBef>
@@ -999,9 +1037,6 @@
               </a:spcAft>
               <a:buNone/>
             </a:pPr>
-            <a:r>
-              <a:t/>
-            </a:r>
             <a:endParaRPr/>
           </a:p>
         </p:txBody>
@@ -1015,11 +1050,11 @@
 </file>
 
 <file path=ppt/notesSlides/notesSlide4.xml><?xml version="1.0" encoding="utf-8"?>
-<p:notes xmlns:a="http://schemas.openxmlformats.org/drawingml/2006/main" xmlns:r="http://schemas.openxmlformats.org/officeDocument/2006/relationships" xmlns:mc="http://schemas.openxmlformats.org/markup-compatibility/2006" xmlns:mv="urn:schemas-microsoft-com:mac:vml" xmlns:p="http://schemas.openxmlformats.org/presentationml/2006/main" xmlns:c="http://schemas.openxmlformats.org/drawingml/2006/chart" xmlns:dgm="http://schemas.openxmlformats.org/drawingml/2006/diagram" xmlns:o="urn:schemas-microsoft-com:office:office" xmlns:v="urn:schemas-microsoft-com:vml" xmlns:pvml="urn:schemas-microsoft-com:office:powerpoint" xmlns:com="http://schemas.openxmlformats.org/drawingml/2006/compatibility" xmlns:p14="http://schemas.microsoft.com/office/powerpoint/2010/main" xmlns:p15="http://schemas.microsoft.com/office/powerpoint/2012/main" showMasterPhAnim="0" showMasterSp="0">
+<p:notes xmlns:a="http://schemas.openxmlformats.org/drawingml/2006/main" xmlns:r="http://schemas.openxmlformats.org/officeDocument/2006/relationships" xmlns:p="http://schemas.openxmlformats.org/presentationml/2006/main" showMasterSp="0" showMasterPhAnim="0">
   <p:cSld>
     <p:spTree>
       <p:nvGrpSpPr>
-        <p:cNvPr id="102" name="Shape 102"/>
+        <p:cNvPr id="1" name="Shape 102"/>
         <p:cNvGrpSpPr/>
         <p:nvPr/>
       </p:nvGrpSpPr>
@@ -1034,9 +1069,11 @@
       <p:sp>
         <p:nvSpPr>
           <p:cNvPr id="103" name="Google Shape;103;g63dcb2d569_1_8:notes"/>
-          <p:cNvSpPr/>
+          <p:cNvSpPr>
+            <a:spLocks noGrp="1" noRot="1" noChangeAspect="1"/>
+          </p:cNvSpPr>
           <p:nvPr>
-            <p:ph idx="2" type="sldImg"/>
+            <p:ph type="sldImg" idx="2"/>
           </p:nvPr>
         </p:nvSpPr>
         <p:spPr>
@@ -1045,9 +1082,13 @@
             <a:ext cx="6096000" cy="3429000"/>
           </a:xfrm>
           <a:custGeom>
-            <a:rect b="b" l="l" r="r" t="t"/>
+            <a:avLst/>
+            <a:gdLst/>
+            <a:ahLst/>
+            <a:cxnLst/>
+            <a:rect l="l" t="t" r="r" b="b"/>
             <a:pathLst>
-              <a:path extrusionOk="0" h="120000" w="120000">
+              <a:path w="120000" h="120000" extrusionOk="0">
                 <a:moveTo>
                   <a:pt x="0" y="0"/>
                 </a:moveTo>
@@ -1069,9 +1110,11 @@
       <p:sp>
         <p:nvSpPr>
           <p:cNvPr id="104" name="Google Shape;104;g63dcb2d569_1_8:notes"/>
-          <p:cNvSpPr txBox="1"/>
+          <p:cNvSpPr txBox="1">
+            <a:spLocks noGrp="1"/>
+          </p:cNvSpPr>
           <p:nvPr>
-            <p:ph idx="1" type="body"/>
+            <p:ph type="body" idx="1"/>
           </p:nvPr>
         </p:nvSpPr>
         <p:spPr>
@@ -1084,12 +1127,12 @@
           </a:prstGeom>
         </p:spPr>
         <p:txBody>
-          <a:bodyPr anchorCtr="0" anchor="t" bIns="91425" lIns="91425" spcFirstLastPara="1" rIns="91425" wrap="square" tIns="91425">
+          <a:bodyPr spcFirstLastPara="1" wrap="square" lIns="91425" tIns="91425" rIns="91425" bIns="91425" anchor="t" anchorCtr="0">
             <a:noAutofit/>
           </a:bodyPr>
           <a:lstStyle/>
           <a:p>
-            <a:pPr indent="0" lvl="0" marL="0" rtl="0" algn="l">
+            <a:pPr marL="0" lvl="0" indent="0" algn="l" rtl="0">
               <a:spcBef>
                 <a:spcPts val="0"/>
               </a:spcBef>
@@ -1098,9 +1141,6 @@
               </a:spcAft>
               <a:buNone/>
             </a:pPr>
-            <a:r>
-              <a:t/>
-            </a:r>
             <a:endParaRPr/>
           </a:p>
         </p:txBody>
@@ -1114,11 +1154,11 @@
 </file>
 
 <file path=ppt/notesSlides/notesSlide5.xml><?xml version="1.0" encoding="utf-8"?>
-<p:notes xmlns:a="http://schemas.openxmlformats.org/drawingml/2006/main" xmlns:r="http://schemas.openxmlformats.org/officeDocument/2006/relationships" xmlns:mc="http://schemas.openxmlformats.org/markup-compatibility/2006" xmlns:mv="urn:schemas-microsoft-com:mac:vml" xmlns:p="http://schemas.openxmlformats.org/presentationml/2006/main" xmlns:c="http://schemas.openxmlformats.org/drawingml/2006/chart" xmlns:dgm="http://schemas.openxmlformats.org/drawingml/2006/diagram" xmlns:o="urn:schemas-microsoft-com:office:office" xmlns:v="urn:schemas-microsoft-com:vml" xmlns:pvml="urn:schemas-microsoft-com:office:powerpoint" xmlns:com="http://schemas.openxmlformats.org/drawingml/2006/compatibility" xmlns:p14="http://schemas.microsoft.com/office/powerpoint/2010/main" xmlns:p15="http://schemas.microsoft.com/office/powerpoint/2012/main" showMasterPhAnim="0" showMasterSp="0">
+<p:notes xmlns:a="http://schemas.openxmlformats.org/drawingml/2006/main" xmlns:r="http://schemas.openxmlformats.org/officeDocument/2006/relationships" xmlns:p="http://schemas.openxmlformats.org/presentationml/2006/main" showMasterSp="0" showMasterPhAnim="0">
   <p:cSld>
     <p:spTree>
       <p:nvGrpSpPr>
-        <p:cNvPr id="110" name="Shape 110"/>
+        <p:cNvPr id="1" name="Shape 110"/>
         <p:cNvGrpSpPr/>
         <p:nvPr/>
       </p:nvGrpSpPr>
@@ -1133,9 +1173,11 @@
       <p:sp>
         <p:nvSpPr>
           <p:cNvPr id="111" name="Google Shape;111;g63dcb2d569_1_15:notes"/>
-          <p:cNvSpPr/>
+          <p:cNvSpPr>
+            <a:spLocks noGrp="1" noRot="1" noChangeAspect="1"/>
+          </p:cNvSpPr>
           <p:nvPr>
-            <p:ph idx="2" type="sldImg"/>
+            <p:ph type="sldImg" idx="2"/>
           </p:nvPr>
         </p:nvSpPr>
         <p:spPr>
@@ -1144,9 +1186,13 @@
             <a:ext cx="6096000" cy="3429000"/>
           </a:xfrm>
           <a:custGeom>
-            <a:rect b="b" l="l" r="r" t="t"/>
+            <a:avLst/>
+            <a:gdLst/>
+            <a:ahLst/>
+            <a:cxnLst/>
+            <a:rect l="l" t="t" r="r" b="b"/>
             <a:pathLst>
-              <a:path extrusionOk="0" h="120000" w="120000">
+              <a:path w="120000" h="120000" extrusionOk="0">
                 <a:moveTo>
                   <a:pt x="0" y="0"/>
                 </a:moveTo>
@@ -1168,9 +1214,11 @@
       <p:sp>
         <p:nvSpPr>
           <p:cNvPr id="112" name="Google Shape;112;g63dcb2d569_1_15:notes"/>
-          <p:cNvSpPr txBox="1"/>
+          <p:cNvSpPr txBox="1">
+            <a:spLocks noGrp="1"/>
+          </p:cNvSpPr>
           <p:nvPr>
-            <p:ph idx="1" type="body"/>
+            <p:ph type="body" idx="1"/>
           </p:nvPr>
         </p:nvSpPr>
         <p:spPr>
@@ -1183,12 +1231,12 @@
           </a:prstGeom>
         </p:spPr>
         <p:txBody>
-          <a:bodyPr anchorCtr="0" anchor="t" bIns="91425" lIns="91425" spcFirstLastPara="1" rIns="91425" wrap="square" tIns="91425">
+          <a:bodyPr spcFirstLastPara="1" wrap="square" lIns="91425" tIns="91425" rIns="91425" bIns="91425" anchor="t" anchorCtr="0">
             <a:noAutofit/>
           </a:bodyPr>
           <a:lstStyle/>
           <a:p>
-            <a:pPr indent="0" lvl="0" marL="0" rtl="0" algn="l">
+            <a:pPr marL="0" lvl="0" indent="0" algn="l" rtl="0">
               <a:spcBef>
                 <a:spcPts val="0"/>
               </a:spcBef>
@@ -1197,9 +1245,6 @@
               </a:spcAft>
               <a:buNone/>
             </a:pPr>
-            <a:r>
-              <a:t/>
-            </a:r>
             <a:endParaRPr/>
           </a:p>
         </p:txBody>
@@ -1213,11 +1258,11 @@
 </file>
 
 <file path=ppt/notesSlides/notesSlide6.xml><?xml version="1.0" encoding="utf-8"?>
-<p:notes xmlns:a="http://schemas.openxmlformats.org/drawingml/2006/main" xmlns:r="http://schemas.openxmlformats.org/officeDocument/2006/relationships" xmlns:mc="http://schemas.openxmlformats.org/markup-compatibility/2006" xmlns:mv="urn:schemas-microsoft-com:mac:vml" xmlns:p="http://schemas.openxmlformats.org/presentationml/2006/main" xmlns:c="http://schemas.openxmlformats.org/drawingml/2006/chart" xmlns:dgm="http://schemas.openxmlformats.org/drawingml/2006/diagram" xmlns:o="urn:schemas-microsoft-com:office:office" xmlns:v="urn:schemas-microsoft-com:vml" xmlns:pvml="urn:schemas-microsoft-com:office:powerpoint" xmlns:com="http://schemas.openxmlformats.org/drawingml/2006/compatibility" xmlns:p14="http://schemas.microsoft.com/office/powerpoint/2010/main" xmlns:p15="http://schemas.microsoft.com/office/powerpoint/2012/main" showMasterPhAnim="0" showMasterSp="0">
+<p:notes xmlns:a="http://schemas.openxmlformats.org/drawingml/2006/main" xmlns:r="http://schemas.openxmlformats.org/officeDocument/2006/relationships" xmlns:p="http://schemas.openxmlformats.org/presentationml/2006/main" showMasterSp="0" showMasterPhAnim="0">
   <p:cSld>
     <p:spTree>
       <p:nvGrpSpPr>
-        <p:cNvPr id="117" name="Shape 117"/>
+        <p:cNvPr id="1" name="Shape 117"/>
         <p:cNvGrpSpPr/>
         <p:nvPr/>
       </p:nvGrpSpPr>
@@ -1232,9 +1277,11 @@
       <p:sp>
         <p:nvSpPr>
           <p:cNvPr id="118" name="Google Shape;118;g63dcb2d569_1_21:notes"/>
-          <p:cNvSpPr/>
+          <p:cNvSpPr>
+            <a:spLocks noGrp="1" noRot="1" noChangeAspect="1"/>
+          </p:cNvSpPr>
           <p:nvPr>
-            <p:ph idx="2" type="sldImg"/>
+            <p:ph type="sldImg" idx="2"/>
           </p:nvPr>
         </p:nvSpPr>
         <p:spPr>
@@ -1243,9 +1290,13 @@
             <a:ext cx="6096000" cy="3429000"/>
           </a:xfrm>
           <a:custGeom>
-            <a:rect b="b" l="l" r="r" t="t"/>
+            <a:avLst/>
+            <a:gdLst/>
+            <a:ahLst/>
+            <a:cxnLst/>
+            <a:rect l="l" t="t" r="r" b="b"/>
             <a:pathLst>
-              <a:path extrusionOk="0" h="120000" w="120000">
+              <a:path w="120000" h="120000" extrusionOk="0">
                 <a:moveTo>
                   <a:pt x="0" y="0"/>
                 </a:moveTo>
@@ -1267,9 +1318,11 @@
       <p:sp>
         <p:nvSpPr>
           <p:cNvPr id="119" name="Google Shape;119;g63dcb2d569_1_21:notes"/>
-          <p:cNvSpPr txBox="1"/>
+          <p:cNvSpPr txBox="1">
+            <a:spLocks noGrp="1"/>
+          </p:cNvSpPr>
           <p:nvPr>
-            <p:ph idx="1" type="body"/>
+            <p:ph type="body" idx="1"/>
           </p:nvPr>
         </p:nvSpPr>
         <p:spPr>
@@ -1282,12 +1335,12 @@
           </a:prstGeom>
         </p:spPr>
         <p:txBody>
-          <a:bodyPr anchorCtr="0" anchor="t" bIns="91425" lIns="91425" spcFirstLastPara="1" rIns="91425" wrap="square" tIns="91425">
+          <a:bodyPr spcFirstLastPara="1" wrap="square" lIns="91425" tIns="91425" rIns="91425" bIns="91425" anchor="t" anchorCtr="0">
             <a:noAutofit/>
           </a:bodyPr>
           <a:lstStyle/>
           <a:p>
-            <a:pPr indent="0" lvl="0" marL="0" rtl="0" algn="l">
+            <a:pPr marL="0" lvl="0" indent="0" algn="l" rtl="0">
               <a:spcBef>
                 <a:spcPts val="0"/>
               </a:spcBef>
@@ -1296,9 +1349,6 @@
               </a:spcAft>
               <a:buNone/>
             </a:pPr>
-            <a:r>
-              <a:t/>
-            </a:r>
             <a:endParaRPr/>
           </a:p>
         </p:txBody>
@@ -1312,11 +1362,11 @@
 </file>
 
 <file path=ppt/notesSlides/notesSlide7.xml><?xml version="1.0" encoding="utf-8"?>
-<p:notes xmlns:a="http://schemas.openxmlformats.org/drawingml/2006/main" xmlns:r="http://schemas.openxmlformats.org/officeDocument/2006/relationships" xmlns:mc="http://schemas.openxmlformats.org/markup-compatibility/2006" xmlns:mv="urn:schemas-microsoft-com:mac:vml" xmlns:p="http://schemas.openxmlformats.org/presentationml/2006/main" xmlns:c="http://schemas.openxmlformats.org/drawingml/2006/chart" xmlns:dgm="http://schemas.openxmlformats.org/drawingml/2006/diagram" xmlns:o="urn:schemas-microsoft-com:office:office" xmlns:v="urn:schemas-microsoft-com:vml" xmlns:pvml="urn:schemas-microsoft-com:office:powerpoint" xmlns:com="http://schemas.openxmlformats.org/drawingml/2006/compatibility" xmlns:p14="http://schemas.microsoft.com/office/powerpoint/2010/main" xmlns:p15="http://schemas.microsoft.com/office/powerpoint/2012/main" showMasterPhAnim="0" showMasterSp="0">
+<p:notes xmlns:a="http://schemas.openxmlformats.org/drawingml/2006/main" xmlns:r="http://schemas.openxmlformats.org/officeDocument/2006/relationships" xmlns:p="http://schemas.openxmlformats.org/presentationml/2006/main" showMasterSp="0" showMasterPhAnim="0">
   <p:cSld>
     <p:spTree>
       <p:nvGrpSpPr>
-        <p:cNvPr id="125" name="Shape 125"/>
+        <p:cNvPr id="1" name="Shape 125"/>
         <p:cNvGrpSpPr/>
         <p:nvPr/>
       </p:nvGrpSpPr>
@@ -1331,9 +1381,11 @@
       <p:sp>
         <p:nvSpPr>
           <p:cNvPr id="126" name="Google Shape;126;g63dcb2d569_1_28:notes"/>
-          <p:cNvSpPr/>
+          <p:cNvSpPr>
+            <a:spLocks noGrp="1" noRot="1" noChangeAspect="1"/>
+          </p:cNvSpPr>
           <p:nvPr>
-            <p:ph idx="2" type="sldImg"/>
+            <p:ph type="sldImg" idx="2"/>
           </p:nvPr>
         </p:nvSpPr>
         <p:spPr>
@@ -1342,9 +1394,13 @@
             <a:ext cx="6096000" cy="3429000"/>
           </a:xfrm>
           <a:custGeom>
-            <a:rect b="b" l="l" r="r" t="t"/>
+            <a:avLst/>
+            <a:gdLst/>
+            <a:ahLst/>
+            <a:cxnLst/>
+            <a:rect l="l" t="t" r="r" b="b"/>
             <a:pathLst>
-              <a:path extrusionOk="0" h="120000" w="120000">
+              <a:path w="120000" h="120000" extrusionOk="0">
                 <a:moveTo>
                   <a:pt x="0" y="0"/>
                 </a:moveTo>
@@ -1366,9 +1422,11 @@
       <p:sp>
         <p:nvSpPr>
           <p:cNvPr id="127" name="Google Shape;127;g63dcb2d569_1_28:notes"/>
-          <p:cNvSpPr txBox="1"/>
+          <p:cNvSpPr txBox="1">
+            <a:spLocks noGrp="1"/>
+          </p:cNvSpPr>
           <p:nvPr>
-            <p:ph idx="1" type="body"/>
+            <p:ph type="body" idx="1"/>
           </p:nvPr>
         </p:nvSpPr>
         <p:spPr>
@@ -1381,12 +1439,12 @@
           </a:prstGeom>
         </p:spPr>
         <p:txBody>
-          <a:bodyPr anchorCtr="0" anchor="t" bIns="91425" lIns="91425" spcFirstLastPara="1" rIns="91425" wrap="square" tIns="91425">
+          <a:bodyPr spcFirstLastPara="1" wrap="square" lIns="91425" tIns="91425" rIns="91425" bIns="91425" anchor="t" anchorCtr="0">
             <a:noAutofit/>
           </a:bodyPr>
           <a:lstStyle/>
           <a:p>
-            <a:pPr indent="0" lvl="0" marL="0" rtl="0" algn="l">
+            <a:pPr marL="0" lvl="0" indent="0" algn="l" rtl="0">
               <a:spcBef>
                 <a:spcPts val="0"/>
               </a:spcBef>
@@ -1395,9 +1453,6 @@
               </a:spcAft>
               <a:buNone/>
             </a:pPr>
-            <a:r>
-              <a:t/>
-            </a:r>
             <a:endParaRPr/>
           </a:p>
         </p:txBody>
@@ -1411,11 +1466,11 @@
 </file>
 
 <file path=ppt/notesSlides/notesSlide8.xml><?xml version="1.0" encoding="utf-8"?>
-<p:notes xmlns:a="http://schemas.openxmlformats.org/drawingml/2006/main" xmlns:r="http://schemas.openxmlformats.org/officeDocument/2006/relationships" xmlns:mc="http://schemas.openxmlformats.org/markup-compatibility/2006" xmlns:mv="urn:schemas-microsoft-com:mac:vml" xmlns:p="http://schemas.openxmlformats.org/presentationml/2006/main" xmlns:c="http://schemas.openxmlformats.org/drawingml/2006/chart" xmlns:dgm="http://schemas.openxmlformats.org/drawingml/2006/diagram" xmlns:o="urn:schemas-microsoft-com:office:office" xmlns:v="urn:schemas-microsoft-com:vml" xmlns:pvml="urn:schemas-microsoft-com:office:powerpoint" xmlns:com="http://schemas.openxmlformats.org/drawingml/2006/compatibility" xmlns:p14="http://schemas.microsoft.com/office/powerpoint/2010/main" xmlns:p15="http://schemas.microsoft.com/office/powerpoint/2012/main" showMasterPhAnim="0" showMasterSp="0">
+<p:notes xmlns:a="http://schemas.openxmlformats.org/drawingml/2006/main" xmlns:r="http://schemas.openxmlformats.org/officeDocument/2006/relationships" xmlns:p="http://schemas.openxmlformats.org/presentationml/2006/main" showMasterSp="0" showMasterPhAnim="0">
   <p:cSld>
     <p:spTree>
       <p:nvGrpSpPr>
-        <p:cNvPr id="133" name="Shape 133"/>
+        <p:cNvPr id="1" name="Shape 133"/>
         <p:cNvGrpSpPr/>
         <p:nvPr/>
       </p:nvGrpSpPr>
@@ -1430,20 +1485,26 @@
       <p:sp>
         <p:nvSpPr>
           <p:cNvPr id="134" name="Google Shape;134;g63dcb2d569_1_35:notes"/>
-          <p:cNvSpPr/>
+          <p:cNvSpPr>
+            <a:spLocks noGrp="1" noRot="1" noChangeAspect="1"/>
+          </p:cNvSpPr>
           <p:nvPr>
-            <p:ph idx="2" type="sldImg"/>
+            <p:ph type="sldImg" idx="2"/>
           </p:nvPr>
         </p:nvSpPr>
         <p:spPr>
           <a:xfrm>
-            <a:off x="381300" y="685800"/>
+            <a:off x="381000" y="685800"/>
             <a:ext cx="6096000" cy="3429000"/>
           </a:xfrm>
           <a:custGeom>
-            <a:rect b="b" l="l" r="r" t="t"/>
+            <a:avLst/>
+            <a:gdLst/>
+            <a:ahLst/>
+            <a:cxnLst/>
+            <a:rect l="l" t="t" r="r" b="b"/>
             <a:pathLst>
-              <a:path extrusionOk="0" h="120000" w="120000">
+              <a:path w="120000" h="120000" extrusionOk="0">
                 <a:moveTo>
                   <a:pt x="0" y="0"/>
                 </a:moveTo>
@@ -1465,9 +1526,11 @@
       <p:sp>
         <p:nvSpPr>
           <p:cNvPr id="135" name="Google Shape;135;g63dcb2d569_1_35:notes"/>
-          <p:cNvSpPr txBox="1"/>
+          <p:cNvSpPr txBox="1">
+            <a:spLocks noGrp="1"/>
+          </p:cNvSpPr>
           <p:nvPr>
-            <p:ph idx="1" type="body"/>
+            <p:ph type="body" idx="1"/>
           </p:nvPr>
         </p:nvSpPr>
         <p:spPr>
@@ -1480,12 +1543,12 @@
           </a:prstGeom>
         </p:spPr>
         <p:txBody>
-          <a:bodyPr anchorCtr="0" anchor="t" bIns="91425" lIns="91425" spcFirstLastPara="1" rIns="91425" wrap="square" tIns="91425">
+          <a:bodyPr spcFirstLastPara="1" wrap="square" lIns="91425" tIns="91425" rIns="91425" bIns="91425" anchor="t" anchorCtr="0">
             <a:noAutofit/>
           </a:bodyPr>
           <a:lstStyle/>
           <a:p>
-            <a:pPr indent="0" lvl="0" marL="0" rtl="0" algn="l">
+            <a:pPr marL="0" lvl="0" indent="0" algn="l" rtl="0">
               <a:spcBef>
                 <a:spcPts val="0"/>
               </a:spcBef>
@@ -1494,9 +1557,6 @@
               </a:spcAft>
               <a:buNone/>
             </a:pPr>
-            <a:r>
-              <a:t/>
-            </a:r>
             <a:endParaRPr/>
           </a:p>
         </p:txBody>
@@ -1510,11 +1570,11 @@
 </file>
 
 <file path=ppt/notesSlides/notesSlide9.xml><?xml version="1.0" encoding="utf-8"?>
-<p:notes xmlns:a="http://schemas.openxmlformats.org/drawingml/2006/main" xmlns:r="http://schemas.openxmlformats.org/officeDocument/2006/relationships" xmlns:mc="http://schemas.openxmlformats.org/markup-compatibility/2006" xmlns:mv="urn:schemas-microsoft-com:mac:vml" xmlns:p="http://schemas.openxmlformats.org/presentationml/2006/main" xmlns:c="http://schemas.openxmlformats.org/drawingml/2006/chart" xmlns:dgm="http://schemas.openxmlformats.org/drawingml/2006/diagram" xmlns:o="urn:schemas-microsoft-com:office:office" xmlns:v="urn:schemas-microsoft-com:vml" xmlns:pvml="urn:schemas-microsoft-com:office:powerpoint" xmlns:com="http://schemas.openxmlformats.org/drawingml/2006/compatibility" xmlns:p14="http://schemas.microsoft.com/office/powerpoint/2010/main" xmlns:p15="http://schemas.microsoft.com/office/powerpoint/2012/main" showMasterPhAnim="0" showMasterSp="0">
+<p:notes xmlns:a="http://schemas.openxmlformats.org/drawingml/2006/main" xmlns:r="http://schemas.openxmlformats.org/officeDocument/2006/relationships" xmlns:p="http://schemas.openxmlformats.org/presentationml/2006/main" showMasterSp="0" showMasterPhAnim="0">
   <p:cSld>
     <p:spTree>
       <p:nvGrpSpPr>
-        <p:cNvPr id="139" name="Shape 139"/>
+        <p:cNvPr id="1" name="Shape 139"/>
         <p:cNvGrpSpPr/>
         <p:nvPr/>
       </p:nvGrpSpPr>
@@ -1529,9 +1589,11 @@
       <p:sp>
         <p:nvSpPr>
           <p:cNvPr id="140" name="Google Shape;140;g63dcb2d569_1_40:notes"/>
-          <p:cNvSpPr/>
+          <p:cNvSpPr>
+            <a:spLocks noGrp="1" noRot="1" noChangeAspect="1"/>
+          </p:cNvSpPr>
           <p:nvPr>
-            <p:ph idx="2" type="sldImg"/>
+            <p:ph type="sldImg" idx="2"/>
           </p:nvPr>
         </p:nvSpPr>
         <p:spPr>
@@ -1540,9 +1602,13 @@
             <a:ext cx="6096000" cy="3429000"/>
           </a:xfrm>
           <a:custGeom>
-            <a:rect b="b" l="l" r="r" t="t"/>
+            <a:avLst/>
+            <a:gdLst/>
+            <a:ahLst/>
+            <a:cxnLst/>
+            <a:rect l="l" t="t" r="r" b="b"/>
             <a:pathLst>
-              <a:path extrusionOk="0" h="120000" w="120000">
+              <a:path w="120000" h="120000" extrusionOk="0">
                 <a:moveTo>
                   <a:pt x="0" y="0"/>
                 </a:moveTo>
@@ -1564,9 +1630,11 @@
       <p:sp>
         <p:nvSpPr>
           <p:cNvPr id="141" name="Google Shape;141;g63dcb2d569_1_40:notes"/>
-          <p:cNvSpPr txBox="1"/>
+          <p:cNvSpPr txBox="1">
+            <a:spLocks noGrp="1"/>
+          </p:cNvSpPr>
           <p:nvPr>
-            <p:ph idx="1" type="body"/>
+            <p:ph type="body" idx="1"/>
           </p:nvPr>
         </p:nvSpPr>
         <p:spPr>
@@ -1579,12 +1647,12 @@
           </a:prstGeom>
         </p:spPr>
         <p:txBody>
-          <a:bodyPr anchorCtr="0" anchor="t" bIns="91425" lIns="91425" spcFirstLastPara="1" rIns="91425" wrap="square" tIns="91425">
+          <a:bodyPr spcFirstLastPara="1" wrap="square" lIns="91425" tIns="91425" rIns="91425" bIns="91425" anchor="t" anchorCtr="0">
             <a:noAutofit/>
           </a:bodyPr>
           <a:lstStyle/>
           <a:p>
-            <a:pPr indent="0" lvl="0" marL="0" rtl="0" algn="l">
+            <a:pPr marL="0" lvl="0" indent="0" algn="l" rtl="0">
               <a:spcBef>
                 <a:spcPts val="0"/>
               </a:spcBef>
@@ -1593,9 +1661,6 @@
               </a:spcAft>
               <a:buNone/>
             </a:pPr>
-            <a:r>
-              <a:t/>
-            </a:r>
             <a:endParaRPr/>
           </a:p>
         </p:txBody>
@@ -1609,18 +1674,19 @@
 </file>
 
 <file path=ppt/slideLayouts/slideLayout1.xml><?xml version="1.0" encoding="utf-8"?>
-<p:sldLayout xmlns:a="http://schemas.openxmlformats.org/drawingml/2006/main" xmlns:r="http://schemas.openxmlformats.org/officeDocument/2006/relationships" xmlns:mc="http://schemas.openxmlformats.org/markup-compatibility/2006" xmlns:mv="urn:schemas-microsoft-com:mac:vml" xmlns:p="http://schemas.openxmlformats.org/presentationml/2006/main" xmlns:c="http://schemas.openxmlformats.org/drawingml/2006/chart" xmlns:dgm="http://schemas.openxmlformats.org/drawingml/2006/diagram" xmlns:o="urn:schemas-microsoft-com:office:office" xmlns:v="urn:schemas-microsoft-com:vml" xmlns:pvml="urn:schemas-microsoft-com:office:powerpoint" xmlns:com="http://schemas.openxmlformats.org/drawingml/2006/compatibility" xmlns:p14="http://schemas.microsoft.com/office/powerpoint/2010/main" xmlns:p15="http://schemas.microsoft.com/office/powerpoint/2012/main" matchingName="Title slide" type="title">
+<p:sldLayout xmlns:a="http://schemas.openxmlformats.org/drawingml/2006/main" xmlns:r="http://schemas.openxmlformats.org/officeDocument/2006/relationships" xmlns:p="http://schemas.openxmlformats.org/presentationml/2006/main" matchingName="Title slide" type="title">
   <p:cSld name="TITLE">
     <p:bg>
       <p:bgPr>
         <a:solidFill>
           <a:schemeClr val="lt2"/>
         </a:solidFill>
+        <a:effectLst/>
       </p:bgPr>
     </p:bg>
     <p:spTree>
       <p:nvGrpSpPr>
-        <p:cNvPr id="9" name="Shape 9"/>
+        <p:cNvPr id="1" name="Shape 9"/>
         <p:cNvGrpSpPr/>
         <p:nvPr/>
       </p:nvGrpSpPr>
@@ -1654,12 +1720,12 @@
           </a:ln>
         </p:spPr>
         <p:txBody>
-          <a:bodyPr anchorCtr="0" anchor="ctr" bIns="91425" lIns="91425" spcFirstLastPara="1" rIns="91425" wrap="square" tIns="91425">
+          <a:bodyPr spcFirstLastPara="1" wrap="square" lIns="91425" tIns="91425" rIns="91425" bIns="91425" anchor="ctr" anchorCtr="0">
             <a:noAutofit/>
           </a:bodyPr>
           <a:lstStyle/>
           <a:p>
-            <a:pPr indent="0" lvl="0" marL="0" rtl="0" algn="l">
+            <a:pPr marL="0" lvl="0" indent="0" algn="l" rtl="0">
               <a:spcBef>
                 <a:spcPts val="0"/>
               </a:spcBef>
@@ -1668,9 +1734,6 @@
               </a:spcAft>
               <a:buNone/>
             </a:pPr>
-            <a:r>
-              <a:t/>
-            </a:r>
             <a:endParaRPr/>
           </a:p>
         </p:txBody>
@@ -1711,12 +1774,12 @@
             </a:ln>
           </p:spPr>
           <p:txBody>
-            <a:bodyPr anchorCtr="0" anchor="ctr" bIns="91425" lIns="91425" spcFirstLastPara="1" rIns="91425" wrap="square" tIns="91425">
+            <a:bodyPr spcFirstLastPara="1" wrap="square" lIns="91425" tIns="91425" rIns="91425" bIns="91425" anchor="ctr" anchorCtr="0">
               <a:noAutofit/>
             </a:bodyPr>
             <a:lstStyle/>
             <a:p>
-              <a:pPr indent="0" lvl="0" marL="0" rtl="0" algn="l">
+              <a:pPr marL="0" lvl="0" indent="0" algn="l" rtl="0">
                 <a:spcBef>
                   <a:spcPts val="0"/>
                 </a:spcBef>
@@ -1725,9 +1788,6 @@
                 </a:spcAft>
                 <a:buNone/>
               </a:pPr>
-              <a:r>
-                <a:t/>
-              </a:r>
               <a:endParaRPr/>
             </a:p>
           </p:txBody>
@@ -1754,12 +1814,12 @@
             </a:ln>
           </p:spPr>
           <p:txBody>
-            <a:bodyPr anchorCtr="0" anchor="ctr" bIns="91425" lIns="91425" spcFirstLastPara="1" rIns="91425" wrap="square" tIns="91425">
+            <a:bodyPr spcFirstLastPara="1" wrap="square" lIns="91425" tIns="91425" rIns="91425" bIns="91425" anchor="ctr" anchorCtr="0">
               <a:noAutofit/>
             </a:bodyPr>
             <a:lstStyle/>
             <a:p>
-              <a:pPr indent="0" lvl="0" marL="0" rtl="0" algn="l">
+              <a:pPr marL="0" lvl="0" indent="0" algn="l" rtl="0">
                 <a:spcBef>
                   <a:spcPts val="0"/>
                 </a:spcBef>
@@ -1768,9 +1828,6 @@
                 </a:spcAft>
                 <a:buNone/>
               </a:pPr>
-              <a:r>
-                <a:t/>
-              </a:r>
               <a:endParaRPr/>
             </a:p>
           </p:txBody>
@@ -1779,7 +1836,9 @@
       <p:sp>
         <p:nvSpPr>
           <p:cNvPr id="14" name="Google Shape;14;p2"/>
-          <p:cNvSpPr txBox="1"/>
+          <p:cNvSpPr txBox="1">
+            <a:spLocks noGrp="1"/>
+          </p:cNvSpPr>
           <p:nvPr>
             <p:ph type="ctrTitle"/>
           </p:nvPr>
@@ -1794,7 +1853,7 @@
           </a:prstGeom>
         </p:spPr>
         <p:txBody>
-          <a:bodyPr anchorCtr="0" anchor="t" bIns="91425" lIns="91425" spcFirstLastPara="1" rIns="91425" wrap="square" tIns="91425">
+          <a:bodyPr spcFirstLastPara="1" wrap="square" lIns="91425" tIns="91425" rIns="91425" bIns="91425" anchor="t" anchorCtr="0">
             <a:noAutofit/>
           </a:bodyPr>
           <a:lstStyle>
@@ -1961,15 +2020,19 @@
               </a:defRPr>
             </a:lvl9pPr>
           </a:lstStyle>
-          <a:p/>
+          <a:p>
+            <a:endParaRPr/>
+          </a:p>
         </p:txBody>
       </p:sp>
       <p:sp>
         <p:nvSpPr>
           <p:cNvPr id="15" name="Google Shape;15;p2"/>
-          <p:cNvSpPr txBox="1"/>
+          <p:cNvSpPr txBox="1">
+            <a:spLocks noGrp="1"/>
+          </p:cNvSpPr>
           <p:nvPr>
-            <p:ph idx="1" type="subTitle"/>
+            <p:ph type="subTitle" idx="1"/>
           </p:nvPr>
         </p:nvSpPr>
         <p:spPr>
@@ -1982,7 +2045,7 @@
           </a:prstGeom>
         </p:spPr>
         <p:txBody>
-          <a:bodyPr anchorCtr="0" anchor="t" bIns="91425" lIns="91425" spcFirstLastPara="1" rIns="91425" wrap="square" tIns="91425">
+          <a:bodyPr spcFirstLastPara="1" wrap="square" lIns="91425" tIns="91425" rIns="91425" bIns="91425" anchor="t" anchorCtr="0">
             <a:noAutofit/>
           </a:bodyPr>
           <a:lstStyle>
@@ -2113,15 +2176,19 @@
               <a:defRPr sz="1600"/>
             </a:lvl9pPr>
           </a:lstStyle>
-          <a:p/>
+          <a:p>
+            <a:endParaRPr/>
+          </a:p>
         </p:txBody>
       </p:sp>
       <p:sp>
         <p:nvSpPr>
           <p:cNvPr id="16" name="Google Shape;16;p2"/>
-          <p:cNvSpPr txBox="1"/>
+          <p:cNvSpPr txBox="1">
+            <a:spLocks noGrp="1"/>
+          </p:cNvSpPr>
           <p:nvPr>
-            <p:ph idx="12" type="sldNum"/>
+            <p:ph type="sldNum" idx="12"/>
           </p:nvPr>
         </p:nvSpPr>
         <p:spPr>
@@ -2134,7 +2201,7 @@
           </a:prstGeom>
         </p:spPr>
         <p:txBody>
-          <a:bodyPr anchorCtr="0" anchor="ctr" bIns="91425" lIns="91425" spcFirstLastPara="1" rIns="91425" wrap="square" tIns="91425">
+          <a:bodyPr spcFirstLastPara="1" wrap="square" lIns="91425" tIns="91425" rIns="91425" bIns="91425" anchor="ctr" anchorCtr="0">
             <a:noAutofit/>
           </a:bodyPr>
           <a:lstStyle>
@@ -2176,7 +2243,7 @@
             </a:lvl9pPr>
           </a:lstStyle>
           <a:p>
-            <a:pPr indent="0" lvl="0" marL="0" rtl="0" algn="r">
+            <a:pPr marL="0" lvl="0" indent="0" algn="r" rtl="0">
               <a:spcBef>
                 <a:spcPts val="0"/>
               </a:spcBef>
@@ -2202,18 +2269,19 @@
 </file>
 
 <file path=ppt/slideLayouts/slideLayout10.xml><?xml version="1.0" encoding="utf-8"?>
-<p:sldLayout xmlns:a="http://schemas.openxmlformats.org/drawingml/2006/main" xmlns:r="http://schemas.openxmlformats.org/officeDocument/2006/relationships" xmlns:mc="http://schemas.openxmlformats.org/markup-compatibility/2006" xmlns:mv="urn:schemas-microsoft-com:mac:vml" xmlns:p="http://schemas.openxmlformats.org/presentationml/2006/main" xmlns:c="http://schemas.openxmlformats.org/drawingml/2006/chart" xmlns:dgm="http://schemas.openxmlformats.org/drawingml/2006/diagram" xmlns:o="urn:schemas-microsoft-com:office:office" xmlns:v="urn:schemas-microsoft-com:vml" xmlns:pvml="urn:schemas-microsoft-com:office:powerpoint" xmlns:com="http://schemas.openxmlformats.org/drawingml/2006/compatibility" xmlns:p14="http://schemas.microsoft.com/office/powerpoint/2010/main" xmlns:p15="http://schemas.microsoft.com/office/powerpoint/2012/main" matchingName="Big number">
+<p:sldLayout xmlns:a="http://schemas.openxmlformats.org/drawingml/2006/main" xmlns:r="http://schemas.openxmlformats.org/officeDocument/2006/relationships" xmlns:p="http://schemas.openxmlformats.org/presentationml/2006/main" matchingName="Big number">
   <p:cSld name="BIG_NUMBER">
     <p:bg>
       <p:bgPr>
         <a:solidFill>
           <a:schemeClr val="dk1"/>
         </a:solidFill>
+        <a:effectLst/>
       </p:bgPr>
     </p:bg>
     <p:spTree>
       <p:nvGrpSpPr>
-        <p:cNvPr id="73" name="Shape 73"/>
+        <p:cNvPr id="1" name="Shape 73"/>
         <p:cNvGrpSpPr/>
         <p:nvPr/>
       </p:nvGrpSpPr>
@@ -2261,12 +2329,12 @@
             </a:ln>
           </p:spPr>
           <p:txBody>
-            <a:bodyPr anchorCtr="0" anchor="ctr" bIns="91425" lIns="91425" spcFirstLastPara="1" rIns="91425" wrap="square" tIns="91425">
+            <a:bodyPr spcFirstLastPara="1" wrap="square" lIns="91425" tIns="91425" rIns="91425" bIns="91425" anchor="ctr" anchorCtr="0">
               <a:noAutofit/>
             </a:bodyPr>
             <a:lstStyle/>
             <a:p>
-              <a:pPr indent="0" lvl="0" marL="0" rtl="0" algn="l">
+              <a:pPr marL="0" lvl="0" indent="0" algn="l" rtl="0">
                 <a:spcBef>
                   <a:spcPts val="0"/>
                 </a:spcBef>
@@ -2275,9 +2343,6 @@
                 </a:spcAft>
                 <a:buNone/>
               </a:pPr>
-              <a:r>
-                <a:t/>
-              </a:r>
               <a:endParaRPr/>
             </a:p>
           </p:txBody>
@@ -2304,12 +2369,12 @@
             </a:ln>
           </p:spPr>
           <p:txBody>
-            <a:bodyPr anchorCtr="0" anchor="ctr" bIns="91425" lIns="91425" spcFirstLastPara="1" rIns="91425" wrap="square" tIns="91425">
+            <a:bodyPr spcFirstLastPara="1" wrap="square" lIns="91425" tIns="91425" rIns="91425" bIns="91425" anchor="ctr" anchorCtr="0">
               <a:noAutofit/>
             </a:bodyPr>
             <a:lstStyle/>
             <a:p>
-              <a:pPr indent="0" lvl="0" marL="0" rtl="0" algn="l">
+              <a:pPr marL="0" lvl="0" indent="0" algn="l" rtl="0">
                 <a:spcBef>
                   <a:spcPts val="0"/>
                 </a:spcBef>
@@ -2318,9 +2383,6 @@
                 </a:spcAft>
                 <a:buNone/>
               </a:pPr>
-              <a:r>
-                <a:t/>
-              </a:r>
               <a:endParaRPr/>
             </a:p>
           </p:txBody>
@@ -2329,9 +2391,11 @@
       <p:sp>
         <p:nvSpPr>
           <p:cNvPr id="77" name="Google Shape;77;p11"/>
-          <p:cNvSpPr txBox="1"/>
+          <p:cNvSpPr txBox="1">
+            <a:spLocks noGrp="1"/>
+          </p:cNvSpPr>
           <p:nvPr>
-            <p:ph hasCustomPrompt="1" type="title"/>
+            <p:ph type="title" hasCustomPrompt="1"/>
           </p:nvPr>
         </p:nvSpPr>
         <p:spPr>
@@ -2344,7 +2408,7 @@
           </a:prstGeom>
         </p:spPr>
         <p:txBody>
-          <a:bodyPr anchorCtr="0" anchor="t" bIns="91425" lIns="91425" spcFirstLastPara="1" rIns="91425" wrap="square" tIns="91425">
+          <a:bodyPr spcFirstLastPara="1" wrap="square" lIns="91425" tIns="91425" rIns="91425" bIns="91425" anchor="t" anchorCtr="0">
             <a:noAutofit/>
           </a:bodyPr>
           <a:lstStyle>
@@ -2521,9 +2585,11 @@
       <p:sp>
         <p:nvSpPr>
           <p:cNvPr id="78" name="Google Shape;78;p11"/>
-          <p:cNvSpPr txBox="1"/>
+          <p:cNvSpPr txBox="1">
+            <a:spLocks noGrp="1"/>
+          </p:cNvSpPr>
           <p:nvPr>
-            <p:ph idx="1" type="body"/>
+            <p:ph type="body" idx="1"/>
           </p:nvPr>
         </p:nvSpPr>
         <p:spPr>
@@ -2536,11 +2602,11 @@
           </a:prstGeom>
         </p:spPr>
         <p:txBody>
-          <a:bodyPr anchorCtr="0" anchor="t" bIns="91425" lIns="91425" spcFirstLastPara="1" rIns="91425" wrap="square" tIns="91425">
+          <a:bodyPr spcFirstLastPara="1" wrap="square" lIns="91425" tIns="91425" rIns="91425" bIns="91425" anchor="t" anchorCtr="0">
             <a:noAutofit/>
           </a:bodyPr>
           <a:lstStyle>
-            <a:lvl1pPr indent="-311150" lvl="0" marL="457200">
+            <a:lvl1pPr marL="457200" lvl="0" indent="-311150">
               <a:spcBef>
                 <a:spcPts val="0"/>
               </a:spcBef>
@@ -2558,7 +2624,7 @@
                 </a:solidFill>
               </a:defRPr>
             </a:lvl1pPr>
-            <a:lvl2pPr indent="-298450" lvl="1" marL="914400">
+            <a:lvl2pPr marL="914400" lvl="1" indent="-298450">
               <a:spcBef>
                 <a:spcPts val="1600"/>
               </a:spcBef>
@@ -2576,7 +2642,7 @@
                 </a:solidFill>
               </a:defRPr>
             </a:lvl2pPr>
-            <a:lvl3pPr indent="-298450" lvl="2" marL="1371600">
+            <a:lvl3pPr marL="1371600" lvl="2" indent="-298450">
               <a:spcBef>
                 <a:spcPts val="1600"/>
               </a:spcBef>
@@ -2594,7 +2660,7 @@
                 </a:solidFill>
               </a:defRPr>
             </a:lvl3pPr>
-            <a:lvl4pPr indent="-298450" lvl="3" marL="1828800">
+            <a:lvl4pPr marL="1828800" lvl="3" indent="-298450">
               <a:spcBef>
                 <a:spcPts val="1600"/>
               </a:spcBef>
@@ -2612,7 +2678,7 @@
                 </a:solidFill>
               </a:defRPr>
             </a:lvl4pPr>
-            <a:lvl5pPr indent="-298450" lvl="4" marL="2286000">
+            <a:lvl5pPr marL="2286000" lvl="4" indent="-298450">
               <a:spcBef>
                 <a:spcPts val="1600"/>
               </a:spcBef>
@@ -2630,7 +2696,7 @@
                 </a:solidFill>
               </a:defRPr>
             </a:lvl5pPr>
-            <a:lvl6pPr indent="-298450" lvl="5" marL="2743200">
+            <a:lvl6pPr marL="2743200" lvl="5" indent="-298450">
               <a:spcBef>
                 <a:spcPts val="1600"/>
               </a:spcBef>
@@ -2648,7 +2714,7 @@
                 </a:solidFill>
               </a:defRPr>
             </a:lvl6pPr>
-            <a:lvl7pPr indent="-298450" lvl="6" marL="3200400">
+            <a:lvl7pPr marL="3200400" lvl="6" indent="-298450">
               <a:spcBef>
                 <a:spcPts val="1600"/>
               </a:spcBef>
@@ -2666,7 +2732,7 @@
                 </a:solidFill>
               </a:defRPr>
             </a:lvl7pPr>
-            <a:lvl8pPr indent="-298450" lvl="7" marL="3657600">
+            <a:lvl8pPr marL="3657600" lvl="7" indent="-298450">
               <a:spcBef>
                 <a:spcPts val="1600"/>
               </a:spcBef>
@@ -2684,7 +2750,7 @@
                 </a:solidFill>
               </a:defRPr>
             </a:lvl8pPr>
-            <a:lvl9pPr indent="-298450" lvl="8" marL="4114800">
+            <a:lvl9pPr marL="4114800" lvl="8" indent="-298450">
               <a:spcBef>
                 <a:spcPts val="1600"/>
               </a:spcBef>
@@ -2703,15 +2769,19 @@
               </a:defRPr>
             </a:lvl9pPr>
           </a:lstStyle>
-          <a:p/>
+          <a:p>
+            <a:endParaRPr/>
+          </a:p>
         </p:txBody>
       </p:sp>
       <p:sp>
         <p:nvSpPr>
           <p:cNvPr id="79" name="Google Shape;79;p11"/>
-          <p:cNvSpPr txBox="1"/>
+          <p:cNvSpPr txBox="1">
+            <a:spLocks noGrp="1"/>
+          </p:cNvSpPr>
           <p:nvPr>
-            <p:ph idx="12" type="sldNum"/>
+            <p:ph type="sldNum" idx="12"/>
           </p:nvPr>
         </p:nvSpPr>
         <p:spPr>
@@ -2724,7 +2794,7 @@
           </a:prstGeom>
         </p:spPr>
         <p:txBody>
-          <a:bodyPr anchorCtr="0" anchor="ctr" bIns="91425" lIns="91425" spcFirstLastPara="1" rIns="91425" wrap="square" tIns="91425">
+          <a:bodyPr spcFirstLastPara="1" wrap="square" lIns="91425" tIns="91425" rIns="91425" bIns="91425" anchor="ctr" anchorCtr="0">
             <a:noAutofit/>
           </a:bodyPr>
           <a:lstStyle>
@@ -2802,7 +2872,7 @@
             </a:lvl9pPr>
           </a:lstStyle>
           <a:p>
-            <a:pPr indent="0" lvl="0" marL="0" rtl="0" algn="r">
+            <a:pPr marL="0" lvl="0" indent="0" algn="r" rtl="0">
               <a:spcBef>
                 <a:spcPts val="0"/>
               </a:spcBef>
@@ -2828,11 +2898,11 @@
 </file>
 
 <file path=ppt/slideLayouts/slideLayout11.xml><?xml version="1.0" encoding="utf-8"?>
-<p:sldLayout xmlns:a="http://schemas.openxmlformats.org/drawingml/2006/main" xmlns:r="http://schemas.openxmlformats.org/officeDocument/2006/relationships" xmlns:mc="http://schemas.openxmlformats.org/markup-compatibility/2006" xmlns:mv="urn:schemas-microsoft-com:mac:vml" xmlns:p="http://schemas.openxmlformats.org/presentationml/2006/main" xmlns:c="http://schemas.openxmlformats.org/drawingml/2006/chart" xmlns:dgm="http://schemas.openxmlformats.org/drawingml/2006/diagram" xmlns:o="urn:schemas-microsoft-com:office:office" xmlns:v="urn:schemas-microsoft-com:vml" xmlns:pvml="urn:schemas-microsoft-com:office:powerpoint" xmlns:com="http://schemas.openxmlformats.org/drawingml/2006/compatibility" xmlns:p14="http://schemas.microsoft.com/office/powerpoint/2010/main" xmlns:p15="http://schemas.microsoft.com/office/powerpoint/2012/main" matchingName="Blank" type="blank">
+<p:sldLayout xmlns:a="http://schemas.openxmlformats.org/drawingml/2006/main" xmlns:r="http://schemas.openxmlformats.org/officeDocument/2006/relationships" xmlns:p="http://schemas.openxmlformats.org/presentationml/2006/main" matchingName="Blank" type="blank">
   <p:cSld name="BLANK">
     <p:spTree>
       <p:nvGrpSpPr>
-        <p:cNvPr id="80" name="Shape 80"/>
+        <p:cNvPr id="1" name="Shape 80"/>
         <p:cNvGrpSpPr/>
         <p:nvPr/>
       </p:nvGrpSpPr>
@@ -2847,9 +2917,11 @@
       <p:sp>
         <p:nvSpPr>
           <p:cNvPr id="81" name="Google Shape;81;p12"/>
-          <p:cNvSpPr txBox="1"/>
+          <p:cNvSpPr txBox="1">
+            <a:spLocks noGrp="1"/>
+          </p:cNvSpPr>
           <p:nvPr>
-            <p:ph idx="12" type="sldNum"/>
+            <p:ph type="sldNum" idx="12"/>
           </p:nvPr>
         </p:nvSpPr>
         <p:spPr>
@@ -2862,7 +2934,7 @@
           </a:prstGeom>
         </p:spPr>
         <p:txBody>
-          <a:bodyPr anchorCtr="0" anchor="ctr" bIns="91425" lIns="91425" spcFirstLastPara="1" rIns="91425" wrap="square" tIns="91425">
+          <a:bodyPr spcFirstLastPara="1" wrap="square" lIns="91425" tIns="91425" rIns="91425" bIns="91425" anchor="ctr" anchorCtr="0">
             <a:noAutofit/>
           </a:bodyPr>
           <a:lstStyle>
@@ -2904,7 +2976,7 @@
             </a:lvl9pPr>
           </a:lstStyle>
           <a:p>
-            <a:pPr indent="0" lvl="0" marL="0" rtl="0" algn="r">
+            <a:pPr marL="0" lvl="0" indent="0" algn="r" rtl="0">
               <a:spcBef>
                 <a:spcPts val="0"/>
               </a:spcBef>
@@ -2930,18 +3002,19 @@
 </file>
 
 <file path=ppt/slideLayouts/slideLayout2.xml><?xml version="1.0" encoding="utf-8"?>
-<p:sldLayout xmlns:a="http://schemas.openxmlformats.org/drawingml/2006/main" xmlns:r="http://schemas.openxmlformats.org/officeDocument/2006/relationships" xmlns:mc="http://schemas.openxmlformats.org/markup-compatibility/2006" xmlns:mv="urn:schemas-microsoft-com:mac:vml" xmlns:p="http://schemas.openxmlformats.org/presentationml/2006/main" xmlns:c="http://schemas.openxmlformats.org/drawingml/2006/chart" xmlns:dgm="http://schemas.openxmlformats.org/drawingml/2006/diagram" xmlns:o="urn:schemas-microsoft-com:office:office" xmlns:v="urn:schemas-microsoft-com:vml" xmlns:pvml="urn:schemas-microsoft-com:office:powerpoint" xmlns:com="http://schemas.openxmlformats.org/drawingml/2006/compatibility" xmlns:p14="http://schemas.microsoft.com/office/powerpoint/2010/main" xmlns:p15="http://schemas.microsoft.com/office/powerpoint/2012/main" matchingName="Section header" type="secHead">
+<p:sldLayout xmlns:a="http://schemas.openxmlformats.org/drawingml/2006/main" xmlns:r="http://schemas.openxmlformats.org/officeDocument/2006/relationships" xmlns:p="http://schemas.openxmlformats.org/presentationml/2006/main" matchingName="Section header" type="secHead">
   <p:cSld name="SECTION_HEADER">
     <p:bg>
       <p:bgPr>
         <a:solidFill>
           <a:schemeClr val="dk1"/>
         </a:solidFill>
+        <a:effectLst/>
       </p:bgPr>
     </p:bg>
     <p:spTree>
       <p:nvGrpSpPr>
-        <p:cNvPr id="17" name="Shape 17"/>
+        <p:cNvPr id="1" name="Shape 17"/>
         <p:cNvGrpSpPr/>
         <p:nvPr/>
       </p:nvGrpSpPr>
@@ -2989,12 +3062,12 @@
             </a:ln>
           </p:spPr>
           <p:txBody>
-            <a:bodyPr anchorCtr="0" anchor="ctr" bIns="91425" lIns="91425" spcFirstLastPara="1" rIns="91425" wrap="square" tIns="91425">
+            <a:bodyPr spcFirstLastPara="1" wrap="square" lIns="91425" tIns="91425" rIns="91425" bIns="91425" anchor="ctr" anchorCtr="0">
               <a:noAutofit/>
             </a:bodyPr>
             <a:lstStyle/>
             <a:p>
-              <a:pPr indent="0" lvl="0" marL="0" rtl="0" algn="l">
+              <a:pPr marL="0" lvl="0" indent="0" algn="l" rtl="0">
                 <a:spcBef>
                   <a:spcPts val="0"/>
                 </a:spcBef>
@@ -3003,9 +3076,6 @@
                 </a:spcAft>
                 <a:buNone/>
               </a:pPr>
-              <a:r>
-                <a:t/>
-              </a:r>
               <a:endParaRPr/>
             </a:p>
           </p:txBody>
@@ -3032,12 +3102,12 @@
             </a:ln>
           </p:spPr>
           <p:txBody>
-            <a:bodyPr anchorCtr="0" anchor="ctr" bIns="91425" lIns="91425" spcFirstLastPara="1" rIns="91425" wrap="square" tIns="91425">
+            <a:bodyPr spcFirstLastPara="1" wrap="square" lIns="91425" tIns="91425" rIns="91425" bIns="91425" anchor="ctr" anchorCtr="0">
               <a:noAutofit/>
             </a:bodyPr>
             <a:lstStyle/>
             <a:p>
-              <a:pPr indent="0" lvl="0" marL="0" rtl="0" algn="l">
+              <a:pPr marL="0" lvl="0" indent="0" algn="l" rtl="0">
                 <a:spcBef>
                   <a:spcPts val="0"/>
                 </a:spcBef>
@@ -3046,9 +3116,6 @@
                 </a:spcAft>
                 <a:buNone/>
               </a:pPr>
-              <a:r>
-                <a:t/>
-              </a:r>
               <a:endParaRPr/>
             </a:p>
           </p:txBody>
@@ -3057,7 +3124,9 @@
       <p:sp>
         <p:nvSpPr>
           <p:cNvPr id="21" name="Google Shape;21;p3"/>
-          <p:cNvSpPr txBox="1"/>
+          <p:cNvSpPr txBox="1">
+            <a:spLocks noGrp="1"/>
+          </p:cNvSpPr>
           <p:nvPr>
             <p:ph type="title"/>
           </p:nvPr>
@@ -3072,7 +3141,7 @@
           </a:prstGeom>
         </p:spPr>
         <p:txBody>
-          <a:bodyPr anchorCtr="0" anchor="t" bIns="91425" lIns="91425" spcFirstLastPara="1" rIns="91425" wrap="square" tIns="91425">
+          <a:bodyPr spcFirstLastPara="1" wrap="square" lIns="91425" tIns="91425" rIns="91425" bIns="91425" anchor="t" anchorCtr="0">
             <a:noAutofit/>
           </a:bodyPr>
           <a:lstStyle>
@@ -3239,15 +3308,19 @@
               </a:defRPr>
             </a:lvl9pPr>
           </a:lstStyle>
-          <a:p/>
+          <a:p>
+            <a:endParaRPr/>
+          </a:p>
         </p:txBody>
       </p:sp>
       <p:sp>
         <p:nvSpPr>
           <p:cNvPr id="22" name="Google Shape;22;p3"/>
-          <p:cNvSpPr txBox="1"/>
+          <p:cNvSpPr txBox="1">
+            <a:spLocks noGrp="1"/>
+          </p:cNvSpPr>
           <p:nvPr>
-            <p:ph idx="12" type="sldNum"/>
+            <p:ph type="sldNum" idx="12"/>
           </p:nvPr>
         </p:nvSpPr>
         <p:spPr>
@@ -3260,7 +3333,7 @@
           </a:prstGeom>
         </p:spPr>
         <p:txBody>
-          <a:bodyPr anchorCtr="0" anchor="ctr" bIns="91425" lIns="91425" spcFirstLastPara="1" rIns="91425" wrap="square" tIns="91425">
+          <a:bodyPr spcFirstLastPara="1" wrap="square" lIns="91425" tIns="91425" rIns="91425" bIns="91425" anchor="ctr" anchorCtr="0">
             <a:noAutofit/>
           </a:bodyPr>
           <a:lstStyle>
@@ -3338,7 +3411,7 @@
             </a:lvl9pPr>
           </a:lstStyle>
           <a:p>
-            <a:pPr indent="0" lvl="0" marL="0" rtl="0" algn="r">
+            <a:pPr marL="0" lvl="0" indent="0" algn="r" rtl="0">
               <a:spcBef>
                 <a:spcPts val="0"/>
               </a:spcBef>
@@ -3364,11 +3437,11 @@
 </file>
 
 <file path=ppt/slideLayouts/slideLayout3.xml><?xml version="1.0" encoding="utf-8"?>
-<p:sldLayout xmlns:a="http://schemas.openxmlformats.org/drawingml/2006/main" xmlns:r="http://schemas.openxmlformats.org/officeDocument/2006/relationships" xmlns:mc="http://schemas.openxmlformats.org/markup-compatibility/2006" xmlns:mv="urn:schemas-microsoft-com:mac:vml" xmlns:p="http://schemas.openxmlformats.org/presentationml/2006/main" xmlns:c="http://schemas.openxmlformats.org/drawingml/2006/chart" xmlns:dgm="http://schemas.openxmlformats.org/drawingml/2006/diagram" xmlns:o="urn:schemas-microsoft-com:office:office" xmlns:v="urn:schemas-microsoft-com:vml" xmlns:pvml="urn:schemas-microsoft-com:office:powerpoint" xmlns:com="http://schemas.openxmlformats.org/drawingml/2006/compatibility" xmlns:p14="http://schemas.microsoft.com/office/powerpoint/2010/main" xmlns:p15="http://schemas.microsoft.com/office/powerpoint/2012/main" matchingName="Title and body" type="tx">
+<p:sldLayout xmlns:a="http://schemas.openxmlformats.org/drawingml/2006/main" xmlns:r="http://schemas.openxmlformats.org/officeDocument/2006/relationships" xmlns:p="http://schemas.openxmlformats.org/presentationml/2006/main" matchingName="Title and body" type="tx">
   <p:cSld name="TITLE_AND_BODY">
     <p:spTree>
       <p:nvGrpSpPr>
-        <p:cNvPr id="23" name="Shape 23"/>
+        <p:cNvPr id="1" name="Shape 23"/>
         <p:cNvGrpSpPr/>
         <p:nvPr/>
       </p:nvGrpSpPr>
@@ -3402,12 +3475,12 @@
           </a:ln>
         </p:spPr>
         <p:txBody>
-          <a:bodyPr anchorCtr="0" anchor="ctr" bIns="91425" lIns="91425" spcFirstLastPara="1" rIns="91425" wrap="square" tIns="91425">
+          <a:bodyPr spcFirstLastPara="1" wrap="square" lIns="91425" tIns="91425" rIns="91425" bIns="91425" anchor="ctr" anchorCtr="0">
             <a:noAutofit/>
           </a:bodyPr>
           <a:lstStyle/>
           <a:p>
-            <a:pPr indent="0" lvl="0" marL="0" rtl="0" algn="l">
+            <a:pPr marL="0" lvl="0" indent="0" algn="l" rtl="0">
               <a:spcBef>
                 <a:spcPts val="0"/>
               </a:spcBef>
@@ -3416,9 +3489,6 @@
               </a:spcAft>
               <a:buNone/>
             </a:pPr>
-            <a:r>
-              <a:t/>
-            </a:r>
             <a:endParaRPr/>
           </a:p>
         </p:txBody>
@@ -3459,12 +3529,12 @@
             </a:ln>
           </p:spPr>
           <p:txBody>
-            <a:bodyPr anchorCtr="0" anchor="ctr" bIns="91425" lIns="91425" spcFirstLastPara="1" rIns="91425" wrap="square" tIns="91425">
+            <a:bodyPr spcFirstLastPara="1" wrap="square" lIns="91425" tIns="91425" rIns="91425" bIns="91425" anchor="ctr" anchorCtr="0">
               <a:noAutofit/>
             </a:bodyPr>
             <a:lstStyle/>
             <a:p>
-              <a:pPr indent="0" lvl="0" marL="0" rtl="0" algn="l">
+              <a:pPr marL="0" lvl="0" indent="0" algn="l" rtl="0">
                 <a:spcBef>
                   <a:spcPts val="0"/>
                 </a:spcBef>
@@ -3473,9 +3543,6 @@
                 </a:spcAft>
                 <a:buNone/>
               </a:pPr>
-              <a:r>
-                <a:t/>
-              </a:r>
               <a:endParaRPr/>
             </a:p>
           </p:txBody>
@@ -3502,12 +3569,12 @@
             </a:ln>
           </p:spPr>
           <p:txBody>
-            <a:bodyPr anchorCtr="0" anchor="ctr" bIns="91425" lIns="91425" spcFirstLastPara="1" rIns="91425" wrap="square" tIns="91425">
+            <a:bodyPr spcFirstLastPara="1" wrap="square" lIns="91425" tIns="91425" rIns="91425" bIns="91425" anchor="ctr" anchorCtr="0">
               <a:noAutofit/>
             </a:bodyPr>
             <a:lstStyle/>
             <a:p>
-              <a:pPr indent="0" lvl="0" marL="0" rtl="0" algn="l">
+              <a:pPr marL="0" lvl="0" indent="0" algn="l" rtl="0">
                 <a:spcBef>
                   <a:spcPts val="0"/>
                 </a:spcBef>
@@ -3516,9 +3583,6 @@
                 </a:spcAft>
                 <a:buNone/>
               </a:pPr>
-              <a:r>
-                <a:t/>
-              </a:r>
               <a:endParaRPr/>
             </a:p>
           </p:txBody>
@@ -3527,7 +3591,9 @@
       <p:sp>
         <p:nvSpPr>
           <p:cNvPr id="28" name="Google Shape;28;p4"/>
-          <p:cNvSpPr txBox="1"/>
+          <p:cNvSpPr txBox="1">
+            <a:spLocks noGrp="1"/>
+          </p:cNvSpPr>
           <p:nvPr>
             <p:ph type="title"/>
           </p:nvPr>
@@ -3542,7 +3608,7 @@
           </a:prstGeom>
         </p:spPr>
         <p:txBody>
-          <a:bodyPr anchorCtr="0" anchor="t" bIns="91425" lIns="91425" spcFirstLastPara="1" rIns="91425" wrap="square" tIns="91425">
+          <a:bodyPr spcFirstLastPara="1" wrap="square" lIns="91425" tIns="91425" rIns="91425" bIns="91425" anchor="t" anchorCtr="0">
             <a:noAutofit/>
           </a:bodyPr>
           <a:lstStyle>
@@ -3709,15 +3775,19 @@
               </a:defRPr>
             </a:lvl9pPr>
           </a:lstStyle>
-          <a:p/>
+          <a:p>
+            <a:endParaRPr/>
+          </a:p>
         </p:txBody>
       </p:sp>
       <p:sp>
         <p:nvSpPr>
           <p:cNvPr id="29" name="Google Shape;29;p4"/>
-          <p:cNvSpPr txBox="1"/>
+          <p:cNvSpPr txBox="1">
+            <a:spLocks noGrp="1"/>
+          </p:cNvSpPr>
           <p:nvPr>
-            <p:ph idx="1" type="body"/>
+            <p:ph type="body" idx="1"/>
           </p:nvPr>
         </p:nvSpPr>
         <p:spPr>
@@ -3730,11 +3800,11 @@
           </a:prstGeom>
         </p:spPr>
         <p:txBody>
-          <a:bodyPr anchorCtr="0" anchor="t" bIns="91425" lIns="91425" spcFirstLastPara="1" rIns="91425" wrap="square" tIns="91425">
+          <a:bodyPr spcFirstLastPara="1" wrap="square" lIns="91425" tIns="91425" rIns="91425" bIns="91425" anchor="t" anchorCtr="0">
             <a:noAutofit/>
           </a:bodyPr>
           <a:lstStyle>
-            <a:lvl1pPr indent="-311150" lvl="0" marL="457200">
+            <a:lvl1pPr marL="457200" lvl="0" indent="-311150">
               <a:spcBef>
                 <a:spcPts val="0"/>
               </a:spcBef>
@@ -3745,7 +3815,7 @@
               <a:buChar char="●"/>
               <a:defRPr/>
             </a:lvl1pPr>
-            <a:lvl2pPr indent="-298450" lvl="1" marL="914400">
+            <a:lvl2pPr marL="914400" lvl="1" indent="-298450">
               <a:spcBef>
                 <a:spcPts val="1600"/>
               </a:spcBef>
@@ -3756,7 +3826,7 @@
               <a:buChar char="○"/>
               <a:defRPr/>
             </a:lvl2pPr>
-            <a:lvl3pPr indent="-298450" lvl="2" marL="1371600">
+            <a:lvl3pPr marL="1371600" lvl="2" indent="-298450">
               <a:spcBef>
                 <a:spcPts val="1600"/>
               </a:spcBef>
@@ -3767,7 +3837,7 @@
               <a:buChar char="■"/>
               <a:defRPr/>
             </a:lvl3pPr>
-            <a:lvl4pPr indent="-298450" lvl="3" marL="1828800">
+            <a:lvl4pPr marL="1828800" lvl="3" indent="-298450">
               <a:spcBef>
                 <a:spcPts val="1600"/>
               </a:spcBef>
@@ -3778,7 +3848,7 @@
               <a:buChar char="●"/>
               <a:defRPr/>
             </a:lvl4pPr>
-            <a:lvl5pPr indent="-298450" lvl="4" marL="2286000">
+            <a:lvl5pPr marL="2286000" lvl="4" indent="-298450">
               <a:spcBef>
                 <a:spcPts val="1600"/>
               </a:spcBef>
@@ -3789,7 +3859,7 @@
               <a:buChar char="○"/>
               <a:defRPr/>
             </a:lvl5pPr>
-            <a:lvl6pPr indent="-298450" lvl="5" marL="2743200">
+            <a:lvl6pPr marL="2743200" lvl="5" indent="-298450">
               <a:spcBef>
                 <a:spcPts val="1600"/>
               </a:spcBef>
@@ -3800,7 +3870,7 @@
               <a:buChar char="■"/>
               <a:defRPr/>
             </a:lvl6pPr>
-            <a:lvl7pPr indent="-298450" lvl="6" marL="3200400">
+            <a:lvl7pPr marL="3200400" lvl="6" indent="-298450">
               <a:spcBef>
                 <a:spcPts val="1600"/>
               </a:spcBef>
@@ -3811,7 +3881,7 @@
               <a:buChar char="●"/>
               <a:defRPr/>
             </a:lvl7pPr>
-            <a:lvl8pPr indent="-298450" lvl="7" marL="3657600">
+            <a:lvl8pPr marL="3657600" lvl="7" indent="-298450">
               <a:spcBef>
                 <a:spcPts val="1600"/>
               </a:spcBef>
@@ -3822,7 +3892,7 @@
               <a:buChar char="○"/>
               <a:defRPr/>
             </a:lvl8pPr>
-            <a:lvl9pPr indent="-298450" lvl="8" marL="4114800">
+            <a:lvl9pPr marL="4114800" lvl="8" indent="-298450">
               <a:spcBef>
                 <a:spcPts val="1600"/>
               </a:spcBef>
@@ -3834,15 +3904,19 @@
               <a:defRPr/>
             </a:lvl9pPr>
           </a:lstStyle>
-          <a:p/>
+          <a:p>
+            <a:endParaRPr/>
+          </a:p>
         </p:txBody>
       </p:sp>
       <p:sp>
         <p:nvSpPr>
           <p:cNvPr id="30" name="Google Shape;30;p4"/>
-          <p:cNvSpPr txBox="1"/>
+          <p:cNvSpPr txBox="1">
+            <a:spLocks noGrp="1"/>
+          </p:cNvSpPr>
           <p:nvPr>
-            <p:ph idx="12" type="sldNum"/>
+            <p:ph type="sldNum" idx="12"/>
           </p:nvPr>
         </p:nvSpPr>
         <p:spPr>
@@ -3855,7 +3929,7 @@
           </a:prstGeom>
         </p:spPr>
         <p:txBody>
-          <a:bodyPr anchorCtr="0" anchor="ctr" bIns="91425" lIns="91425" spcFirstLastPara="1" rIns="91425" wrap="square" tIns="91425">
+          <a:bodyPr spcFirstLastPara="1" wrap="square" lIns="91425" tIns="91425" rIns="91425" bIns="91425" anchor="ctr" anchorCtr="0">
             <a:noAutofit/>
           </a:bodyPr>
           <a:lstStyle>
@@ -3897,7 +3971,7 @@
             </a:lvl9pPr>
           </a:lstStyle>
           <a:p>
-            <a:pPr indent="0" lvl="0" marL="0" rtl="0" algn="r">
+            <a:pPr marL="0" lvl="0" indent="0" algn="r" rtl="0">
               <a:spcBef>
                 <a:spcPts val="0"/>
               </a:spcBef>
@@ -3923,11 +3997,11 @@
 </file>
 
 <file path=ppt/slideLayouts/slideLayout4.xml><?xml version="1.0" encoding="utf-8"?>
-<p:sldLayout xmlns:a="http://schemas.openxmlformats.org/drawingml/2006/main" xmlns:r="http://schemas.openxmlformats.org/officeDocument/2006/relationships" xmlns:mc="http://schemas.openxmlformats.org/markup-compatibility/2006" xmlns:mv="urn:schemas-microsoft-com:mac:vml" xmlns:p="http://schemas.openxmlformats.org/presentationml/2006/main" xmlns:c="http://schemas.openxmlformats.org/drawingml/2006/chart" xmlns:dgm="http://schemas.openxmlformats.org/drawingml/2006/diagram" xmlns:o="urn:schemas-microsoft-com:office:office" xmlns:v="urn:schemas-microsoft-com:vml" xmlns:pvml="urn:schemas-microsoft-com:office:powerpoint" xmlns:com="http://schemas.openxmlformats.org/drawingml/2006/compatibility" xmlns:p14="http://schemas.microsoft.com/office/powerpoint/2010/main" xmlns:p15="http://schemas.microsoft.com/office/powerpoint/2012/main" matchingName="Title and two columns" type="twoColTx">
+<p:sldLayout xmlns:a="http://schemas.openxmlformats.org/drawingml/2006/main" xmlns:r="http://schemas.openxmlformats.org/officeDocument/2006/relationships" xmlns:p="http://schemas.openxmlformats.org/presentationml/2006/main" matchingName="Title and two columns" type="twoColTx">
   <p:cSld name="TITLE_AND_TWO_COLUMNS">
     <p:spTree>
       <p:nvGrpSpPr>
-        <p:cNvPr id="31" name="Shape 31"/>
+        <p:cNvPr id="1" name="Shape 31"/>
         <p:cNvGrpSpPr/>
         <p:nvPr/>
       </p:nvGrpSpPr>
@@ -3961,12 +4035,12 @@
           </a:ln>
         </p:spPr>
         <p:txBody>
-          <a:bodyPr anchorCtr="0" anchor="ctr" bIns="91425" lIns="91425" spcFirstLastPara="1" rIns="91425" wrap="square" tIns="91425">
+          <a:bodyPr spcFirstLastPara="1" wrap="square" lIns="91425" tIns="91425" rIns="91425" bIns="91425" anchor="ctr" anchorCtr="0">
             <a:noAutofit/>
           </a:bodyPr>
           <a:lstStyle/>
           <a:p>
-            <a:pPr indent="0" lvl="0" marL="0" rtl="0" algn="l">
+            <a:pPr marL="0" lvl="0" indent="0" algn="l" rtl="0">
               <a:spcBef>
                 <a:spcPts val="0"/>
               </a:spcBef>
@@ -3975,9 +4049,6 @@
               </a:spcAft>
               <a:buNone/>
             </a:pPr>
-            <a:r>
-              <a:t/>
-            </a:r>
             <a:endParaRPr/>
           </a:p>
         </p:txBody>
@@ -4018,12 +4089,12 @@
             </a:ln>
           </p:spPr>
           <p:txBody>
-            <a:bodyPr anchorCtr="0" anchor="ctr" bIns="91425" lIns="91425" spcFirstLastPara="1" rIns="91425" wrap="square" tIns="91425">
+            <a:bodyPr spcFirstLastPara="1" wrap="square" lIns="91425" tIns="91425" rIns="91425" bIns="91425" anchor="ctr" anchorCtr="0">
               <a:noAutofit/>
             </a:bodyPr>
             <a:lstStyle/>
             <a:p>
-              <a:pPr indent="0" lvl="0" marL="0" rtl="0" algn="l">
+              <a:pPr marL="0" lvl="0" indent="0" algn="l" rtl="0">
                 <a:spcBef>
                   <a:spcPts val="0"/>
                 </a:spcBef>
@@ -4032,9 +4103,6 @@
                 </a:spcAft>
                 <a:buNone/>
               </a:pPr>
-              <a:r>
-                <a:t/>
-              </a:r>
               <a:endParaRPr/>
             </a:p>
           </p:txBody>
@@ -4061,12 +4129,12 @@
             </a:ln>
           </p:spPr>
           <p:txBody>
-            <a:bodyPr anchorCtr="0" anchor="ctr" bIns="91425" lIns="91425" spcFirstLastPara="1" rIns="91425" wrap="square" tIns="91425">
+            <a:bodyPr spcFirstLastPara="1" wrap="square" lIns="91425" tIns="91425" rIns="91425" bIns="91425" anchor="ctr" anchorCtr="0">
               <a:noAutofit/>
             </a:bodyPr>
             <a:lstStyle/>
             <a:p>
-              <a:pPr indent="0" lvl="0" marL="0" rtl="0" algn="l">
+              <a:pPr marL="0" lvl="0" indent="0" algn="l" rtl="0">
                 <a:spcBef>
                   <a:spcPts val="0"/>
                 </a:spcBef>
@@ -4075,9 +4143,6 @@
                 </a:spcAft>
                 <a:buNone/>
               </a:pPr>
-              <a:r>
-                <a:t/>
-              </a:r>
               <a:endParaRPr/>
             </a:p>
           </p:txBody>
@@ -4086,7 +4151,9 @@
       <p:sp>
         <p:nvSpPr>
           <p:cNvPr id="36" name="Google Shape;36;p5"/>
-          <p:cNvSpPr txBox="1"/>
+          <p:cNvSpPr txBox="1">
+            <a:spLocks noGrp="1"/>
+          </p:cNvSpPr>
           <p:nvPr>
             <p:ph type="title"/>
           </p:nvPr>
@@ -4101,7 +4168,7 @@
           </a:prstGeom>
         </p:spPr>
         <p:txBody>
-          <a:bodyPr anchorCtr="0" anchor="t" bIns="91425" lIns="91425" spcFirstLastPara="1" rIns="91425" wrap="square" tIns="91425">
+          <a:bodyPr spcFirstLastPara="1" wrap="square" lIns="91425" tIns="91425" rIns="91425" bIns="91425" anchor="t" anchorCtr="0">
             <a:noAutofit/>
           </a:bodyPr>
           <a:lstStyle>
@@ -4268,15 +4335,19 @@
               </a:defRPr>
             </a:lvl9pPr>
           </a:lstStyle>
-          <a:p/>
+          <a:p>
+            <a:endParaRPr/>
+          </a:p>
         </p:txBody>
       </p:sp>
       <p:sp>
         <p:nvSpPr>
           <p:cNvPr id="37" name="Google Shape;37;p5"/>
-          <p:cNvSpPr txBox="1"/>
+          <p:cNvSpPr txBox="1">
+            <a:spLocks noGrp="1"/>
+          </p:cNvSpPr>
           <p:nvPr>
-            <p:ph idx="1" type="body"/>
+            <p:ph type="body" idx="1"/>
           </p:nvPr>
         </p:nvSpPr>
         <p:spPr>
@@ -4289,11 +4360,11 @@
           </a:prstGeom>
         </p:spPr>
         <p:txBody>
-          <a:bodyPr anchorCtr="0" anchor="t" bIns="91425" lIns="91425" spcFirstLastPara="1" rIns="91425" wrap="square" tIns="91425">
+          <a:bodyPr spcFirstLastPara="1" wrap="square" lIns="91425" tIns="91425" rIns="91425" bIns="91425" anchor="t" anchorCtr="0">
             <a:noAutofit/>
           </a:bodyPr>
           <a:lstStyle>
-            <a:lvl1pPr indent="-311150" lvl="0" marL="457200">
+            <a:lvl1pPr marL="457200" lvl="0" indent="-311150">
               <a:spcBef>
                 <a:spcPts val="0"/>
               </a:spcBef>
@@ -4304,7 +4375,7 @@
               <a:buChar char="●"/>
               <a:defRPr/>
             </a:lvl1pPr>
-            <a:lvl2pPr indent="-298450" lvl="1" marL="914400">
+            <a:lvl2pPr marL="914400" lvl="1" indent="-298450">
               <a:spcBef>
                 <a:spcPts val="1600"/>
               </a:spcBef>
@@ -4315,7 +4386,7 @@
               <a:buChar char="○"/>
               <a:defRPr/>
             </a:lvl2pPr>
-            <a:lvl3pPr indent="-298450" lvl="2" marL="1371600">
+            <a:lvl3pPr marL="1371600" lvl="2" indent="-298450">
               <a:spcBef>
                 <a:spcPts val="1600"/>
               </a:spcBef>
@@ -4326,7 +4397,7 @@
               <a:buChar char="■"/>
               <a:defRPr/>
             </a:lvl3pPr>
-            <a:lvl4pPr indent="-298450" lvl="3" marL="1828800">
+            <a:lvl4pPr marL="1828800" lvl="3" indent="-298450">
               <a:spcBef>
                 <a:spcPts val="1600"/>
               </a:spcBef>
@@ -4337,7 +4408,7 @@
               <a:buChar char="●"/>
               <a:defRPr/>
             </a:lvl4pPr>
-            <a:lvl5pPr indent="-298450" lvl="4" marL="2286000">
+            <a:lvl5pPr marL="2286000" lvl="4" indent="-298450">
               <a:spcBef>
                 <a:spcPts val="1600"/>
               </a:spcBef>
@@ -4348,7 +4419,7 @@
               <a:buChar char="○"/>
               <a:defRPr/>
             </a:lvl5pPr>
-            <a:lvl6pPr indent="-298450" lvl="5" marL="2743200">
+            <a:lvl6pPr marL="2743200" lvl="5" indent="-298450">
               <a:spcBef>
                 <a:spcPts val="1600"/>
               </a:spcBef>
@@ -4359,7 +4430,7 @@
               <a:buChar char="■"/>
               <a:defRPr/>
             </a:lvl6pPr>
-            <a:lvl7pPr indent="-298450" lvl="6" marL="3200400">
+            <a:lvl7pPr marL="3200400" lvl="6" indent="-298450">
               <a:spcBef>
                 <a:spcPts val="1600"/>
               </a:spcBef>
@@ -4370,7 +4441,7 @@
               <a:buChar char="●"/>
               <a:defRPr/>
             </a:lvl7pPr>
-            <a:lvl8pPr indent="-298450" lvl="7" marL="3657600">
+            <a:lvl8pPr marL="3657600" lvl="7" indent="-298450">
               <a:spcBef>
                 <a:spcPts val="1600"/>
               </a:spcBef>
@@ -4381,7 +4452,7 @@
               <a:buChar char="○"/>
               <a:defRPr/>
             </a:lvl8pPr>
-            <a:lvl9pPr indent="-298450" lvl="8" marL="4114800">
+            <a:lvl9pPr marL="4114800" lvl="8" indent="-298450">
               <a:spcBef>
                 <a:spcPts val="1600"/>
               </a:spcBef>
@@ -4393,15 +4464,19 @@
               <a:defRPr/>
             </a:lvl9pPr>
           </a:lstStyle>
-          <a:p/>
+          <a:p>
+            <a:endParaRPr/>
+          </a:p>
         </p:txBody>
       </p:sp>
       <p:sp>
         <p:nvSpPr>
           <p:cNvPr id="38" name="Google Shape;38;p5"/>
-          <p:cNvSpPr txBox="1"/>
+          <p:cNvSpPr txBox="1">
+            <a:spLocks noGrp="1"/>
+          </p:cNvSpPr>
           <p:nvPr>
-            <p:ph idx="2" type="body"/>
+            <p:ph type="body" idx="2"/>
           </p:nvPr>
         </p:nvSpPr>
         <p:spPr>
@@ -4414,11 +4489,11 @@
           </a:prstGeom>
         </p:spPr>
         <p:txBody>
-          <a:bodyPr anchorCtr="0" anchor="t" bIns="91425" lIns="91425" spcFirstLastPara="1" rIns="91425" wrap="square" tIns="91425">
+          <a:bodyPr spcFirstLastPara="1" wrap="square" lIns="91425" tIns="91425" rIns="91425" bIns="91425" anchor="t" anchorCtr="0">
             <a:noAutofit/>
           </a:bodyPr>
           <a:lstStyle>
-            <a:lvl1pPr indent="-311150" lvl="0" marL="457200">
+            <a:lvl1pPr marL="457200" lvl="0" indent="-311150">
               <a:spcBef>
                 <a:spcPts val="0"/>
               </a:spcBef>
@@ -4429,7 +4504,7 @@
               <a:buChar char="●"/>
               <a:defRPr/>
             </a:lvl1pPr>
-            <a:lvl2pPr indent="-298450" lvl="1" marL="914400">
+            <a:lvl2pPr marL="914400" lvl="1" indent="-298450">
               <a:spcBef>
                 <a:spcPts val="1600"/>
               </a:spcBef>
@@ -4440,7 +4515,7 @@
               <a:buChar char="○"/>
               <a:defRPr/>
             </a:lvl2pPr>
-            <a:lvl3pPr indent="-298450" lvl="2" marL="1371600">
+            <a:lvl3pPr marL="1371600" lvl="2" indent="-298450">
               <a:spcBef>
                 <a:spcPts val="1600"/>
               </a:spcBef>
@@ -4451,7 +4526,7 @@
               <a:buChar char="■"/>
               <a:defRPr/>
             </a:lvl3pPr>
-            <a:lvl4pPr indent="-298450" lvl="3" marL="1828800">
+            <a:lvl4pPr marL="1828800" lvl="3" indent="-298450">
               <a:spcBef>
                 <a:spcPts val="1600"/>
               </a:spcBef>
@@ -4462,7 +4537,7 @@
               <a:buChar char="●"/>
               <a:defRPr/>
             </a:lvl4pPr>
-            <a:lvl5pPr indent="-298450" lvl="4" marL="2286000">
+            <a:lvl5pPr marL="2286000" lvl="4" indent="-298450">
               <a:spcBef>
                 <a:spcPts val="1600"/>
               </a:spcBef>
@@ -4473,7 +4548,7 @@
               <a:buChar char="○"/>
               <a:defRPr/>
             </a:lvl5pPr>
-            <a:lvl6pPr indent="-298450" lvl="5" marL="2743200">
+            <a:lvl6pPr marL="2743200" lvl="5" indent="-298450">
               <a:spcBef>
                 <a:spcPts val="1600"/>
               </a:spcBef>
@@ -4484,7 +4559,7 @@
               <a:buChar char="■"/>
               <a:defRPr/>
             </a:lvl6pPr>
-            <a:lvl7pPr indent="-298450" lvl="6" marL="3200400">
+            <a:lvl7pPr marL="3200400" lvl="6" indent="-298450">
               <a:spcBef>
                 <a:spcPts val="1600"/>
               </a:spcBef>
@@ -4495,7 +4570,7 @@
               <a:buChar char="●"/>
               <a:defRPr/>
             </a:lvl7pPr>
-            <a:lvl8pPr indent="-298450" lvl="7" marL="3657600">
+            <a:lvl8pPr marL="3657600" lvl="7" indent="-298450">
               <a:spcBef>
                 <a:spcPts val="1600"/>
               </a:spcBef>
@@ -4506,7 +4581,7 @@
               <a:buChar char="○"/>
               <a:defRPr/>
             </a:lvl8pPr>
-            <a:lvl9pPr indent="-298450" lvl="8" marL="4114800">
+            <a:lvl9pPr marL="4114800" lvl="8" indent="-298450">
               <a:spcBef>
                 <a:spcPts val="1600"/>
               </a:spcBef>
@@ -4518,15 +4593,19 @@
               <a:defRPr/>
             </a:lvl9pPr>
           </a:lstStyle>
-          <a:p/>
+          <a:p>
+            <a:endParaRPr/>
+          </a:p>
         </p:txBody>
       </p:sp>
       <p:sp>
         <p:nvSpPr>
           <p:cNvPr id="39" name="Google Shape;39;p5"/>
-          <p:cNvSpPr txBox="1"/>
+          <p:cNvSpPr txBox="1">
+            <a:spLocks noGrp="1"/>
+          </p:cNvSpPr>
           <p:nvPr>
-            <p:ph idx="12" type="sldNum"/>
+            <p:ph type="sldNum" idx="12"/>
           </p:nvPr>
         </p:nvSpPr>
         <p:spPr>
@@ -4539,7 +4618,7 @@
           </a:prstGeom>
         </p:spPr>
         <p:txBody>
-          <a:bodyPr anchorCtr="0" anchor="ctr" bIns="91425" lIns="91425" spcFirstLastPara="1" rIns="91425" wrap="square" tIns="91425">
+          <a:bodyPr spcFirstLastPara="1" wrap="square" lIns="91425" tIns="91425" rIns="91425" bIns="91425" anchor="ctr" anchorCtr="0">
             <a:noAutofit/>
           </a:bodyPr>
           <a:lstStyle>
@@ -4581,7 +4660,7 @@
             </a:lvl9pPr>
           </a:lstStyle>
           <a:p>
-            <a:pPr indent="0" lvl="0" marL="0" rtl="0" algn="r">
+            <a:pPr marL="0" lvl="0" indent="0" algn="r" rtl="0">
               <a:spcBef>
                 <a:spcPts val="0"/>
               </a:spcBef>
@@ -4607,11 +4686,11 @@
 </file>
 
 <file path=ppt/slideLayouts/slideLayout5.xml><?xml version="1.0" encoding="utf-8"?>
-<p:sldLayout xmlns:a="http://schemas.openxmlformats.org/drawingml/2006/main" xmlns:r="http://schemas.openxmlformats.org/officeDocument/2006/relationships" xmlns:mc="http://schemas.openxmlformats.org/markup-compatibility/2006" xmlns:mv="urn:schemas-microsoft-com:mac:vml" xmlns:p="http://schemas.openxmlformats.org/presentationml/2006/main" xmlns:c="http://schemas.openxmlformats.org/drawingml/2006/chart" xmlns:dgm="http://schemas.openxmlformats.org/drawingml/2006/diagram" xmlns:o="urn:schemas-microsoft-com:office:office" xmlns:v="urn:schemas-microsoft-com:vml" xmlns:pvml="urn:schemas-microsoft-com:office:powerpoint" xmlns:com="http://schemas.openxmlformats.org/drawingml/2006/compatibility" xmlns:p14="http://schemas.microsoft.com/office/powerpoint/2010/main" xmlns:p15="http://schemas.microsoft.com/office/powerpoint/2012/main" matchingName="Title only" type="titleOnly">
+<p:sldLayout xmlns:a="http://schemas.openxmlformats.org/drawingml/2006/main" xmlns:r="http://schemas.openxmlformats.org/officeDocument/2006/relationships" xmlns:p="http://schemas.openxmlformats.org/presentationml/2006/main" matchingName="Title only" type="titleOnly">
   <p:cSld name="TITLE_ONLY">
     <p:spTree>
       <p:nvGrpSpPr>
-        <p:cNvPr id="40" name="Shape 40"/>
+        <p:cNvPr id="1" name="Shape 40"/>
         <p:cNvGrpSpPr/>
         <p:nvPr/>
       </p:nvGrpSpPr>
@@ -4645,12 +4724,12 @@
           </a:ln>
         </p:spPr>
         <p:txBody>
-          <a:bodyPr anchorCtr="0" anchor="ctr" bIns="91425" lIns="91425" spcFirstLastPara="1" rIns="91425" wrap="square" tIns="91425">
+          <a:bodyPr spcFirstLastPara="1" wrap="square" lIns="91425" tIns="91425" rIns="91425" bIns="91425" anchor="ctr" anchorCtr="0">
             <a:noAutofit/>
           </a:bodyPr>
           <a:lstStyle/>
           <a:p>
-            <a:pPr indent="0" lvl="0" marL="0" rtl="0" algn="l">
+            <a:pPr marL="0" lvl="0" indent="0" algn="l" rtl="0">
               <a:spcBef>
                 <a:spcPts val="0"/>
               </a:spcBef>
@@ -4659,9 +4738,6 @@
               </a:spcAft>
               <a:buNone/>
             </a:pPr>
-            <a:r>
-              <a:t/>
-            </a:r>
             <a:endParaRPr/>
           </a:p>
         </p:txBody>
@@ -4702,12 +4778,12 @@
             </a:ln>
           </p:spPr>
           <p:txBody>
-            <a:bodyPr anchorCtr="0" anchor="ctr" bIns="91425" lIns="91425" spcFirstLastPara="1" rIns="91425" wrap="square" tIns="91425">
+            <a:bodyPr spcFirstLastPara="1" wrap="square" lIns="91425" tIns="91425" rIns="91425" bIns="91425" anchor="ctr" anchorCtr="0">
               <a:noAutofit/>
             </a:bodyPr>
             <a:lstStyle/>
             <a:p>
-              <a:pPr indent="0" lvl="0" marL="0" rtl="0" algn="l">
+              <a:pPr marL="0" lvl="0" indent="0" algn="l" rtl="0">
                 <a:spcBef>
                   <a:spcPts val="0"/>
                 </a:spcBef>
@@ -4716,9 +4792,6 @@
                 </a:spcAft>
                 <a:buNone/>
               </a:pPr>
-              <a:r>
-                <a:t/>
-              </a:r>
               <a:endParaRPr/>
             </a:p>
           </p:txBody>
@@ -4745,12 +4818,12 @@
             </a:ln>
           </p:spPr>
           <p:txBody>
-            <a:bodyPr anchorCtr="0" anchor="ctr" bIns="91425" lIns="91425" spcFirstLastPara="1" rIns="91425" wrap="square" tIns="91425">
+            <a:bodyPr spcFirstLastPara="1" wrap="square" lIns="91425" tIns="91425" rIns="91425" bIns="91425" anchor="ctr" anchorCtr="0">
               <a:noAutofit/>
             </a:bodyPr>
             <a:lstStyle/>
             <a:p>
-              <a:pPr indent="0" lvl="0" marL="0" rtl="0" algn="l">
+              <a:pPr marL="0" lvl="0" indent="0" algn="l" rtl="0">
                 <a:spcBef>
                   <a:spcPts val="0"/>
                 </a:spcBef>
@@ -4759,9 +4832,6 @@
                 </a:spcAft>
                 <a:buNone/>
               </a:pPr>
-              <a:r>
-                <a:t/>
-              </a:r>
               <a:endParaRPr/>
             </a:p>
           </p:txBody>
@@ -4770,7 +4840,9 @@
       <p:sp>
         <p:nvSpPr>
           <p:cNvPr id="45" name="Google Shape;45;p6"/>
-          <p:cNvSpPr txBox="1"/>
+          <p:cNvSpPr txBox="1">
+            <a:spLocks noGrp="1"/>
+          </p:cNvSpPr>
           <p:nvPr>
             <p:ph type="title"/>
           </p:nvPr>
@@ -4785,7 +4857,7 @@
           </a:prstGeom>
         </p:spPr>
         <p:txBody>
-          <a:bodyPr anchorCtr="0" anchor="t" bIns="91425" lIns="91425" spcFirstLastPara="1" rIns="91425" wrap="square" tIns="91425">
+          <a:bodyPr spcFirstLastPara="1" wrap="square" lIns="91425" tIns="91425" rIns="91425" bIns="91425" anchor="t" anchorCtr="0">
             <a:noAutofit/>
           </a:bodyPr>
           <a:lstStyle>
@@ -4952,15 +5024,19 @@
               </a:defRPr>
             </a:lvl9pPr>
           </a:lstStyle>
-          <a:p/>
+          <a:p>
+            <a:endParaRPr/>
+          </a:p>
         </p:txBody>
       </p:sp>
       <p:sp>
         <p:nvSpPr>
           <p:cNvPr id="46" name="Google Shape;46;p6"/>
-          <p:cNvSpPr txBox="1"/>
+          <p:cNvSpPr txBox="1">
+            <a:spLocks noGrp="1"/>
+          </p:cNvSpPr>
           <p:nvPr>
-            <p:ph idx="12" type="sldNum"/>
+            <p:ph type="sldNum" idx="12"/>
           </p:nvPr>
         </p:nvSpPr>
         <p:spPr>
@@ -4973,7 +5049,7 @@
           </a:prstGeom>
         </p:spPr>
         <p:txBody>
-          <a:bodyPr anchorCtr="0" anchor="ctr" bIns="91425" lIns="91425" spcFirstLastPara="1" rIns="91425" wrap="square" tIns="91425">
+          <a:bodyPr spcFirstLastPara="1" wrap="square" lIns="91425" tIns="91425" rIns="91425" bIns="91425" anchor="ctr" anchorCtr="0">
             <a:noAutofit/>
           </a:bodyPr>
           <a:lstStyle>
@@ -5015,7 +5091,7 @@
             </a:lvl9pPr>
           </a:lstStyle>
           <a:p>
-            <a:pPr indent="0" lvl="0" marL="0" rtl="0" algn="r">
+            <a:pPr marL="0" lvl="0" indent="0" algn="r" rtl="0">
               <a:spcBef>
                 <a:spcPts val="0"/>
               </a:spcBef>
@@ -5041,11 +5117,11 @@
 </file>
 
 <file path=ppt/slideLayouts/slideLayout6.xml><?xml version="1.0" encoding="utf-8"?>
-<p:sldLayout xmlns:a="http://schemas.openxmlformats.org/drawingml/2006/main" xmlns:r="http://schemas.openxmlformats.org/officeDocument/2006/relationships" xmlns:mc="http://schemas.openxmlformats.org/markup-compatibility/2006" xmlns:mv="urn:schemas-microsoft-com:mac:vml" xmlns:p="http://schemas.openxmlformats.org/presentationml/2006/main" xmlns:c="http://schemas.openxmlformats.org/drawingml/2006/chart" xmlns:dgm="http://schemas.openxmlformats.org/drawingml/2006/diagram" xmlns:o="urn:schemas-microsoft-com:office:office" xmlns:v="urn:schemas-microsoft-com:vml" xmlns:pvml="urn:schemas-microsoft-com:office:powerpoint" xmlns:com="http://schemas.openxmlformats.org/drawingml/2006/compatibility" xmlns:p14="http://schemas.microsoft.com/office/powerpoint/2010/main" xmlns:p15="http://schemas.microsoft.com/office/powerpoint/2012/main" matchingName="One column text">
+<p:sldLayout xmlns:a="http://schemas.openxmlformats.org/drawingml/2006/main" xmlns:r="http://schemas.openxmlformats.org/officeDocument/2006/relationships" xmlns:p="http://schemas.openxmlformats.org/presentationml/2006/main" matchingName="One column text">
   <p:cSld name="ONE_COLUMN_TEXT">
     <p:spTree>
       <p:nvGrpSpPr>
-        <p:cNvPr id="47" name="Shape 47"/>
+        <p:cNvPr id="1" name="Shape 47"/>
         <p:cNvGrpSpPr/>
         <p:nvPr/>
       </p:nvGrpSpPr>
@@ -5079,12 +5155,12 @@
           </a:ln>
         </p:spPr>
         <p:txBody>
-          <a:bodyPr anchorCtr="0" anchor="ctr" bIns="91425" lIns="91425" spcFirstLastPara="1" rIns="91425" wrap="square" tIns="91425">
+          <a:bodyPr spcFirstLastPara="1" wrap="square" lIns="91425" tIns="91425" rIns="91425" bIns="91425" anchor="ctr" anchorCtr="0">
             <a:noAutofit/>
           </a:bodyPr>
           <a:lstStyle/>
           <a:p>
-            <a:pPr indent="0" lvl="0" marL="0" rtl="0" algn="l">
+            <a:pPr marL="0" lvl="0" indent="0" algn="l" rtl="0">
               <a:spcBef>
                 <a:spcPts val="0"/>
               </a:spcBef>
@@ -5093,9 +5169,6 @@
               </a:spcAft>
               <a:buNone/>
             </a:pPr>
-            <a:r>
-              <a:t/>
-            </a:r>
             <a:endParaRPr/>
           </a:p>
         </p:txBody>
@@ -5136,12 +5209,12 @@
             </a:ln>
           </p:spPr>
           <p:txBody>
-            <a:bodyPr anchorCtr="0" anchor="ctr" bIns="91425" lIns="91425" spcFirstLastPara="1" rIns="91425" wrap="square" tIns="91425">
+            <a:bodyPr spcFirstLastPara="1" wrap="square" lIns="91425" tIns="91425" rIns="91425" bIns="91425" anchor="ctr" anchorCtr="0">
               <a:noAutofit/>
             </a:bodyPr>
             <a:lstStyle/>
             <a:p>
-              <a:pPr indent="0" lvl="0" marL="0" rtl="0" algn="l">
+              <a:pPr marL="0" lvl="0" indent="0" algn="l" rtl="0">
                 <a:spcBef>
                   <a:spcPts val="0"/>
                 </a:spcBef>
@@ -5150,9 +5223,6 @@
                 </a:spcAft>
                 <a:buNone/>
               </a:pPr>
-              <a:r>
-                <a:t/>
-              </a:r>
               <a:endParaRPr/>
             </a:p>
           </p:txBody>
@@ -5179,12 +5249,12 @@
             </a:ln>
           </p:spPr>
           <p:txBody>
-            <a:bodyPr anchorCtr="0" anchor="ctr" bIns="91425" lIns="91425" spcFirstLastPara="1" rIns="91425" wrap="square" tIns="91425">
+            <a:bodyPr spcFirstLastPara="1" wrap="square" lIns="91425" tIns="91425" rIns="91425" bIns="91425" anchor="ctr" anchorCtr="0">
               <a:noAutofit/>
             </a:bodyPr>
             <a:lstStyle/>
             <a:p>
-              <a:pPr indent="0" lvl="0" marL="0" rtl="0" algn="l">
+              <a:pPr marL="0" lvl="0" indent="0" algn="l" rtl="0">
                 <a:spcBef>
                   <a:spcPts val="0"/>
                 </a:spcBef>
@@ -5193,9 +5263,6 @@
                 </a:spcAft>
                 <a:buNone/>
               </a:pPr>
-              <a:r>
-                <a:t/>
-              </a:r>
               <a:endParaRPr/>
             </a:p>
           </p:txBody>
@@ -5204,7 +5271,9 @@
       <p:sp>
         <p:nvSpPr>
           <p:cNvPr id="52" name="Google Shape;52;p7"/>
-          <p:cNvSpPr txBox="1"/>
+          <p:cNvSpPr txBox="1">
+            <a:spLocks noGrp="1"/>
+          </p:cNvSpPr>
           <p:nvPr>
             <p:ph type="title"/>
           </p:nvPr>
@@ -5219,7 +5288,7 @@
           </a:prstGeom>
         </p:spPr>
         <p:txBody>
-          <a:bodyPr anchorCtr="0" anchor="t" bIns="91425" lIns="91425" spcFirstLastPara="1" rIns="91425" wrap="square" tIns="91425">
+          <a:bodyPr spcFirstLastPara="1" wrap="square" lIns="91425" tIns="91425" rIns="91425" bIns="91425" anchor="t" anchorCtr="0">
             <a:noAutofit/>
           </a:bodyPr>
           <a:lstStyle>
@@ -5386,15 +5455,19 @@
               </a:defRPr>
             </a:lvl9pPr>
           </a:lstStyle>
-          <a:p/>
+          <a:p>
+            <a:endParaRPr/>
+          </a:p>
         </p:txBody>
       </p:sp>
       <p:sp>
         <p:nvSpPr>
           <p:cNvPr id="53" name="Google Shape;53;p7"/>
-          <p:cNvSpPr txBox="1"/>
+          <p:cNvSpPr txBox="1">
+            <a:spLocks noGrp="1"/>
+          </p:cNvSpPr>
           <p:nvPr>
-            <p:ph idx="1" type="body"/>
+            <p:ph type="body" idx="1"/>
           </p:nvPr>
         </p:nvSpPr>
         <p:spPr>
@@ -5407,11 +5480,11 @@
           </a:prstGeom>
         </p:spPr>
         <p:txBody>
-          <a:bodyPr anchorCtr="0" anchor="t" bIns="91425" lIns="91425" spcFirstLastPara="1" rIns="91425" wrap="square" tIns="91425">
+          <a:bodyPr spcFirstLastPara="1" wrap="square" lIns="91425" tIns="91425" rIns="91425" bIns="91425" anchor="t" anchorCtr="0">
             <a:noAutofit/>
           </a:bodyPr>
           <a:lstStyle>
-            <a:lvl1pPr indent="-311150" lvl="0" marL="457200">
+            <a:lvl1pPr marL="457200" lvl="0" indent="-311150">
               <a:spcBef>
                 <a:spcPts val="0"/>
               </a:spcBef>
@@ -5422,7 +5495,7 @@
               <a:buChar char="●"/>
               <a:defRPr/>
             </a:lvl1pPr>
-            <a:lvl2pPr indent="-298450" lvl="1" marL="914400">
+            <a:lvl2pPr marL="914400" lvl="1" indent="-298450">
               <a:spcBef>
                 <a:spcPts val="1600"/>
               </a:spcBef>
@@ -5433,7 +5506,7 @@
               <a:buChar char="○"/>
               <a:defRPr/>
             </a:lvl2pPr>
-            <a:lvl3pPr indent="-298450" lvl="2" marL="1371600">
+            <a:lvl3pPr marL="1371600" lvl="2" indent="-298450">
               <a:spcBef>
                 <a:spcPts val="1600"/>
               </a:spcBef>
@@ -5444,7 +5517,7 @@
               <a:buChar char="■"/>
               <a:defRPr/>
             </a:lvl3pPr>
-            <a:lvl4pPr indent="-298450" lvl="3" marL="1828800">
+            <a:lvl4pPr marL="1828800" lvl="3" indent="-298450">
               <a:spcBef>
                 <a:spcPts val="1600"/>
               </a:spcBef>
@@ -5455,7 +5528,7 @@
               <a:buChar char="●"/>
               <a:defRPr/>
             </a:lvl4pPr>
-            <a:lvl5pPr indent="-298450" lvl="4" marL="2286000">
+            <a:lvl5pPr marL="2286000" lvl="4" indent="-298450">
               <a:spcBef>
                 <a:spcPts val="1600"/>
               </a:spcBef>
@@ -5466,7 +5539,7 @@
               <a:buChar char="○"/>
               <a:defRPr/>
             </a:lvl5pPr>
-            <a:lvl6pPr indent="-298450" lvl="5" marL="2743200">
+            <a:lvl6pPr marL="2743200" lvl="5" indent="-298450">
               <a:spcBef>
                 <a:spcPts val="1600"/>
               </a:spcBef>
@@ -5477,7 +5550,7 @@
               <a:buChar char="■"/>
               <a:defRPr/>
             </a:lvl6pPr>
-            <a:lvl7pPr indent="-298450" lvl="6" marL="3200400">
+            <a:lvl7pPr marL="3200400" lvl="6" indent="-298450">
               <a:spcBef>
                 <a:spcPts val="1600"/>
               </a:spcBef>
@@ -5488,7 +5561,7 @@
               <a:buChar char="●"/>
               <a:defRPr/>
             </a:lvl7pPr>
-            <a:lvl8pPr indent="-298450" lvl="7" marL="3657600">
+            <a:lvl8pPr marL="3657600" lvl="7" indent="-298450">
               <a:spcBef>
                 <a:spcPts val="1600"/>
               </a:spcBef>
@@ -5499,7 +5572,7 @@
               <a:buChar char="○"/>
               <a:defRPr/>
             </a:lvl8pPr>
-            <a:lvl9pPr indent="-298450" lvl="8" marL="4114800">
+            <a:lvl9pPr marL="4114800" lvl="8" indent="-298450">
               <a:spcBef>
                 <a:spcPts val="1600"/>
               </a:spcBef>
@@ -5511,15 +5584,19 @@
               <a:defRPr/>
             </a:lvl9pPr>
           </a:lstStyle>
-          <a:p/>
+          <a:p>
+            <a:endParaRPr/>
+          </a:p>
         </p:txBody>
       </p:sp>
       <p:sp>
         <p:nvSpPr>
           <p:cNvPr id="54" name="Google Shape;54;p7"/>
-          <p:cNvSpPr txBox="1"/>
+          <p:cNvSpPr txBox="1">
+            <a:spLocks noGrp="1"/>
+          </p:cNvSpPr>
           <p:nvPr>
-            <p:ph idx="12" type="sldNum"/>
+            <p:ph type="sldNum" idx="12"/>
           </p:nvPr>
         </p:nvSpPr>
         <p:spPr>
@@ -5532,7 +5609,7 @@
           </a:prstGeom>
         </p:spPr>
         <p:txBody>
-          <a:bodyPr anchorCtr="0" anchor="ctr" bIns="91425" lIns="91425" spcFirstLastPara="1" rIns="91425" wrap="square" tIns="91425">
+          <a:bodyPr spcFirstLastPara="1" wrap="square" lIns="91425" tIns="91425" rIns="91425" bIns="91425" anchor="ctr" anchorCtr="0">
             <a:noAutofit/>
           </a:bodyPr>
           <a:lstStyle>
@@ -5574,7 +5651,7 @@
             </a:lvl9pPr>
           </a:lstStyle>
           <a:p>
-            <a:pPr indent="0" lvl="0" marL="0" rtl="0" algn="r">
+            <a:pPr marL="0" lvl="0" indent="0" algn="r" rtl="0">
               <a:spcBef>
                 <a:spcPts val="0"/>
               </a:spcBef>
@@ -5600,18 +5677,19 @@
 </file>
 
 <file path=ppt/slideLayouts/slideLayout7.xml><?xml version="1.0" encoding="utf-8"?>
-<p:sldLayout xmlns:a="http://schemas.openxmlformats.org/drawingml/2006/main" xmlns:r="http://schemas.openxmlformats.org/officeDocument/2006/relationships" xmlns:mc="http://schemas.openxmlformats.org/markup-compatibility/2006" xmlns:mv="urn:schemas-microsoft-com:mac:vml" xmlns:p="http://schemas.openxmlformats.org/presentationml/2006/main" xmlns:c="http://schemas.openxmlformats.org/drawingml/2006/chart" xmlns:dgm="http://schemas.openxmlformats.org/drawingml/2006/diagram" xmlns:o="urn:schemas-microsoft-com:office:office" xmlns:v="urn:schemas-microsoft-com:vml" xmlns:pvml="urn:schemas-microsoft-com:office:powerpoint" xmlns:com="http://schemas.openxmlformats.org/drawingml/2006/compatibility" xmlns:p14="http://schemas.microsoft.com/office/powerpoint/2010/main" xmlns:p15="http://schemas.microsoft.com/office/powerpoint/2012/main" matchingName="Main point">
+<p:sldLayout xmlns:a="http://schemas.openxmlformats.org/drawingml/2006/main" xmlns:r="http://schemas.openxmlformats.org/officeDocument/2006/relationships" xmlns:p="http://schemas.openxmlformats.org/presentationml/2006/main" matchingName="Main point">
   <p:cSld name="MAIN_POINT">
     <p:bg>
       <p:bgPr>
         <a:solidFill>
           <a:schemeClr val="accent3"/>
         </a:solidFill>
+        <a:effectLst/>
       </p:bgPr>
     </p:bg>
     <p:spTree>
       <p:nvGrpSpPr>
-        <p:cNvPr id="55" name="Shape 55"/>
+        <p:cNvPr id="1" name="Shape 55"/>
         <p:cNvGrpSpPr/>
         <p:nvPr/>
       </p:nvGrpSpPr>
@@ -5659,12 +5737,12 @@
             </a:ln>
           </p:spPr>
           <p:txBody>
-            <a:bodyPr anchorCtr="0" anchor="ctr" bIns="91425" lIns="91425" spcFirstLastPara="1" rIns="91425" wrap="square" tIns="91425">
+            <a:bodyPr spcFirstLastPara="1" wrap="square" lIns="91425" tIns="91425" rIns="91425" bIns="91425" anchor="ctr" anchorCtr="0">
               <a:noAutofit/>
             </a:bodyPr>
             <a:lstStyle/>
             <a:p>
-              <a:pPr indent="0" lvl="0" marL="0" rtl="0" algn="l">
+              <a:pPr marL="0" lvl="0" indent="0" algn="l" rtl="0">
                 <a:spcBef>
                   <a:spcPts val="0"/>
                 </a:spcBef>
@@ -5673,9 +5751,6 @@
                 </a:spcAft>
                 <a:buNone/>
               </a:pPr>
-              <a:r>
-                <a:t/>
-              </a:r>
               <a:endParaRPr/>
             </a:p>
           </p:txBody>
@@ -5702,12 +5777,12 @@
             </a:ln>
           </p:spPr>
           <p:txBody>
-            <a:bodyPr anchorCtr="0" anchor="ctr" bIns="91425" lIns="91425" spcFirstLastPara="1" rIns="91425" wrap="square" tIns="91425">
+            <a:bodyPr spcFirstLastPara="1" wrap="square" lIns="91425" tIns="91425" rIns="91425" bIns="91425" anchor="ctr" anchorCtr="0">
               <a:noAutofit/>
             </a:bodyPr>
             <a:lstStyle/>
             <a:p>
-              <a:pPr indent="0" lvl="0" marL="0" rtl="0" algn="l">
+              <a:pPr marL="0" lvl="0" indent="0" algn="l" rtl="0">
                 <a:spcBef>
                   <a:spcPts val="0"/>
                 </a:spcBef>
@@ -5716,9 +5791,6 @@
                 </a:spcAft>
                 <a:buNone/>
               </a:pPr>
-              <a:r>
-                <a:t/>
-              </a:r>
               <a:endParaRPr/>
             </a:p>
           </p:txBody>
@@ -5727,7 +5799,9 @@
       <p:sp>
         <p:nvSpPr>
           <p:cNvPr id="59" name="Google Shape;59;p8"/>
-          <p:cNvSpPr txBox="1"/>
+          <p:cNvSpPr txBox="1">
+            <a:spLocks noGrp="1"/>
+          </p:cNvSpPr>
           <p:nvPr>
             <p:ph type="title"/>
           </p:nvPr>
@@ -5742,7 +5816,7 @@
           </a:prstGeom>
         </p:spPr>
         <p:txBody>
-          <a:bodyPr anchorCtr="0" anchor="ctr" bIns="91425" lIns="91425" spcFirstLastPara="1" rIns="91425" wrap="square" tIns="91425">
+          <a:bodyPr spcFirstLastPara="1" wrap="square" lIns="91425" tIns="91425" rIns="91425" bIns="91425" anchor="ctr" anchorCtr="0">
             <a:noAutofit/>
           </a:bodyPr>
           <a:lstStyle>
@@ -5909,15 +5983,19 @@
               </a:defRPr>
             </a:lvl9pPr>
           </a:lstStyle>
-          <a:p/>
+          <a:p>
+            <a:endParaRPr/>
+          </a:p>
         </p:txBody>
       </p:sp>
       <p:sp>
         <p:nvSpPr>
           <p:cNvPr id="60" name="Google Shape;60;p8"/>
-          <p:cNvSpPr txBox="1"/>
+          <p:cNvSpPr txBox="1">
+            <a:spLocks noGrp="1"/>
+          </p:cNvSpPr>
           <p:nvPr>
-            <p:ph idx="12" type="sldNum"/>
+            <p:ph type="sldNum" idx="12"/>
           </p:nvPr>
         </p:nvSpPr>
         <p:spPr>
@@ -5930,7 +6008,7 @@
           </a:prstGeom>
         </p:spPr>
         <p:txBody>
-          <a:bodyPr anchorCtr="0" anchor="ctr" bIns="91425" lIns="91425" spcFirstLastPara="1" rIns="91425" wrap="square" tIns="91425">
+          <a:bodyPr spcFirstLastPara="1" wrap="square" lIns="91425" tIns="91425" rIns="91425" bIns="91425" anchor="ctr" anchorCtr="0">
             <a:noAutofit/>
           </a:bodyPr>
           <a:lstStyle>
@@ -6008,7 +6086,7 @@
             </a:lvl9pPr>
           </a:lstStyle>
           <a:p>
-            <a:pPr indent="0" lvl="0" marL="0" rtl="0" algn="r">
+            <a:pPr marL="0" lvl="0" indent="0" algn="r" rtl="0">
               <a:spcBef>
                 <a:spcPts val="0"/>
               </a:spcBef>
@@ -6034,11 +6112,11 @@
 </file>
 
 <file path=ppt/slideLayouts/slideLayout8.xml><?xml version="1.0" encoding="utf-8"?>
-<p:sldLayout xmlns:a="http://schemas.openxmlformats.org/drawingml/2006/main" xmlns:r="http://schemas.openxmlformats.org/officeDocument/2006/relationships" xmlns:mc="http://schemas.openxmlformats.org/markup-compatibility/2006" xmlns:mv="urn:schemas-microsoft-com:mac:vml" xmlns:p="http://schemas.openxmlformats.org/presentationml/2006/main" xmlns:c="http://schemas.openxmlformats.org/drawingml/2006/chart" xmlns:dgm="http://schemas.openxmlformats.org/drawingml/2006/diagram" xmlns:o="urn:schemas-microsoft-com:office:office" xmlns:v="urn:schemas-microsoft-com:vml" xmlns:pvml="urn:schemas-microsoft-com:office:powerpoint" xmlns:com="http://schemas.openxmlformats.org/drawingml/2006/compatibility" xmlns:p14="http://schemas.microsoft.com/office/powerpoint/2010/main" xmlns:p15="http://schemas.microsoft.com/office/powerpoint/2012/main" matchingName="Section title and description">
+<p:sldLayout xmlns:a="http://schemas.openxmlformats.org/drawingml/2006/main" xmlns:r="http://schemas.openxmlformats.org/officeDocument/2006/relationships" xmlns:p="http://schemas.openxmlformats.org/presentationml/2006/main" matchingName="Section title and description">
   <p:cSld name="SECTION_TITLE_AND_DESCRIPTION">
     <p:spTree>
       <p:nvGrpSpPr>
-        <p:cNvPr id="61" name="Shape 61"/>
+        <p:cNvPr id="1" name="Shape 61"/>
         <p:cNvGrpSpPr/>
         <p:nvPr/>
       </p:nvGrpSpPr>
@@ -6072,12 +6150,12 @@
           </a:ln>
         </p:spPr>
         <p:txBody>
-          <a:bodyPr anchorCtr="0" anchor="ctr" bIns="91425" lIns="91425" spcFirstLastPara="1" rIns="91425" wrap="square" tIns="91425">
+          <a:bodyPr spcFirstLastPara="1" wrap="square" lIns="91425" tIns="91425" rIns="91425" bIns="91425" anchor="ctr" anchorCtr="0">
             <a:noAutofit/>
           </a:bodyPr>
           <a:lstStyle/>
           <a:p>
-            <a:pPr indent="0" lvl="0" marL="0" rtl="0" algn="l">
+            <a:pPr marL="0" lvl="0" indent="0" algn="l" rtl="0">
               <a:spcBef>
                 <a:spcPts val="0"/>
               </a:spcBef>
@@ -6086,9 +6164,6 @@
               </a:spcAft>
               <a:buNone/>
             </a:pPr>
-            <a:r>
-              <a:t/>
-            </a:r>
             <a:endParaRPr/>
           </a:p>
         </p:txBody>
@@ -6129,12 +6204,12 @@
             </a:ln>
           </p:spPr>
           <p:txBody>
-            <a:bodyPr anchorCtr="0" anchor="ctr" bIns="91425" lIns="91425" spcFirstLastPara="1" rIns="91425" wrap="square" tIns="91425">
+            <a:bodyPr spcFirstLastPara="1" wrap="square" lIns="91425" tIns="91425" rIns="91425" bIns="91425" anchor="ctr" anchorCtr="0">
               <a:noAutofit/>
             </a:bodyPr>
             <a:lstStyle/>
             <a:p>
-              <a:pPr indent="0" lvl="0" marL="0" rtl="0" algn="l">
+              <a:pPr marL="0" lvl="0" indent="0" algn="l" rtl="0">
                 <a:spcBef>
                   <a:spcPts val="0"/>
                 </a:spcBef>
@@ -6143,9 +6218,6 @@
                 </a:spcAft>
                 <a:buNone/>
               </a:pPr>
-              <a:r>
-                <a:t/>
-              </a:r>
               <a:endParaRPr/>
             </a:p>
           </p:txBody>
@@ -6172,12 +6244,12 @@
             </a:ln>
           </p:spPr>
           <p:txBody>
-            <a:bodyPr anchorCtr="0" anchor="ctr" bIns="91425" lIns="91425" spcFirstLastPara="1" rIns="91425" wrap="square" tIns="91425">
+            <a:bodyPr spcFirstLastPara="1" wrap="square" lIns="91425" tIns="91425" rIns="91425" bIns="91425" anchor="ctr" anchorCtr="0">
               <a:noAutofit/>
             </a:bodyPr>
             <a:lstStyle/>
             <a:p>
-              <a:pPr indent="0" lvl="0" marL="0" rtl="0" algn="l">
+              <a:pPr marL="0" lvl="0" indent="0" algn="l" rtl="0">
                 <a:spcBef>
                   <a:spcPts val="0"/>
                 </a:spcBef>
@@ -6186,9 +6258,6 @@
                 </a:spcAft>
                 <a:buNone/>
               </a:pPr>
-              <a:r>
-                <a:t/>
-              </a:r>
               <a:endParaRPr/>
             </a:p>
           </p:txBody>
@@ -6197,7 +6266,9 @@
       <p:sp>
         <p:nvSpPr>
           <p:cNvPr id="66" name="Google Shape;66;p9"/>
-          <p:cNvSpPr txBox="1"/>
+          <p:cNvSpPr txBox="1">
+            <a:spLocks noGrp="1"/>
+          </p:cNvSpPr>
           <p:nvPr>
             <p:ph type="title"/>
           </p:nvPr>
@@ -6212,7 +6283,7 @@
           </a:prstGeom>
         </p:spPr>
         <p:txBody>
-          <a:bodyPr anchorCtr="0" anchor="t" bIns="91425" lIns="91425" spcFirstLastPara="1" rIns="91425" wrap="square" tIns="91425">
+          <a:bodyPr spcFirstLastPara="1" wrap="square" lIns="91425" tIns="91425" rIns="91425" bIns="91425" anchor="t" anchorCtr="0">
             <a:noAutofit/>
           </a:bodyPr>
           <a:lstStyle>
@@ -6379,15 +6450,19 @@
               </a:defRPr>
             </a:lvl9pPr>
           </a:lstStyle>
-          <a:p/>
+          <a:p>
+            <a:endParaRPr/>
+          </a:p>
         </p:txBody>
       </p:sp>
       <p:sp>
         <p:nvSpPr>
           <p:cNvPr id="67" name="Google Shape;67;p9"/>
-          <p:cNvSpPr txBox="1"/>
+          <p:cNvSpPr txBox="1">
+            <a:spLocks noGrp="1"/>
+          </p:cNvSpPr>
           <p:nvPr>
-            <p:ph idx="1" type="subTitle"/>
+            <p:ph type="subTitle" idx="1"/>
           </p:nvPr>
         </p:nvSpPr>
         <p:spPr>
@@ -6400,7 +6475,7 @@
           </a:prstGeom>
         </p:spPr>
         <p:txBody>
-          <a:bodyPr anchorCtr="0" anchor="t" bIns="91425" lIns="91425" spcFirstLastPara="1" rIns="91425" wrap="square" tIns="91425">
+          <a:bodyPr spcFirstLastPara="1" wrap="square" lIns="91425" tIns="91425" rIns="91425" bIns="91425" anchor="t" anchorCtr="0">
             <a:noAutofit/>
           </a:bodyPr>
           <a:lstStyle>
@@ -6531,15 +6606,19 @@
               <a:defRPr sz="1600"/>
             </a:lvl9pPr>
           </a:lstStyle>
-          <a:p/>
+          <a:p>
+            <a:endParaRPr/>
+          </a:p>
         </p:txBody>
       </p:sp>
       <p:sp>
         <p:nvSpPr>
           <p:cNvPr id="68" name="Google Shape;68;p9"/>
-          <p:cNvSpPr txBox="1"/>
+          <p:cNvSpPr txBox="1">
+            <a:spLocks noGrp="1"/>
+          </p:cNvSpPr>
           <p:nvPr>
-            <p:ph idx="2" type="body"/>
+            <p:ph type="body" idx="2"/>
           </p:nvPr>
         </p:nvSpPr>
         <p:spPr>
@@ -6552,11 +6631,11 @@
           </a:prstGeom>
         </p:spPr>
         <p:txBody>
-          <a:bodyPr anchorCtr="0" anchor="t" bIns="91425" lIns="91425" spcFirstLastPara="1" rIns="91425" wrap="square" tIns="91425">
+          <a:bodyPr spcFirstLastPara="1" wrap="square" lIns="91425" tIns="91425" rIns="91425" bIns="91425" anchor="t" anchorCtr="0">
             <a:noAutofit/>
           </a:bodyPr>
           <a:lstStyle>
-            <a:lvl1pPr indent="-311150" lvl="0" marL="457200">
+            <a:lvl1pPr marL="457200" lvl="0" indent="-311150">
               <a:spcBef>
                 <a:spcPts val="0"/>
               </a:spcBef>
@@ -6567,7 +6646,7 @@
               <a:buChar char="●"/>
               <a:defRPr/>
             </a:lvl1pPr>
-            <a:lvl2pPr indent="-298450" lvl="1" marL="914400">
+            <a:lvl2pPr marL="914400" lvl="1" indent="-298450">
               <a:spcBef>
                 <a:spcPts val="1600"/>
               </a:spcBef>
@@ -6578,7 +6657,7 @@
               <a:buChar char="○"/>
               <a:defRPr/>
             </a:lvl2pPr>
-            <a:lvl3pPr indent="-298450" lvl="2" marL="1371600">
+            <a:lvl3pPr marL="1371600" lvl="2" indent="-298450">
               <a:spcBef>
                 <a:spcPts val="1600"/>
               </a:spcBef>
@@ -6589,7 +6668,7 @@
               <a:buChar char="■"/>
               <a:defRPr/>
             </a:lvl3pPr>
-            <a:lvl4pPr indent="-298450" lvl="3" marL="1828800">
+            <a:lvl4pPr marL="1828800" lvl="3" indent="-298450">
               <a:spcBef>
                 <a:spcPts val="1600"/>
               </a:spcBef>
@@ -6600,7 +6679,7 @@
               <a:buChar char="●"/>
               <a:defRPr/>
             </a:lvl4pPr>
-            <a:lvl5pPr indent="-298450" lvl="4" marL="2286000">
+            <a:lvl5pPr marL="2286000" lvl="4" indent="-298450">
               <a:spcBef>
                 <a:spcPts val="1600"/>
               </a:spcBef>
@@ -6611,7 +6690,7 @@
               <a:buChar char="○"/>
               <a:defRPr/>
             </a:lvl5pPr>
-            <a:lvl6pPr indent="-298450" lvl="5" marL="2743200">
+            <a:lvl6pPr marL="2743200" lvl="5" indent="-298450">
               <a:spcBef>
                 <a:spcPts val="1600"/>
               </a:spcBef>
@@ -6622,7 +6701,7 @@
               <a:buChar char="■"/>
               <a:defRPr/>
             </a:lvl6pPr>
-            <a:lvl7pPr indent="-298450" lvl="6" marL="3200400">
+            <a:lvl7pPr marL="3200400" lvl="6" indent="-298450">
               <a:spcBef>
                 <a:spcPts val="1600"/>
               </a:spcBef>
@@ -6633,7 +6712,7 @@
               <a:buChar char="●"/>
               <a:defRPr/>
             </a:lvl7pPr>
-            <a:lvl8pPr indent="-298450" lvl="7" marL="3657600">
+            <a:lvl8pPr marL="3657600" lvl="7" indent="-298450">
               <a:spcBef>
                 <a:spcPts val="1600"/>
               </a:spcBef>
@@ -6644,7 +6723,7 @@
               <a:buChar char="○"/>
               <a:defRPr/>
             </a:lvl8pPr>
-            <a:lvl9pPr indent="-298450" lvl="8" marL="4114800">
+            <a:lvl9pPr marL="4114800" lvl="8" indent="-298450">
               <a:spcBef>
                 <a:spcPts val="1600"/>
               </a:spcBef>
@@ -6656,15 +6735,19 @@
               <a:defRPr/>
             </a:lvl9pPr>
           </a:lstStyle>
-          <a:p/>
+          <a:p>
+            <a:endParaRPr/>
+          </a:p>
         </p:txBody>
       </p:sp>
       <p:sp>
         <p:nvSpPr>
           <p:cNvPr id="69" name="Google Shape;69;p9"/>
-          <p:cNvSpPr txBox="1"/>
+          <p:cNvSpPr txBox="1">
+            <a:spLocks noGrp="1"/>
+          </p:cNvSpPr>
           <p:nvPr>
-            <p:ph idx="12" type="sldNum"/>
+            <p:ph type="sldNum" idx="12"/>
           </p:nvPr>
         </p:nvSpPr>
         <p:spPr>
@@ -6677,7 +6760,7 @@
           </a:prstGeom>
         </p:spPr>
         <p:txBody>
-          <a:bodyPr anchorCtr="0" anchor="ctr" bIns="91425" lIns="91425" spcFirstLastPara="1" rIns="91425" wrap="square" tIns="91425">
+          <a:bodyPr spcFirstLastPara="1" wrap="square" lIns="91425" tIns="91425" rIns="91425" bIns="91425" anchor="ctr" anchorCtr="0">
             <a:noAutofit/>
           </a:bodyPr>
           <a:lstStyle>
@@ -6719,7 +6802,7 @@
             </a:lvl9pPr>
           </a:lstStyle>
           <a:p>
-            <a:pPr indent="0" lvl="0" marL="0" rtl="0" algn="r">
+            <a:pPr marL="0" lvl="0" indent="0" algn="r" rtl="0">
               <a:spcBef>
                 <a:spcPts val="0"/>
               </a:spcBef>
@@ -6745,11 +6828,11 @@
 </file>
 
 <file path=ppt/slideLayouts/slideLayout9.xml><?xml version="1.0" encoding="utf-8"?>
-<p:sldLayout xmlns:a="http://schemas.openxmlformats.org/drawingml/2006/main" xmlns:r="http://schemas.openxmlformats.org/officeDocument/2006/relationships" xmlns:mc="http://schemas.openxmlformats.org/markup-compatibility/2006" xmlns:mv="urn:schemas-microsoft-com:mac:vml" xmlns:p="http://schemas.openxmlformats.org/presentationml/2006/main" xmlns:c="http://schemas.openxmlformats.org/drawingml/2006/chart" xmlns:dgm="http://schemas.openxmlformats.org/drawingml/2006/diagram" xmlns:o="urn:schemas-microsoft-com:office:office" xmlns:v="urn:schemas-microsoft-com:vml" xmlns:pvml="urn:schemas-microsoft-com:office:powerpoint" xmlns:com="http://schemas.openxmlformats.org/drawingml/2006/compatibility" xmlns:p14="http://schemas.microsoft.com/office/powerpoint/2010/main" xmlns:p15="http://schemas.microsoft.com/office/powerpoint/2012/main" matchingName="Caption">
+<p:sldLayout xmlns:a="http://schemas.openxmlformats.org/drawingml/2006/main" xmlns:r="http://schemas.openxmlformats.org/officeDocument/2006/relationships" xmlns:p="http://schemas.openxmlformats.org/presentationml/2006/main" matchingName="Caption">
   <p:cSld name="CAPTION_ONLY">
     <p:spTree>
       <p:nvGrpSpPr>
-        <p:cNvPr id="70" name="Shape 70"/>
+        <p:cNvPr id="1" name="Shape 70"/>
         <p:cNvGrpSpPr/>
         <p:nvPr/>
       </p:nvGrpSpPr>
@@ -6764,9 +6847,11 @@
       <p:sp>
         <p:nvSpPr>
           <p:cNvPr id="71" name="Google Shape;71;p10"/>
-          <p:cNvSpPr txBox="1"/>
+          <p:cNvSpPr txBox="1">
+            <a:spLocks noGrp="1"/>
+          </p:cNvSpPr>
           <p:nvPr>
-            <p:ph idx="1" type="body"/>
+            <p:ph type="body" idx="1"/>
           </p:nvPr>
         </p:nvSpPr>
         <p:spPr>
@@ -6779,11 +6864,11 @@
           </a:prstGeom>
         </p:spPr>
         <p:txBody>
-          <a:bodyPr anchorCtr="0" anchor="ctr" bIns="91425" lIns="91425" spcFirstLastPara="1" rIns="91425" wrap="square" tIns="91425">
+          <a:bodyPr spcFirstLastPara="1" wrap="square" lIns="91425" tIns="91425" rIns="91425" bIns="91425" anchor="ctr" anchorCtr="0">
             <a:noAutofit/>
           </a:bodyPr>
           <a:lstStyle>
-            <a:lvl1pPr indent="-228600" lvl="0" marL="457200">
+            <a:lvl1pPr marL="457200" lvl="0" indent="-228600">
               <a:lnSpc>
                 <a:spcPct val="100000"/>
               </a:lnSpc>
@@ -6798,15 +6883,19 @@
               <a:defRPr/>
             </a:lvl1pPr>
           </a:lstStyle>
-          <a:p/>
+          <a:p>
+            <a:endParaRPr/>
+          </a:p>
         </p:txBody>
       </p:sp>
       <p:sp>
         <p:nvSpPr>
           <p:cNvPr id="72" name="Google Shape;72;p10"/>
-          <p:cNvSpPr txBox="1"/>
+          <p:cNvSpPr txBox="1">
+            <a:spLocks noGrp="1"/>
+          </p:cNvSpPr>
           <p:nvPr>
-            <p:ph idx="12" type="sldNum"/>
+            <p:ph type="sldNum" idx="12"/>
           </p:nvPr>
         </p:nvSpPr>
         <p:spPr>
@@ -6819,7 +6908,7 @@
           </a:prstGeom>
         </p:spPr>
         <p:txBody>
-          <a:bodyPr anchorCtr="0" anchor="ctr" bIns="91425" lIns="91425" spcFirstLastPara="1" rIns="91425" wrap="square" tIns="91425">
+          <a:bodyPr spcFirstLastPara="1" wrap="square" lIns="91425" tIns="91425" rIns="91425" bIns="91425" anchor="ctr" anchorCtr="0">
             <a:noAutofit/>
           </a:bodyPr>
           <a:lstStyle>
@@ -6861,7 +6950,7 @@
             </a:lvl9pPr>
           </a:lstStyle>
           <a:p>
-            <a:pPr indent="0" lvl="0" marL="0" rtl="0" algn="r">
+            <a:pPr marL="0" lvl="0" indent="0" algn="r" rtl="0">
               <a:spcBef>
                 <a:spcPts val="0"/>
               </a:spcBef>
@@ -6887,18 +6976,19 @@
 </file>
 
 <file path=ppt/slideMasters/slideMaster1.xml><?xml version="1.0" encoding="utf-8"?>
-<p:sldMaster xmlns:a="http://schemas.openxmlformats.org/drawingml/2006/main" xmlns:r="http://schemas.openxmlformats.org/officeDocument/2006/relationships" xmlns:mc="http://schemas.openxmlformats.org/markup-compatibility/2006" xmlns:mv="urn:schemas-microsoft-com:mac:vml" xmlns:p="http://schemas.openxmlformats.org/presentationml/2006/main" xmlns:c="http://schemas.openxmlformats.org/drawingml/2006/chart" xmlns:dgm="http://schemas.openxmlformats.org/drawingml/2006/diagram" xmlns:o="urn:schemas-microsoft-com:office:office" xmlns:v="urn:schemas-microsoft-com:vml" xmlns:pvml="urn:schemas-microsoft-com:office:powerpoint" xmlns:com="http://schemas.openxmlformats.org/drawingml/2006/compatibility" xmlns:p14="http://schemas.microsoft.com/office/powerpoint/2010/main" xmlns:p15="http://schemas.microsoft.com/office/powerpoint/2012/main">
+<p:sldMaster xmlns:a="http://schemas.openxmlformats.org/drawingml/2006/main" xmlns:r="http://schemas.openxmlformats.org/officeDocument/2006/relationships" xmlns:p="http://schemas.openxmlformats.org/presentationml/2006/main">
   <p:cSld name="streamline">
     <p:bg>
       <p:bgPr>
         <a:solidFill>
           <a:schemeClr val="lt1"/>
         </a:solidFill>
+        <a:effectLst/>
       </p:bgPr>
     </p:bg>
     <p:spTree>
       <p:nvGrpSpPr>
-        <p:cNvPr id="5" name="Shape 5"/>
+        <p:cNvPr id="1" name="Shape 5"/>
         <p:cNvGrpSpPr/>
         <p:nvPr/>
       </p:nvGrpSpPr>
@@ -6913,7 +7003,9 @@
       <p:sp>
         <p:nvSpPr>
           <p:cNvPr id="6" name="Google Shape;6;p1"/>
-          <p:cNvSpPr txBox="1"/>
+          <p:cNvSpPr txBox="1">
+            <a:spLocks noGrp="1"/>
+          </p:cNvSpPr>
           <p:nvPr>
             <p:ph type="title"/>
           </p:nvPr>
@@ -6932,7 +7024,7 @@
           </a:ln>
         </p:spPr>
         <p:txBody>
-          <a:bodyPr anchorCtr="0" anchor="t" bIns="91425" lIns="91425" spcFirstLastPara="1" rIns="91425" wrap="square" tIns="91425">
+          <a:bodyPr spcFirstLastPara="1" wrap="square" lIns="91425" tIns="91425" rIns="91425" bIns="91425" anchor="t" anchorCtr="0">
             <a:noAutofit/>
           </a:bodyPr>
           <a:lstStyle>
@@ -6946,7 +7038,7 @@
               <a:buSzPts val="2800"/>
               <a:buFont typeface="Raleway"/>
               <a:buNone/>
-              <a:defRPr b="1" sz="2800">
+              <a:defRPr sz="2800" b="1">
                 <a:latin typeface="Raleway"/>
                 <a:ea typeface="Raleway"/>
                 <a:cs typeface="Raleway"/>
@@ -6963,7 +7055,7 @@
               <a:buSzPts val="2800"/>
               <a:buFont typeface="Raleway"/>
               <a:buNone/>
-              <a:defRPr b="1" sz="2800">
+              <a:defRPr sz="2800" b="1">
                 <a:latin typeface="Raleway"/>
                 <a:ea typeface="Raleway"/>
                 <a:cs typeface="Raleway"/>
@@ -6980,7 +7072,7 @@
               <a:buSzPts val="2800"/>
               <a:buFont typeface="Raleway"/>
               <a:buNone/>
-              <a:defRPr b="1" sz="2800">
+              <a:defRPr sz="2800" b="1">
                 <a:latin typeface="Raleway"/>
                 <a:ea typeface="Raleway"/>
                 <a:cs typeface="Raleway"/>
@@ -6997,7 +7089,7 @@
               <a:buSzPts val="2800"/>
               <a:buFont typeface="Raleway"/>
               <a:buNone/>
-              <a:defRPr b="1" sz="2800">
+              <a:defRPr sz="2800" b="1">
                 <a:latin typeface="Raleway"/>
                 <a:ea typeface="Raleway"/>
                 <a:cs typeface="Raleway"/>
@@ -7014,7 +7106,7 @@
               <a:buSzPts val="2800"/>
               <a:buFont typeface="Raleway"/>
               <a:buNone/>
-              <a:defRPr b="1" sz="2800">
+              <a:defRPr sz="2800" b="1">
                 <a:latin typeface="Raleway"/>
                 <a:ea typeface="Raleway"/>
                 <a:cs typeface="Raleway"/>
@@ -7031,7 +7123,7 @@
               <a:buSzPts val="2800"/>
               <a:buFont typeface="Raleway"/>
               <a:buNone/>
-              <a:defRPr b="1" sz="2800">
+              <a:defRPr sz="2800" b="1">
                 <a:latin typeface="Raleway"/>
                 <a:ea typeface="Raleway"/>
                 <a:cs typeface="Raleway"/>
@@ -7048,7 +7140,7 @@
               <a:buSzPts val="2800"/>
               <a:buFont typeface="Raleway"/>
               <a:buNone/>
-              <a:defRPr b="1" sz="2800">
+              <a:defRPr sz="2800" b="1">
                 <a:latin typeface="Raleway"/>
                 <a:ea typeface="Raleway"/>
                 <a:cs typeface="Raleway"/>
@@ -7065,7 +7157,7 @@
               <a:buSzPts val="2800"/>
               <a:buFont typeface="Raleway"/>
               <a:buNone/>
-              <a:defRPr b="1" sz="2800">
+              <a:defRPr sz="2800" b="1">
                 <a:latin typeface="Raleway"/>
                 <a:ea typeface="Raleway"/>
                 <a:cs typeface="Raleway"/>
@@ -7082,7 +7174,7 @@
               <a:buSzPts val="2800"/>
               <a:buFont typeface="Raleway"/>
               <a:buNone/>
-              <a:defRPr b="1" sz="2800">
+              <a:defRPr sz="2800" b="1">
                 <a:latin typeface="Raleway"/>
                 <a:ea typeface="Raleway"/>
                 <a:cs typeface="Raleway"/>
@@ -7090,15 +7182,19 @@
               </a:defRPr>
             </a:lvl9pPr>
           </a:lstStyle>
-          <a:p/>
+          <a:p>
+            <a:endParaRPr/>
+          </a:p>
         </p:txBody>
       </p:sp>
       <p:sp>
         <p:nvSpPr>
           <p:cNvPr id="7" name="Google Shape;7;p1"/>
-          <p:cNvSpPr txBox="1"/>
+          <p:cNvSpPr txBox="1">
+            <a:spLocks noGrp="1"/>
+          </p:cNvSpPr>
           <p:nvPr>
-            <p:ph idx="1" type="body"/>
+            <p:ph type="body" idx="1"/>
           </p:nvPr>
         </p:nvSpPr>
         <p:spPr>
@@ -7115,11 +7211,11 @@
           </a:ln>
         </p:spPr>
         <p:txBody>
-          <a:bodyPr anchorCtr="0" anchor="t" bIns="91425" lIns="91425" spcFirstLastPara="1" rIns="91425" wrap="square" tIns="91425">
+          <a:bodyPr spcFirstLastPara="1" wrap="square" lIns="91425" tIns="91425" rIns="91425" bIns="91425" anchor="t" anchorCtr="0">
             <a:noAutofit/>
           </a:bodyPr>
           <a:lstStyle>
-            <a:lvl1pPr indent="-311150" lvl="0" marL="457200">
+            <a:lvl1pPr marL="457200" lvl="0" indent="-311150">
               <a:lnSpc>
                 <a:spcPct val="115000"/>
               </a:lnSpc>
@@ -7145,7 +7241,7 @@
                 <a:sym typeface="Lato"/>
               </a:defRPr>
             </a:lvl1pPr>
-            <a:lvl2pPr indent="-298450" lvl="1" marL="914400">
+            <a:lvl2pPr marL="914400" lvl="1" indent="-298450">
               <a:lnSpc>
                 <a:spcPct val="115000"/>
               </a:lnSpc>
@@ -7171,7 +7267,7 @@
                 <a:sym typeface="Lato"/>
               </a:defRPr>
             </a:lvl2pPr>
-            <a:lvl3pPr indent="-298450" lvl="2" marL="1371600">
+            <a:lvl3pPr marL="1371600" lvl="2" indent="-298450">
               <a:lnSpc>
                 <a:spcPct val="115000"/>
               </a:lnSpc>
@@ -7197,7 +7293,7 @@
                 <a:sym typeface="Lato"/>
               </a:defRPr>
             </a:lvl3pPr>
-            <a:lvl4pPr indent="-298450" lvl="3" marL="1828800">
+            <a:lvl4pPr marL="1828800" lvl="3" indent="-298450">
               <a:lnSpc>
                 <a:spcPct val="115000"/>
               </a:lnSpc>
@@ -7223,7 +7319,7 @@
                 <a:sym typeface="Lato"/>
               </a:defRPr>
             </a:lvl4pPr>
-            <a:lvl5pPr indent="-298450" lvl="4" marL="2286000">
+            <a:lvl5pPr marL="2286000" lvl="4" indent="-298450">
               <a:lnSpc>
                 <a:spcPct val="115000"/>
               </a:lnSpc>
@@ -7249,7 +7345,7 @@
                 <a:sym typeface="Lato"/>
               </a:defRPr>
             </a:lvl5pPr>
-            <a:lvl6pPr indent="-298450" lvl="5" marL="2743200">
+            <a:lvl6pPr marL="2743200" lvl="5" indent="-298450">
               <a:lnSpc>
                 <a:spcPct val="115000"/>
               </a:lnSpc>
@@ -7275,7 +7371,7 @@
                 <a:sym typeface="Lato"/>
               </a:defRPr>
             </a:lvl6pPr>
-            <a:lvl7pPr indent="-298450" lvl="6" marL="3200400">
+            <a:lvl7pPr marL="3200400" lvl="6" indent="-298450">
               <a:lnSpc>
                 <a:spcPct val="115000"/>
               </a:lnSpc>
@@ -7301,7 +7397,7 @@
                 <a:sym typeface="Lato"/>
               </a:defRPr>
             </a:lvl7pPr>
-            <a:lvl8pPr indent="-298450" lvl="7" marL="3657600">
+            <a:lvl8pPr marL="3657600" lvl="7" indent="-298450">
               <a:lnSpc>
                 <a:spcPct val="115000"/>
               </a:lnSpc>
@@ -7327,7 +7423,7 @@
                 <a:sym typeface="Lato"/>
               </a:defRPr>
             </a:lvl8pPr>
-            <a:lvl9pPr indent="-298450" lvl="8" marL="4114800">
+            <a:lvl9pPr marL="4114800" lvl="8" indent="-298450">
               <a:lnSpc>
                 <a:spcPct val="115000"/>
               </a:lnSpc>
@@ -7354,15 +7450,19 @@
               </a:defRPr>
             </a:lvl9pPr>
           </a:lstStyle>
-          <a:p/>
+          <a:p>
+            <a:endParaRPr/>
+          </a:p>
         </p:txBody>
       </p:sp>
       <p:sp>
         <p:nvSpPr>
           <p:cNvPr id="8" name="Google Shape;8;p1"/>
-          <p:cNvSpPr txBox="1"/>
+          <p:cNvSpPr txBox="1">
+            <a:spLocks noGrp="1"/>
+          </p:cNvSpPr>
           <p:nvPr>
-            <p:ph idx="12" type="sldNum"/>
+            <p:ph type="sldNum" idx="12"/>
           </p:nvPr>
         </p:nvSpPr>
         <p:spPr>
@@ -7379,7 +7479,7 @@
           </a:ln>
         </p:spPr>
         <p:txBody>
-          <a:bodyPr anchorCtr="0" anchor="ctr" bIns="91425" lIns="91425" spcFirstLastPara="1" rIns="91425" wrap="square" tIns="91425">
+          <a:bodyPr spcFirstLastPara="1" wrap="square" lIns="91425" tIns="91425" rIns="91425" bIns="91425" anchor="ctr" anchorCtr="0">
             <a:noAutofit/>
           </a:bodyPr>
           <a:lstStyle>
@@ -7493,7 +7593,7 @@
             </a:lvl9pPr>
           </a:lstStyle>
           <a:p>
-            <a:pPr indent="0" lvl="0" marL="0" rtl="0" algn="r">
+            <a:pPr marL="0" lvl="0" indent="0" algn="r" rtl="0">
               <a:spcBef>
                 <a:spcPts val="0"/>
               </a:spcBef>
@@ -7512,7 +7612,7 @@
       </p:sp>
     </p:spTree>
   </p:cSld>
-  <p:clrMap accent1="accent1" accent2="accent2" accent3="accent3" accent4="accent4" accent5="accent5" accent6="accent6" bg1="lt1" bg2="dk2" tx1="dk1" tx2="lt2" folHlink="folHlink" hlink="hlink"/>
+  <p:clrMap bg1="lt1" tx1="dk1" bg2="dk2" tx2="lt2" accent1="accent1" accent2="accent2" accent3="accent3" accent4="accent4" accent5="accent5" accent6="accent6" hlink="hlink" folHlink="folHlink"/>
   <p:sldLayoutIdLst>
     <p:sldLayoutId id="2147483648" r:id="rId1"/>
     <p:sldLayoutId id="2147483649" r:id="rId2"/>
@@ -7526,10 +7626,10 @@
     <p:sldLayoutId id="2147483657" r:id="rId10"/>
     <p:sldLayoutId id="2147483658" r:id="rId11"/>
   </p:sldLayoutIdLst>
-  <p:hf dt="0" ftr="0" hdr="0" sldNum="0"/>
+  <p:hf sldNum="0" hdr="0" ftr="0" dt="0"/>
   <p:txStyles>
     <p:titleStyle>
-      <a:defPPr lvl="0" marR="0" rtl="0" algn="l">
+      <a:defPPr marR="0" lvl="0" algn="l" rtl="0">
         <a:lnSpc>
           <a:spcPct val="100000"/>
         </a:lnSpc>
@@ -7540,7 +7640,7 @@
           <a:spcPts val="0"/>
         </a:spcAft>
       </a:defPPr>
-      <a:lvl1pPr lvl="0" marR="0" rtl="0" algn="l">
+      <a:lvl1pPr marR="0" lvl="0" algn="l" rtl="0">
         <a:lnSpc>
           <a:spcPct val="100000"/>
         </a:lnSpc>
@@ -7554,7 +7654,7 @@
           <a:srgbClr val="000000"/>
         </a:buClr>
         <a:buFont typeface="Arial"/>
-        <a:defRPr b="0" i="0" sz="1400" u="none" cap="none" strike="noStrike">
+        <a:defRPr sz="1400" b="0" i="0" u="none" strike="noStrike" cap="none">
           <a:solidFill>
             <a:srgbClr val="000000"/>
           </a:solidFill>
@@ -7564,7 +7664,7 @@
           <a:sym typeface="Arial"/>
         </a:defRPr>
       </a:lvl1pPr>
-      <a:lvl2pPr lvl="1" marR="0" rtl="0" algn="l">
+      <a:lvl2pPr marR="0" lvl="1" algn="l" rtl="0">
         <a:lnSpc>
           <a:spcPct val="100000"/>
         </a:lnSpc>
@@ -7578,7 +7678,7 @@
           <a:srgbClr val="000000"/>
         </a:buClr>
         <a:buFont typeface="Arial"/>
-        <a:defRPr b="0" i="0" sz="1400" u="none" cap="none" strike="noStrike">
+        <a:defRPr sz="1400" b="0" i="0" u="none" strike="noStrike" cap="none">
           <a:solidFill>
             <a:srgbClr val="000000"/>
           </a:solidFill>
@@ -7588,7 +7688,7 @@
           <a:sym typeface="Arial"/>
         </a:defRPr>
       </a:lvl2pPr>
-      <a:lvl3pPr lvl="2" marR="0" rtl="0" algn="l">
+      <a:lvl3pPr marR="0" lvl="2" algn="l" rtl="0">
         <a:lnSpc>
           <a:spcPct val="100000"/>
         </a:lnSpc>
@@ -7602,7 +7702,7 @@
           <a:srgbClr val="000000"/>
         </a:buClr>
         <a:buFont typeface="Arial"/>
-        <a:defRPr b="0" i="0" sz="1400" u="none" cap="none" strike="noStrike">
+        <a:defRPr sz="1400" b="0" i="0" u="none" strike="noStrike" cap="none">
           <a:solidFill>
             <a:srgbClr val="000000"/>
           </a:solidFill>
@@ -7612,7 +7712,7 @@
           <a:sym typeface="Arial"/>
         </a:defRPr>
       </a:lvl3pPr>
-      <a:lvl4pPr lvl="3" marR="0" rtl="0" algn="l">
+      <a:lvl4pPr marR="0" lvl="3" algn="l" rtl="0">
         <a:lnSpc>
           <a:spcPct val="100000"/>
         </a:lnSpc>
@@ -7626,7 +7726,7 @@
           <a:srgbClr val="000000"/>
         </a:buClr>
         <a:buFont typeface="Arial"/>
-        <a:defRPr b="0" i="0" sz="1400" u="none" cap="none" strike="noStrike">
+        <a:defRPr sz="1400" b="0" i="0" u="none" strike="noStrike" cap="none">
           <a:solidFill>
             <a:srgbClr val="000000"/>
           </a:solidFill>
@@ -7636,7 +7736,7 @@
           <a:sym typeface="Arial"/>
         </a:defRPr>
       </a:lvl4pPr>
-      <a:lvl5pPr lvl="4" marR="0" rtl="0" algn="l">
+      <a:lvl5pPr marR="0" lvl="4" algn="l" rtl="0">
         <a:lnSpc>
           <a:spcPct val="100000"/>
         </a:lnSpc>
@@ -7650,7 +7750,7 @@
           <a:srgbClr val="000000"/>
         </a:buClr>
         <a:buFont typeface="Arial"/>
-        <a:defRPr b="0" i="0" sz="1400" u="none" cap="none" strike="noStrike">
+        <a:defRPr sz="1400" b="0" i="0" u="none" strike="noStrike" cap="none">
           <a:solidFill>
             <a:srgbClr val="000000"/>
           </a:solidFill>
@@ -7660,7 +7760,7 @@
           <a:sym typeface="Arial"/>
         </a:defRPr>
       </a:lvl5pPr>
-      <a:lvl6pPr lvl="5" marR="0" rtl="0" algn="l">
+      <a:lvl6pPr marR="0" lvl="5" algn="l" rtl="0">
         <a:lnSpc>
           <a:spcPct val="100000"/>
         </a:lnSpc>
@@ -7674,7 +7774,7 @@
           <a:srgbClr val="000000"/>
         </a:buClr>
         <a:buFont typeface="Arial"/>
-        <a:defRPr b="0" i="0" sz="1400" u="none" cap="none" strike="noStrike">
+        <a:defRPr sz="1400" b="0" i="0" u="none" strike="noStrike" cap="none">
           <a:solidFill>
             <a:srgbClr val="000000"/>
           </a:solidFill>
@@ -7684,7 +7784,7 @@
           <a:sym typeface="Arial"/>
         </a:defRPr>
       </a:lvl6pPr>
-      <a:lvl7pPr lvl="6" marR="0" rtl="0" algn="l">
+      <a:lvl7pPr marR="0" lvl="6" algn="l" rtl="0">
         <a:lnSpc>
           <a:spcPct val="100000"/>
         </a:lnSpc>
@@ -7698,7 +7798,7 @@
           <a:srgbClr val="000000"/>
         </a:buClr>
         <a:buFont typeface="Arial"/>
-        <a:defRPr b="0" i="0" sz="1400" u="none" cap="none" strike="noStrike">
+        <a:defRPr sz="1400" b="0" i="0" u="none" strike="noStrike" cap="none">
           <a:solidFill>
             <a:srgbClr val="000000"/>
           </a:solidFill>
@@ -7708,7 +7808,7 @@
           <a:sym typeface="Arial"/>
         </a:defRPr>
       </a:lvl7pPr>
-      <a:lvl8pPr lvl="7" marR="0" rtl="0" algn="l">
+      <a:lvl8pPr marR="0" lvl="7" algn="l" rtl="0">
         <a:lnSpc>
           <a:spcPct val="100000"/>
         </a:lnSpc>
@@ -7722,7 +7822,7 @@
           <a:srgbClr val="000000"/>
         </a:buClr>
         <a:buFont typeface="Arial"/>
-        <a:defRPr b="0" i="0" sz="1400" u="none" cap="none" strike="noStrike">
+        <a:defRPr sz="1400" b="0" i="0" u="none" strike="noStrike" cap="none">
           <a:solidFill>
             <a:srgbClr val="000000"/>
           </a:solidFill>
@@ -7732,7 +7832,7 @@
           <a:sym typeface="Arial"/>
         </a:defRPr>
       </a:lvl8pPr>
-      <a:lvl9pPr lvl="8" marR="0" rtl="0" algn="l">
+      <a:lvl9pPr marR="0" lvl="8" algn="l" rtl="0">
         <a:lnSpc>
           <a:spcPct val="100000"/>
         </a:lnSpc>
@@ -7746,7 +7846,7 @@
           <a:srgbClr val="000000"/>
         </a:buClr>
         <a:buFont typeface="Arial"/>
-        <a:defRPr b="0" i="0" sz="1400" u="none" cap="none" strike="noStrike">
+        <a:defRPr sz="1400" b="0" i="0" u="none" strike="noStrike" cap="none">
           <a:solidFill>
             <a:srgbClr val="000000"/>
           </a:solidFill>
@@ -7758,7 +7858,7 @@
       </a:lvl9pPr>
     </p:titleStyle>
     <p:bodyStyle>
-      <a:defPPr lvl="0" marR="0" rtl="0" algn="l">
+      <a:defPPr marR="0" lvl="0" algn="l" rtl="0">
         <a:lnSpc>
           <a:spcPct val="100000"/>
         </a:lnSpc>
@@ -7769,7 +7869,7 @@
           <a:spcPts val="0"/>
         </a:spcAft>
       </a:defPPr>
-      <a:lvl1pPr lvl="0" marR="0" rtl="0" algn="l">
+      <a:lvl1pPr marR="0" lvl="0" algn="l" rtl="0">
         <a:lnSpc>
           <a:spcPct val="100000"/>
         </a:lnSpc>
@@ -7783,7 +7883,7 @@
           <a:srgbClr val="000000"/>
         </a:buClr>
         <a:buFont typeface="Arial"/>
-        <a:defRPr b="0" i="0" sz="1400" u="none" cap="none" strike="noStrike">
+        <a:defRPr sz="1400" b="0" i="0" u="none" strike="noStrike" cap="none">
           <a:solidFill>
             <a:srgbClr val="000000"/>
           </a:solidFill>
@@ -7793,7 +7893,7 @@
           <a:sym typeface="Arial"/>
         </a:defRPr>
       </a:lvl1pPr>
-      <a:lvl2pPr lvl="1" marR="0" rtl="0" algn="l">
+      <a:lvl2pPr marR="0" lvl="1" algn="l" rtl="0">
         <a:lnSpc>
           <a:spcPct val="100000"/>
         </a:lnSpc>
@@ -7807,7 +7907,7 @@
           <a:srgbClr val="000000"/>
         </a:buClr>
         <a:buFont typeface="Arial"/>
-        <a:defRPr b="0" i="0" sz="1400" u="none" cap="none" strike="noStrike">
+        <a:defRPr sz="1400" b="0" i="0" u="none" strike="noStrike" cap="none">
           <a:solidFill>
             <a:srgbClr val="000000"/>
           </a:solidFill>
@@ -7817,7 +7917,7 @@
           <a:sym typeface="Arial"/>
         </a:defRPr>
       </a:lvl2pPr>
-      <a:lvl3pPr lvl="2" marR="0" rtl="0" algn="l">
+      <a:lvl3pPr marR="0" lvl="2" algn="l" rtl="0">
         <a:lnSpc>
           <a:spcPct val="100000"/>
         </a:lnSpc>
@@ -7831,7 +7931,7 @@
           <a:srgbClr val="000000"/>
         </a:buClr>
         <a:buFont typeface="Arial"/>
-        <a:defRPr b="0" i="0" sz="1400" u="none" cap="none" strike="noStrike">
+        <a:defRPr sz="1400" b="0" i="0" u="none" strike="noStrike" cap="none">
           <a:solidFill>
             <a:srgbClr val="000000"/>
           </a:solidFill>
@@ -7841,7 +7941,7 @@
           <a:sym typeface="Arial"/>
         </a:defRPr>
       </a:lvl3pPr>
-      <a:lvl4pPr lvl="3" marR="0" rtl="0" algn="l">
+      <a:lvl4pPr marR="0" lvl="3" algn="l" rtl="0">
         <a:lnSpc>
           <a:spcPct val="100000"/>
         </a:lnSpc>
@@ -7855,7 +7955,7 @@
           <a:srgbClr val="000000"/>
         </a:buClr>
         <a:buFont typeface="Arial"/>
-        <a:defRPr b="0" i="0" sz="1400" u="none" cap="none" strike="noStrike">
+        <a:defRPr sz="1400" b="0" i="0" u="none" strike="noStrike" cap="none">
           <a:solidFill>
             <a:srgbClr val="000000"/>
           </a:solidFill>
@@ -7865,7 +7965,7 @@
           <a:sym typeface="Arial"/>
         </a:defRPr>
       </a:lvl4pPr>
-      <a:lvl5pPr lvl="4" marR="0" rtl="0" algn="l">
+      <a:lvl5pPr marR="0" lvl="4" algn="l" rtl="0">
         <a:lnSpc>
           <a:spcPct val="100000"/>
         </a:lnSpc>
@@ -7879,7 +7979,7 @@
           <a:srgbClr val="000000"/>
         </a:buClr>
         <a:buFont typeface="Arial"/>
-        <a:defRPr b="0" i="0" sz="1400" u="none" cap="none" strike="noStrike">
+        <a:defRPr sz="1400" b="0" i="0" u="none" strike="noStrike" cap="none">
           <a:solidFill>
             <a:srgbClr val="000000"/>
           </a:solidFill>
@@ -7889,7 +7989,7 @@
           <a:sym typeface="Arial"/>
         </a:defRPr>
       </a:lvl5pPr>
-      <a:lvl6pPr lvl="5" marR="0" rtl="0" algn="l">
+      <a:lvl6pPr marR="0" lvl="5" algn="l" rtl="0">
         <a:lnSpc>
           <a:spcPct val="100000"/>
         </a:lnSpc>
@@ -7903,7 +8003,7 @@
           <a:srgbClr val="000000"/>
         </a:buClr>
         <a:buFont typeface="Arial"/>
-        <a:defRPr b="0" i="0" sz="1400" u="none" cap="none" strike="noStrike">
+        <a:defRPr sz="1400" b="0" i="0" u="none" strike="noStrike" cap="none">
           <a:solidFill>
             <a:srgbClr val="000000"/>
           </a:solidFill>
@@ -7913,7 +8013,7 @@
           <a:sym typeface="Arial"/>
         </a:defRPr>
       </a:lvl6pPr>
-      <a:lvl7pPr lvl="6" marR="0" rtl="0" algn="l">
+      <a:lvl7pPr marR="0" lvl="6" algn="l" rtl="0">
         <a:lnSpc>
           <a:spcPct val="100000"/>
         </a:lnSpc>
@@ -7927,7 +8027,7 @@
           <a:srgbClr val="000000"/>
         </a:buClr>
         <a:buFont typeface="Arial"/>
-        <a:defRPr b="0" i="0" sz="1400" u="none" cap="none" strike="noStrike">
+        <a:defRPr sz="1400" b="0" i="0" u="none" strike="noStrike" cap="none">
           <a:solidFill>
             <a:srgbClr val="000000"/>
           </a:solidFill>
@@ -7937,7 +8037,7 @@
           <a:sym typeface="Arial"/>
         </a:defRPr>
       </a:lvl7pPr>
-      <a:lvl8pPr lvl="7" marR="0" rtl="0" algn="l">
+      <a:lvl8pPr marR="0" lvl="7" algn="l" rtl="0">
         <a:lnSpc>
           <a:spcPct val="100000"/>
         </a:lnSpc>
@@ -7951,7 +8051,7 @@
           <a:srgbClr val="000000"/>
         </a:buClr>
         <a:buFont typeface="Arial"/>
-        <a:defRPr b="0" i="0" sz="1400" u="none" cap="none" strike="noStrike">
+        <a:defRPr sz="1400" b="0" i="0" u="none" strike="noStrike" cap="none">
           <a:solidFill>
             <a:srgbClr val="000000"/>
           </a:solidFill>
@@ -7961,7 +8061,7 @@
           <a:sym typeface="Arial"/>
         </a:defRPr>
       </a:lvl8pPr>
-      <a:lvl9pPr lvl="8" marR="0" rtl="0" algn="l">
+      <a:lvl9pPr marR="0" lvl="8" algn="l" rtl="0">
         <a:lnSpc>
           <a:spcPct val="100000"/>
         </a:lnSpc>
@@ -7975,7 +8075,7 @@
           <a:srgbClr val="000000"/>
         </a:buClr>
         <a:buFont typeface="Arial"/>
-        <a:defRPr b="0" i="0" sz="1400" u="none" cap="none" strike="noStrike">
+        <a:defRPr sz="1400" b="0" i="0" u="none" strike="noStrike" cap="none">
           <a:solidFill>
             <a:srgbClr val="000000"/>
           </a:solidFill>
@@ -7987,7 +8087,7 @@
       </a:lvl9pPr>
     </p:bodyStyle>
     <p:otherStyle>
-      <a:defPPr lvl="0" marR="0" rtl="0" algn="l">
+      <a:defPPr marR="0" lvl="0" algn="l" rtl="0">
         <a:lnSpc>
           <a:spcPct val="100000"/>
         </a:lnSpc>
@@ -7998,7 +8098,7 @@
           <a:spcPts val="0"/>
         </a:spcAft>
       </a:defPPr>
-      <a:lvl1pPr lvl="0" marR="0" rtl="0" algn="l">
+      <a:lvl1pPr marR="0" lvl="0" algn="l" rtl="0">
         <a:lnSpc>
           <a:spcPct val="100000"/>
         </a:lnSpc>
@@ -8012,7 +8112,7 @@
           <a:srgbClr val="000000"/>
         </a:buClr>
         <a:buFont typeface="Arial"/>
-        <a:defRPr b="0" i="0" sz="1400" u="none" cap="none" strike="noStrike">
+        <a:defRPr sz="1400" b="0" i="0" u="none" strike="noStrike" cap="none">
           <a:solidFill>
             <a:srgbClr val="000000"/>
           </a:solidFill>
@@ -8022,7 +8122,7 @@
           <a:sym typeface="Arial"/>
         </a:defRPr>
       </a:lvl1pPr>
-      <a:lvl2pPr lvl="1" marR="0" rtl="0" algn="l">
+      <a:lvl2pPr marR="0" lvl="1" algn="l" rtl="0">
         <a:lnSpc>
           <a:spcPct val="100000"/>
         </a:lnSpc>
@@ -8036,7 +8136,7 @@
           <a:srgbClr val="000000"/>
         </a:buClr>
         <a:buFont typeface="Arial"/>
-        <a:defRPr b="0" i="0" sz="1400" u="none" cap="none" strike="noStrike">
+        <a:defRPr sz="1400" b="0" i="0" u="none" strike="noStrike" cap="none">
           <a:solidFill>
             <a:srgbClr val="000000"/>
           </a:solidFill>
@@ -8046,7 +8146,7 @@
           <a:sym typeface="Arial"/>
         </a:defRPr>
       </a:lvl2pPr>
-      <a:lvl3pPr lvl="2" marR="0" rtl="0" algn="l">
+      <a:lvl3pPr marR="0" lvl="2" algn="l" rtl="0">
         <a:lnSpc>
           <a:spcPct val="100000"/>
         </a:lnSpc>
@@ -8060,7 +8160,7 @@
           <a:srgbClr val="000000"/>
         </a:buClr>
         <a:buFont typeface="Arial"/>
-        <a:defRPr b="0" i="0" sz="1400" u="none" cap="none" strike="noStrike">
+        <a:defRPr sz="1400" b="0" i="0" u="none" strike="noStrike" cap="none">
           <a:solidFill>
             <a:srgbClr val="000000"/>
           </a:solidFill>
@@ -8070,7 +8170,7 @@
           <a:sym typeface="Arial"/>
         </a:defRPr>
       </a:lvl3pPr>
-      <a:lvl4pPr lvl="3" marR="0" rtl="0" algn="l">
+      <a:lvl4pPr marR="0" lvl="3" algn="l" rtl="0">
         <a:lnSpc>
           <a:spcPct val="100000"/>
         </a:lnSpc>
@@ -8084,7 +8184,7 @@
           <a:srgbClr val="000000"/>
         </a:buClr>
         <a:buFont typeface="Arial"/>
-        <a:defRPr b="0" i="0" sz="1400" u="none" cap="none" strike="noStrike">
+        <a:defRPr sz="1400" b="0" i="0" u="none" strike="noStrike" cap="none">
           <a:solidFill>
             <a:srgbClr val="000000"/>
           </a:solidFill>
@@ -8094,7 +8194,7 @@
           <a:sym typeface="Arial"/>
         </a:defRPr>
       </a:lvl4pPr>
-      <a:lvl5pPr lvl="4" marR="0" rtl="0" algn="l">
+      <a:lvl5pPr marR="0" lvl="4" algn="l" rtl="0">
         <a:lnSpc>
           <a:spcPct val="100000"/>
         </a:lnSpc>
@@ -8108,7 +8208,7 @@
           <a:srgbClr val="000000"/>
         </a:buClr>
         <a:buFont typeface="Arial"/>
-        <a:defRPr b="0" i="0" sz="1400" u="none" cap="none" strike="noStrike">
+        <a:defRPr sz="1400" b="0" i="0" u="none" strike="noStrike" cap="none">
           <a:solidFill>
             <a:srgbClr val="000000"/>
           </a:solidFill>
@@ -8118,7 +8218,7 @@
           <a:sym typeface="Arial"/>
         </a:defRPr>
       </a:lvl5pPr>
-      <a:lvl6pPr lvl="5" marR="0" rtl="0" algn="l">
+      <a:lvl6pPr marR="0" lvl="5" algn="l" rtl="0">
         <a:lnSpc>
           <a:spcPct val="100000"/>
         </a:lnSpc>
@@ -8132,7 +8232,7 @@
           <a:srgbClr val="000000"/>
         </a:buClr>
         <a:buFont typeface="Arial"/>
-        <a:defRPr b="0" i="0" sz="1400" u="none" cap="none" strike="noStrike">
+        <a:defRPr sz="1400" b="0" i="0" u="none" strike="noStrike" cap="none">
           <a:solidFill>
             <a:srgbClr val="000000"/>
           </a:solidFill>
@@ -8142,7 +8242,7 @@
           <a:sym typeface="Arial"/>
         </a:defRPr>
       </a:lvl6pPr>
-      <a:lvl7pPr lvl="6" marR="0" rtl="0" algn="l">
+      <a:lvl7pPr marR="0" lvl="6" algn="l" rtl="0">
         <a:lnSpc>
           <a:spcPct val="100000"/>
         </a:lnSpc>
@@ -8156,7 +8256,7 @@
           <a:srgbClr val="000000"/>
         </a:buClr>
         <a:buFont typeface="Arial"/>
-        <a:defRPr b="0" i="0" sz="1400" u="none" cap="none" strike="noStrike">
+        <a:defRPr sz="1400" b="0" i="0" u="none" strike="noStrike" cap="none">
           <a:solidFill>
             <a:srgbClr val="000000"/>
           </a:solidFill>
@@ -8166,7 +8266,7 @@
           <a:sym typeface="Arial"/>
         </a:defRPr>
       </a:lvl7pPr>
-      <a:lvl8pPr lvl="7" marR="0" rtl="0" algn="l">
+      <a:lvl8pPr marR="0" lvl="7" algn="l" rtl="0">
         <a:lnSpc>
           <a:spcPct val="100000"/>
         </a:lnSpc>
@@ -8180,7 +8280,7 @@
           <a:srgbClr val="000000"/>
         </a:buClr>
         <a:buFont typeface="Arial"/>
-        <a:defRPr b="0" i="0" sz="1400" u="none" cap="none" strike="noStrike">
+        <a:defRPr sz="1400" b="0" i="0" u="none" strike="noStrike" cap="none">
           <a:solidFill>
             <a:srgbClr val="000000"/>
           </a:solidFill>
@@ -8190,7 +8290,7 @@
           <a:sym typeface="Arial"/>
         </a:defRPr>
       </a:lvl8pPr>
-      <a:lvl9pPr lvl="8" marR="0" rtl="0" algn="l">
+      <a:lvl9pPr marR="0" lvl="8" algn="l" rtl="0">
         <a:lnSpc>
           <a:spcPct val="100000"/>
         </a:lnSpc>
@@ -8204,7 +8304,7 @@
           <a:srgbClr val="000000"/>
         </a:buClr>
         <a:buFont typeface="Arial"/>
-        <a:defRPr b="0" i="0" sz="1400" u="none" cap="none" strike="noStrike">
+        <a:defRPr sz="1400" b="0" i="0" u="none" strike="noStrike" cap="none">
           <a:solidFill>
             <a:srgbClr val="000000"/>
           </a:solidFill>
@@ -8220,11 +8320,11 @@
 </file>
 
 <file path=ppt/slides/slide1.xml><?xml version="1.0" encoding="utf-8"?>
-<p:sld xmlns:a="http://schemas.openxmlformats.org/drawingml/2006/main" xmlns:r="http://schemas.openxmlformats.org/officeDocument/2006/relationships" xmlns:mc="http://schemas.openxmlformats.org/markup-compatibility/2006" xmlns:mv="urn:schemas-microsoft-com:mac:vml" xmlns:p="http://schemas.openxmlformats.org/presentationml/2006/main" xmlns:c="http://schemas.openxmlformats.org/drawingml/2006/chart" xmlns:dgm="http://schemas.openxmlformats.org/drawingml/2006/diagram" xmlns:o="urn:schemas-microsoft-com:office:office" xmlns:v="urn:schemas-microsoft-com:vml" xmlns:pvml="urn:schemas-microsoft-com:office:powerpoint" xmlns:com="http://schemas.openxmlformats.org/drawingml/2006/compatibility" xmlns:p14="http://schemas.microsoft.com/office/powerpoint/2010/main" xmlns:p15="http://schemas.microsoft.com/office/powerpoint/2012/main">
+<p:sld xmlns:a="http://schemas.openxmlformats.org/drawingml/2006/main" xmlns:r="http://schemas.openxmlformats.org/officeDocument/2006/relationships" xmlns:p="http://schemas.openxmlformats.org/presentationml/2006/main">
   <p:cSld>
     <p:spTree>
       <p:nvGrpSpPr>
-        <p:cNvPr id="85" name="Shape 85"/>
+        <p:cNvPr id="1" name="Shape 85"/>
         <p:cNvGrpSpPr/>
         <p:nvPr/>
       </p:nvGrpSpPr>
@@ -8239,7 +8339,9 @@
       <p:sp>
         <p:nvSpPr>
           <p:cNvPr id="86" name="Google Shape;86;p13"/>
-          <p:cNvSpPr txBox="1"/>
+          <p:cNvSpPr txBox="1">
+            <a:spLocks noGrp="1"/>
+          </p:cNvSpPr>
           <p:nvPr>
             <p:ph type="ctrTitle"/>
           </p:nvPr>
@@ -8254,12 +8356,12 @@
           </a:prstGeom>
         </p:spPr>
         <p:txBody>
-          <a:bodyPr anchorCtr="0" anchor="t" bIns="91425" lIns="91425" spcFirstLastPara="1" rIns="91425" wrap="square" tIns="91425">
+          <a:bodyPr spcFirstLastPara="1" wrap="square" lIns="91425" tIns="91425" rIns="91425" bIns="91425" anchor="t" anchorCtr="0">
             <a:noAutofit/>
           </a:bodyPr>
           <a:lstStyle/>
           <a:p>
-            <a:pPr indent="0" lvl="0" marL="0" rtl="0" algn="l">
+            <a:pPr marL="0" lvl="0" indent="0" algn="l" rtl="0">
               <a:spcBef>
                 <a:spcPts val="0"/>
               </a:spcBef>
@@ -8285,11 +8387,11 @@
 </file>
 
 <file path=ppt/slides/slide2.xml><?xml version="1.0" encoding="utf-8"?>
-<p:sld xmlns:a="http://schemas.openxmlformats.org/drawingml/2006/main" xmlns:r="http://schemas.openxmlformats.org/officeDocument/2006/relationships" xmlns:mc="http://schemas.openxmlformats.org/markup-compatibility/2006" xmlns:mv="urn:schemas-microsoft-com:mac:vml" xmlns:p="http://schemas.openxmlformats.org/presentationml/2006/main" xmlns:c="http://schemas.openxmlformats.org/drawingml/2006/chart" xmlns:dgm="http://schemas.openxmlformats.org/drawingml/2006/diagram" xmlns:o="urn:schemas-microsoft-com:office:office" xmlns:v="urn:schemas-microsoft-com:vml" xmlns:pvml="urn:schemas-microsoft-com:office:powerpoint" xmlns:com="http://schemas.openxmlformats.org/drawingml/2006/compatibility" xmlns:p14="http://schemas.microsoft.com/office/powerpoint/2010/main" xmlns:p15="http://schemas.microsoft.com/office/powerpoint/2012/main">
+<p:sld xmlns:a="http://schemas.openxmlformats.org/drawingml/2006/main" xmlns:r="http://schemas.openxmlformats.org/officeDocument/2006/relationships" xmlns:p="http://schemas.openxmlformats.org/presentationml/2006/main">
   <p:cSld>
     <p:spTree>
       <p:nvGrpSpPr>
-        <p:cNvPr id="90" name="Shape 90"/>
+        <p:cNvPr id="1" name="Shape 90"/>
         <p:cNvGrpSpPr/>
         <p:nvPr/>
       </p:nvGrpSpPr>
@@ -8304,7 +8406,9 @@
       <p:sp>
         <p:nvSpPr>
           <p:cNvPr id="91" name="Google Shape;91;p14"/>
-          <p:cNvSpPr txBox="1"/>
+          <p:cNvSpPr txBox="1">
+            <a:spLocks noGrp="1"/>
+          </p:cNvSpPr>
           <p:nvPr>
             <p:ph type="title"/>
           </p:nvPr>
@@ -8319,12 +8423,12 @@
           </a:prstGeom>
         </p:spPr>
         <p:txBody>
-          <a:bodyPr anchorCtr="0" anchor="t" bIns="91425" lIns="91425" spcFirstLastPara="1" rIns="91425" wrap="square" tIns="91425">
+          <a:bodyPr spcFirstLastPara="1" wrap="square" lIns="91425" tIns="91425" rIns="91425" bIns="91425" anchor="t" anchorCtr="0">
             <a:noAutofit/>
           </a:bodyPr>
           <a:lstStyle/>
           <a:p>
-            <a:pPr indent="0" lvl="0" marL="0" rtl="0" algn="l">
+            <a:pPr marL="0" lvl="0" indent="0" algn="l" rtl="0">
               <a:spcBef>
                 <a:spcPts val="0"/>
               </a:spcBef>
@@ -8344,9 +8448,11 @@
       <p:sp>
         <p:nvSpPr>
           <p:cNvPr id="92" name="Google Shape;92;p14"/>
-          <p:cNvSpPr txBox="1"/>
+          <p:cNvSpPr txBox="1">
+            <a:spLocks noGrp="1"/>
+          </p:cNvSpPr>
           <p:nvPr>
-            <p:ph idx="1" type="body"/>
+            <p:ph type="body" idx="1"/>
           </p:nvPr>
         </p:nvSpPr>
         <p:spPr>
@@ -8359,12 +8465,12 @@
           </a:prstGeom>
         </p:spPr>
         <p:txBody>
-          <a:bodyPr anchorCtr="0" anchor="t" bIns="91425" lIns="91425" spcFirstLastPara="1" rIns="91425" wrap="square" tIns="91425">
+          <a:bodyPr spcFirstLastPara="1" wrap="square" lIns="91425" tIns="91425" rIns="91425" bIns="91425" anchor="t" anchorCtr="0">
             <a:noAutofit/>
           </a:bodyPr>
           <a:lstStyle/>
           <a:p>
-            <a:pPr indent="0" lvl="0" marL="0" rtl="0" algn="just">
+            <a:pPr marL="0" lvl="0" indent="0" algn="just" rtl="0">
               <a:spcBef>
                 <a:spcPts val="0"/>
               </a:spcBef>
@@ -8380,7 +8486,7 @@
             <a:endParaRPr/>
           </a:p>
           <a:p>
-            <a:pPr indent="0" lvl="0" marL="0" rtl="0" algn="just">
+            <a:pPr marL="0" lvl="0" indent="0" algn="just" rtl="0">
               <a:spcBef>
                 <a:spcPts val="1600"/>
               </a:spcBef>
@@ -8409,7 +8515,7 @@
             <a:endParaRPr/>
           </a:p>
           <a:p>
-            <a:pPr indent="0" lvl="0" marL="0" rtl="0" algn="just">
+            <a:pPr marL="0" lvl="0" indent="0" algn="just" rtl="0">
               <a:spcBef>
                 <a:spcPts val="1600"/>
               </a:spcBef>
@@ -8418,9 +8524,6 @@
               </a:spcAft>
               <a:buNone/>
             </a:pPr>
-            <a:r>
-              <a:t/>
-            </a:r>
             <a:endParaRPr/>
           </a:p>
         </p:txBody>
@@ -8462,11 +8565,11 @@
 </file>
 
 <file path=ppt/slides/slide3.xml><?xml version="1.0" encoding="utf-8"?>
-<p:sld xmlns:a="http://schemas.openxmlformats.org/drawingml/2006/main" xmlns:r="http://schemas.openxmlformats.org/officeDocument/2006/relationships" xmlns:mc="http://schemas.openxmlformats.org/markup-compatibility/2006" xmlns:mv="urn:schemas-microsoft-com:mac:vml" xmlns:p="http://schemas.openxmlformats.org/presentationml/2006/main" xmlns:c="http://schemas.openxmlformats.org/drawingml/2006/chart" xmlns:dgm="http://schemas.openxmlformats.org/drawingml/2006/diagram" xmlns:o="urn:schemas-microsoft-com:office:office" xmlns:v="urn:schemas-microsoft-com:vml" xmlns:pvml="urn:schemas-microsoft-com:office:powerpoint" xmlns:com="http://schemas.openxmlformats.org/drawingml/2006/compatibility" xmlns:p14="http://schemas.microsoft.com/office/powerpoint/2010/main" xmlns:p15="http://schemas.microsoft.com/office/powerpoint/2012/main">
+<p:sld xmlns:a="http://schemas.openxmlformats.org/drawingml/2006/main" xmlns:r="http://schemas.openxmlformats.org/officeDocument/2006/relationships" xmlns:p="http://schemas.openxmlformats.org/presentationml/2006/main">
   <p:cSld>
     <p:spTree>
       <p:nvGrpSpPr>
-        <p:cNvPr id="97" name="Shape 97"/>
+        <p:cNvPr id="1" name="Shape 97"/>
         <p:cNvGrpSpPr/>
         <p:nvPr/>
       </p:nvGrpSpPr>
@@ -8481,7 +8584,9 @@
       <p:sp>
         <p:nvSpPr>
           <p:cNvPr id="98" name="Google Shape;98;p15"/>
-          <p:cNvSpPr txBox="1"/>
+          <p:cNvSpPr txBox="1">
+            <a:spLocks noGrp="1"/>
+          </p:cNvSpPr>
           <p:nvPr>
             <p:ph type="title"/>
           </p:nvPr>
@@ -8496,12 +8601,12 @@
           </a:prstGeom>
         </p:spPr>
         <p:txBody>
-          <a:bodyPr anchorCtr="0" anchor="t" bIns="91425" lIns="91425" spcFirstLastPara="1" rIns="91425" wrap="square" tIns="91425">
+          <a:bodyPr spcFirstLastPara="1" wrap="square" lIns="91425" tIns="91425" rIns="91425" bIns="91425" anchor="t" anchorCtr="0">
             <a:noAutofit/>
           </a:bodyPr>
           <a:lstStyle/>
           <a:p>
-            <a:pPr indent="0" lvl="0" marL="0" rtl="0" algn="l">
+            <a:pPr marL="0" lvl="0" indent="0" algn="l" rtl="0">
               <a:spcBef>
                 <a:spcPts val="0"/>
               </a:spcBef>
@@ -8521,9 +8626,11 @@
       <p:sp>
         <p:nvSpPr>
           <p:cNvPr id="99" name="Google Shape;99;p15"/>
-          <p:cNvSpPr txBox="1"/>
+          <p:cNvSpPr txBox="1">
+            <a:spLocks noGrp="1"/>
+          </p:cNvSpPr>
           <p:nvPr>
-            <p:ph idx="1" type="body"/>
+            <p:ph type="body" idx="1"/>
           </p:nvPr>
         </p:nvSpPr>
         <p:spPr>
@@ -8536,12 +8643,12 @@
           </a:prstGeom>
         </p:spPr>
         <p:txBody>
-          <a:bodyPr anchorCtr="0" anchor="t" bIns="91425" lIns="91425" spcFirstLastPara="1" rIns="91425" wrap="square" tIns="91425">
+          <a:bodyPr spcFirstLastPara="1" wrap="square" lIns="91425" tIns="91425" rIns="91425" bIns="91425" anchor="t" anchorCtr="0">
             <a:noAutofit/>
           </a:bodyPr>
           <a:lstStyle/>
           <a:p>
-            <a:pPr indent="0" lvl="0" marL="0" rtl="0" algn="l">
+            <a:pPr marL="0" lvl="0" indent="0" algn="l" rtl="0">
               <a:spcBef>
                 <a:spcPts val="0"/>
               </a:spcBef>
@@ -8570,7 +8677,7 @@
             <a:endParaRPr/>
           </a:p>
           <a:p>
-            <a:pPr indent="0" lvl="0" marL="0" rtl="0" algn="l">
+            <a:pPr marL="0" lvl="0" indent="0" algn="l" rtl="0">
               <a:spcBef>
                 <a:spcPts val="1600"/>
               </a:spcBef>
@@ -8586,7 +8693,7 @@
             <a:endParaRPr/>
           </a:p>
           <a:p>
-            <a:pPr indent="0" lvl="0" marL="0" rtl="0" algn="l">
+            <a:pPr marL="0" lvl="0" indent="0" algn="l" rtl="0">
               <a:spcBef>
                 <a:spcPts val="1600"/>
               </a:spcBef>
@@ -8602,7 +8709,7 @@
             <a:endParaRPr/>
           </a:p>
           <a:p>
-            <a:pPr indent="0" lvl="0" marL="0" rtl="0" algn="l">
+            <a:pPr marL="0" lvl="0" indent="0" algn="l" rtl="0">
               <a:spcBef>
                 <a:spcPts val="1600"/>
               </a:spcBef>
@@ -8611,9 +8718,6 @@
               </a:spcAft>
               <a:buNone/>
             </a:pPr>
-            <a:r>
-              <a:t/>
-            </a:r>
             <a:endParaRPr/>
           </a:p>
         </p:txBody>
@@ -8683,11 +8787,11 @@
 </file>
 
 <file path=ppt/slides/slide4.xml><?xml version="1.0" encoding="utf-8"?>
-<p:sld xmlns:a="http://schemas.openxmlformats.org/drawingml/2006/main" xmlns:r="http://schemas.openxmlformats.org/officeDocument/2006/relationships" xmlns:mc="http://schemas.openxmlformats.org/markup-compatibility/2006" xmlns:mv="urn:schemas-microsoft-com:mac:vml" xmlns:p="http://schemas.openxmlformats.org/presentationml/2006/main" xmlns:c="http://schemas.openxmlformats.org/drawingml/2006/chart" xmlns:dgm="http://schemas.openxmlformats.org/drawingml/2006/diagram" xmlns:o="urn:schemas-microsoft-com:office:office" xmlns:v="urn:schemas-microsoft-com:vml" xmlns:pvml="urn:schemas-microsoft-com:office:powerpoint" xmlns:com="http://schemas.openxmlformats.org/drawingml/2006/compatibility" xmlns:p14="http://schemas.microsoft.com/office/powerpoint/2010/main" xmlns:p15="http://schemas.microsoft.com/office/powerpoint/2012/main">
+<p:sld xmlns:a="http://schemas.openxmlformats.org/drawingml/2006/main" xmlns:r="http://schemas.openxmlformats.org/officeDocument/2006/relationships" xmlns:p="http://schemas.openxmlformats.org/presentationml/2006/main">
   <p:cSld>
     <p:spTree>
       <p:nvGrpSpPr>
-        <p:cNvPr id="105" name="Shape 105"/>
+        <p:cNvPr id="1" name="Shape 105"/>
         <p:cNvGrpSpPr/>
         <p:nvPr/>
       </p:nvGrpSpPr>
@@ -8702,7 +8806,9 @@
       <p:sp>
         <p:nvSpPr>
           <p:cNvPr id="106" name="Google Shape;106;p16"/>
-          <p:cNvSpPr txBox="1"/>
+          <p:cNvSpPr txBox="1">
+            <a:spLocks noGrp="1"/>
+          </p:cNvSpPr>
           <p:nvPr>
             <p:ph type="title"/>
           </p:nvPr>
@@ -8717,12 +8823,12 @@
           </a:prstGeom>
         </p:spPr>
         <p:txBody>
-          <a:bodyPr anchorCtr="0" anchor="t" bIns="91425" lIns="91425" spcFirstLastPara="1" rIns="91425" wrap="square" tIns="91425">
+          <a:bodyPr spcFirstLastPara="1" wrap="square" lIns="91425" tIns="91425" rIns="91425" bIns="91425" anchor="t" anchorCtr="0">
             <a:noAutofit/>
           </a:bodyPr>
           <a:lstStyle/>
           <a:p>
-            <a:pPr indent="0" lvl="0" marL="0" rtl="0" algn="l">
+            <a:pPr marL="0" lvl="0" indent="0" algn="l" rtl="0">
               <a:spcBef>
                 <a:spcPts val="0"/>
               </a:spcBef>
@@ -8742,9 +8848,11 @@
       <p:sp>
         <p:nvSpPr>
           <p:cNvPr id="107" name="Google Shape;107;p16"/>
-          <p:cNvSpPr txBox="1"/>
+          <p:cNvSpPr txBox="1">
+            <a:spLocks noGrp="1"/>
+          </p:cNvSpPr>
           <p:nvPr>
-            <p:ph idx="1" type="body"/>
+            <p:ph type="body" idx="1"/>
           </p:nvPr>
         </p:nvSpPr>
         <p:spPr>
@@ -8757,12 +8865,12 @@
           </a:prstGeom>
         </p:spPr>
         <p:txBody>
-          <a:bodyPr anchorCtr="0" anchor="t" bIns="91425" lIns="91425" spcFirstLastPara="1" rIns="91425" wrap="square" tIns="91425">
+          <a:bodyPr spcFirstLastPara="1" wrap="square" lIns="91425" tIns="91425" rIns="91425" bIns="91425" anchor="t" anchorCtr="0">
             <a:noAutofit/>
           </a:bodyPr>
           <a:lstStyle/>
           <a:p>
-            <a:pPr indent="0" lvl="0" marL="0" rtl="0" algn="l">
+            <a:pPr marL="0" lvl="0" indent="0" algn="l" rtl="0">
               <a:spcBef>
                 <a:spcPts val="0"/>
               </a:spcBef>
@@ -8844,11 +8952,11 @@
 </file>
 
 <file path=ppt/slides/slide5.xml><?xml version="1.0" encoding="utf-8"?>
-<p:sld xmlns:a="http://schemas.openxmlformats.org/drawingml/2006/main" xmlns:r="http://schemas.openxmlformats.org/officeDocument/2006/relationships" xmlns:mc="http://schemas.openxmlformats.org/markup-compatibility/2006" xmlns:mv="urn:schemas-microsoft-com:mac:vml" xmlns:p="http://schemas.openxmlformats.org/presentationml/2006/main" xmlns:c="http://schemas.openxmlformats.org/drawingml/2006/chart" xmlns:dgm="http://schemas.openxmlformats.org/drawingml/2006/diagram" xmlns:o="urn:schemas-microsoft-com:office:office" xmlns:v="urn:schemas-microsoft-com:vml" xmlns:pvml="urn:schemas-microsoft-com:office:powerpoint" xmlns:com="http://schemas.openxmlformats.org/drawingml/2006/compatibility" xmlns:p14="http://schemas.microsoft.com/office/powerpoint/2010/main" xmlns:p15="http://schemas.microsoft.com/office/powerpoint/2012/main">
+<p:sld xmlns:a="http://schemas.openxmlformats.org/drawingml/2006/main" xmlns:r="http://schemas.openxmlformats.org/officeDocument/2006/relationships" xmlns:p="http://schemas.openxmlformats.org/presentationml/2006/main">
   <p:cSld>
     <p:spTree>
       <p:nvGrpSpPr>
-        <p:cNvPr id="113" name="Shape 113"/>
+        <p:cNvPr id="1" name="Shape 113"/>
         <p:cNvGrpSpPr/>
         <p:nvPr/>
       </p:nvGrpSpPr>
@@ -8863,7 +8971,9 @@
       <p:sp>
         <p:nvSpPr>
           <p:cNvPr id="114" name="Google Shape;114;p17"/>
-          <p:cNvSpPr txBox="1"/>
+          <p:cNvSpPr txBox="1">
+            <a:spLocks noGrp="1"/>
+          </p:cNvSpPr>
           <p:nvPr>
             <p:ph type="title"/>
           </p:nvPr>
@@ -8878,12 +8988,12 @@
           </a:prstGeom>
         </p:spPr>
         <p:txBody>
-          <a:bodyPr anchorCtr="0" anchor="t" bIns="91425" lIns="91425" spcFirstLastPara="1" rIns="91425" wrap="square" tIns="91425">
+          <a:bodyPr spcFirstLastPara="1" wrap="square" lIns="91425" tIns="91425" rIns="91425" bIns="91425" anchor="t" anchorCtr="0">
             <a:noAutofit/>
           </a:bodyPr>
           <a:lstStyle/>
           <a:p>
-            <a:pPr indent="0" lvl="0" marL="0" rtl="0" algn="l">
+            <a:pPr marL="0" lvl="0" indent="0" algn="l" rtl="0">
               <a:spcBef>
                 <a:spcPts val="0"/>
               </a:spcBef>
@@ -8903,9 +9013,11 @@
       <p:sp>
         <p:nvSpPr>
           <p:cNvPr id="115" name="Google Shape;115;p17"/>
-          <p:cNvSpPr txBox="1"/>
+          <p:cNvSpPr txBox="1">
+            <a:spLocks noGrp="1"/>
+          </p:cNvSpPr>
           <p:nvPr>
-            <p:ph idx="1" type="body"/>
+            <p:ph type="body" idx="1"/>
           </p:nvPr>
         </p:nvSpPr>
         <p:spPr>
@@ -8918,12 +9030,12 @@
           </a:prstGeom>
         </p:spPr>
         <p:txBody>
-          <a:bodyPr anchorCtr="0" anchor="t" bIns="91425" lIns="91425" spcFirstLastPara="1" rIns="91425" wrap="square" tIns="91425">
+          <a:bodyPr spcFirstLastPara="1" wrap="square" lIns="91425" tIns="91425" rIns="91425" bIns="91425" anchor="t" anchorCtr="0">
             <a:noAutofit/>
           </a:bodyPr>
           <a:lstStyle/>
           <a:p>
-            <a:pPr indent="0" lvl="0" marL="0" rtl="0" algn="l">
+            <a:pPr marL="0" lvl="0" indent="0" algn="l" rtl="0">
               <a:spcBef>
                 <a:spcPts val="0"/>
               </a:spcBef>
@@ -8977,11 +9089,11 @@
 </file>
 
 <file path=ppt/slides/slide6.xml><?xml version="1.0" encoding="utf-8"?>
-<p:sld xmlns:a="http://schemas.openxmlformats.org/drawingml/2006/main" xmlns:r="http://schemas.openxmlformats.org/officeDocument/2006/relationships" xmlns:mc="http://schemas.openxmlformats.org/markup-compatibility/2006" xmlns:mv="urn:schemas-microsoft-com:mac:vml" xmlns:p="http://schemas.openxmlformats.org/presentationml/2006/main" xmlns:c="http://schemas.openxmlformats.org/drawingml/2006/chart" xmlns:dgm="http://schemas.openxmlformats.org/drawingml/2006/diagram" xmlns:o="urn:schemas-microsoft-com:office:office" xmlns:v="urn:schemas-microsoft-com:vml" xmlns:pvml="urn:schemas-microsoft-com:office:powerpoint" xmlns:com="http://schemas.openxmlformats.org/drawingml/2006/compatibility" xmlns:p14="http://schemas.microsoft.com/office/powerpoint/2010/main" xmlns:p15="http://schemas.microsoft.com/office/powerpoint/2012/main">
+<p:sld xmlns:a="http://schemas.openxmlformats.org/drawingml/2006/main" xmlns:r="http://schemas.openxmlformats.org/officeDocument/2006/relationships" xmlns:p="http://schemas.openxmlformats.org/presentationml/2006/main">
   <p:cSld>
     <p:spTree>
       <p:nvGrpSpPr>
-        <p:cNvPr id="120" name="Shape 120"/>
+        <p:cNvPr id="1" name="Shape 120"/>
         <p:cNvGrpSpPr/>
         <p:nvPr/>
       </p:nvGrpSpPr>
@@ -8996,7 +9108,9 @@
       <p:sp>
         <p:nvSpPr>
           <p:cNvPr id="121" name="Google Shape;121;p18"/>
-          <p:cNvSpPr txBox="1"/>
+          <p:cNvSpPr txBox="1">
+            <a:spLocks noGrp="1"/>
+          </p:cNvSpPr>
           <p:nvPr>
             <p:ph type="title"/>
           </p:nvPr>
@@ -9011,12 +9125,12 @@
           </a:prstGeom>
         </p:spPr>
         <p:txBody>
-          <a:bodyPr anchorCtr="0" anchor="t" bIns="91425" lIns="91425" spcFirstLastPara="1" rIns="91425" wrap="square" tIns="91425">
+          <a:bodyPr spcFirstLastPara="1" wrap="square" lIns="91425" tIns="91425" rIns="91425" bIns="91425" anchor="t" anchorCtr="0">
             <a:noAutofit/>
           </a:bodyPr>
           <a:lstStyle/>
           <a:p>
-            <a:pPr indent="0" lvl="0" marL="0" rtl="0" algn="l">
+            <a:pPr marL="0" lvl="0" indent="0" algn="l" rtl="0">
               <a:spcBef>
                 <a:spcPts val="0"/>
               </a:spcBef>
@@ -9036,9 +9150,11 @@
       <p:sp>
         <p:nvSpPr>
           <p:cNvPr id="122" name="Google Shape;122;p18"/>
-          <p:cNvSpPr txBox="1"/>
+          <p:cNvSpPr txBox="1">
+            <a:spLocks noGrp="1"/>
+          </p:cNvSpPr>
           <p:nvPr>
-            <p:ph idx="1" type="body"/>
+            <p:ph type="body" idx="1"/>
           </p:nvPr>
         </p:nvSpPr>
         <p:spPr>
@@ -9051,12 +9167,12 @@
           </a:prstGeom>
         </p:spPr>
         <p:txBody>
-          <a:bodyPr anchorCtr="0" anchor="t" bIns="91425" lIns="91425" spcFirstLastPara="1" rIns="91425" wrap="square" tIns="91425">
+          <a:bodyPr spcFirstLastPara="1" wrap="square" lIns="91425" tIns="91425" rIns="91425" bIns="91425" anchor="t" anchorCtr="0">
             <a:noAutofit/>
           </a:bodyPr>
           <a:lstStyle/>
           <a:p>
-            <a:pPr indent="0" lvl="0" marL="0" rtl="0" algn="l">
+            <a:pPr marL="0" lvl="0" indent="0" algn="l" rtl="0">
               <a:spcBef>
                 <a:spcPts val="0"/>
               </a:spcBef>
@@ -9067,15 +9183,7 @@
             </a:pPr>
             <a:r>
               <a:rPr lang="en"/>
-              <a:t>É mais conveniente definir essas informações quando o objeto é criado. Além disso </a:t>
-            </a:r>
-            <a:r>
-              <a:rPr lang="en"/>
-              <a:t>diminui</a:t>
-            </a:r>
-            <a:r>
-              <a:rPr lang="en"/>
-              <a:t> a propensão a erros. Para isso, existe um método especial </a:t>
+              <a:t>É mais conveniente definir essas informações quando o objeto é criado. Além disso diminui a propensão a erros. Para isso, existe um método especial </a:t>
             </a:r>
             <a:r>
               <a:rPr lang="en">
@@ -9093,7 +9201,7 @@
             <a:endParaRPr/>
           </a:p>
           <a:p>
-            <a:pPr indent="0" lvl="0" marL="0" rtl="0" algn="l">
+            <a:pPr marL="0" lvl="0" indent="0" algn="l" rtl="0">
               <a:spcBef>
                 <a:spcPts val="1600"/>
               </a:spcBef>
@@ -9199,11 +9307,11 @@
 </file>
 
 <file path=ppt/slides/slide7.xml><?xml version="1.0" encoding="utf-8"?>
-<p:sld xmlns:a="http://schemas.openxmlformats.org/drawingml/2006/main" xmlns:r="http://schemas.openxmlformats.org/officeDocument/2006/relationships" xmlns:mc="http://schemas.openxmlformats.org/markup-compatibility/2006" xmlns:mv="urn:schemas-microsoft-com:mac:vml" xmlns:p="http://schemas.openxmlformats.org/presentationml/2006/main" xmlns:c="http://schemas.openxmlformats.org/drawingml/2006/chart" xmlns:dgm="http://schemas.openxmlformats.org/drawingml/2006/diagram" xmlns:o="urn:schemas-microsoft-com:office:office" xmlns:v="urn:schemas-microsoft-com:vml" xmlns:pvml="urn:schemas-microsoft-com:office:powerpoint" xmlns:com="http://schemas.openxmlformats.org/drawingml/2006/compatibility" xmlns:p14="http://schemas.microsoft.com/office/powerpoint/2010/main" xmlns:p15="http://schemas.microsoft.com/office/powerpoint/2012/main">
+<p:sld xmlns:a="http://schemas.openxmlformats.org/drawingml/2006/main" xmlns:r="http://schemas.openxmlformats.org/officeDocument/2006/relationships" xmlns:p="http://schemas.openxmlformats.org/presentationml/2006/main">
   <p:cSld>
     <p:spTree>
       <p:nvGrpSpPr>
-        <p:cNvPr id="128" name="Shape 128"/>
+        <p:cNvPr id="1" name="Shape 128"/>
         <p:cNvGrpSpPr/>
         <p:nvPr/>
       </p:nvGrpSpPr>
@@ -9218,7 +9326,9 @@
       <p:sp>
         <p:nvSpPr>
           <p:cNvPr id="129" name="Google Shape;129;p19"/>
-          <p:cNvSpPr txBox="1"/>
+          <p:cNvSpPr txBox="1">
+            <a:spLocks noGrp="1"/>
+          </p:cNvSpPr>
           <p:nvPr>
             <p:ph type="title"/>
           </p:nvPr>
@@ -9233,12 +9343,12 @@
           </a:prstGeom>
         </p:spPr>
         <p:txBody>
-          <a:bodyPr anchorCtr="0" anchor="t" bIns="91425" lIns="91425" spcFirstLastPara="1" rIns="91425" wrap="square" tIns="91425">
+          <a:bodyPr spcFirstLastPara="1" wrap="square" lIns="91425" tIns="91425" rIns="91425" bIns="91425" anchor="t" anchorCtr="0">
             <a:noAutofit/>
           </a:bodyPr>
           <a:lstStyle/>
           <a:p>
-            <a:pPr indent="0" lvl="0" marL="0" rtl="0" algn="l">
+            <a:pPr marL="0" lvl="0" indent="0" algn="l" rtl="0">
               <a:spcBef>
                 <a:spcPts val="0"/>
               </a:spcBef>
@@ -9258,9 +9368,11 @@
       <p:sp>
         <p:nvSpPr>
           <p:cNvPr id="130" name="Google Shape;130;p19"/>
-          <p:cNvSpPr txBox="1"/>
+          <p:cNvSpPr txBox="1">
+            <a:spLocks noGrp="1"/>
+          </p:cNvSpPr>
           <p:nvPr>
-            <p:ph idx="1" type="body"/>
+            <p:ph type="body" idx="1"/>
           </p:nvPr>
         </p:nvSpPr>
         <p:spPr>
@@ -9273,12 +9385,12 @@
           </a:prstGeom>
         </p:spPr>
         <p:txBody>
-          <a:bodyPr anchorCtr="0" anchor="t" bIns="91425" lIns="91425" spcFirstLastPara="1" rIns="91425" wrap="square" tIns="91425">
+          <a:bodyPr spcFirstLastPara="1" wrap="square" lIns="91425" tIns="91425" rIns="91425" bIns="91425" anchor="t" anchorCtr="0">
             <a:noAutofit/>
           </a:bodyPr>
           <a:lstStyle/>
           <a:p>
-            <a:pPr indent="0" lvl="0" marL="0" rtl="0" algn="l">
+            <a:pPr marL="0" lvl="0" indent="0" algn="l" rtl="0">
               <a:spcBef>
                 <a:spcPts val="0"/>
               </a:spcBef>
@@ -9307,7 +9419,7 @@
             <a:endParaRPr/>
           </a:p>
           <a:p>
-            <a:pPr indent="0" lvl="0" marL="0" rtl="0" algn="l">
+            <a:pPr marL="0" lvl="0" indent="0" algn="l" rtl="0">
               <a:spcBef>
                 <a:spcPts val="1600"/>
               </a:spcBef>
@@ -9389,11 +9501,11 @@
 </file>
 
 <file path=ppt/slides/slide8.xml><?xml version="1.0" encoding="utf-8"?>
-<p:sld xmlns:a="http://schemas.openxmlformats.org/drawingml/2006/main" xmlns:r="http://schemas.openxmlformats.org/officeDocument/2006/relationships" xmlns:mc="http://schemas.openxmlformats.org/markup-compatibility/2006" xmlns:mv="urn:schemas-microsoft-com:mac:vml" xmlns:p="http://schemas.openxmlformats.org/presentationml/2006/main" xmlns:c="http://schemas.openxmlformats.org/drawingml/2006/chart" xmlns:dgm="http://schemas.openxmlformats.org/drawingml/2006/diagram" xmlns:o="urn:schemas-microsoft-com:office:office" xmlns:v="urn:schemas-microsoft-com:vml" xmlns:pvml="urn:schemas-microsoft-com:office:powerpoint" xmlns:com="http://schemas.openxmlformats.org/drawingml/2006/compatibility" xmlns:p14="http://schemas.microsoft.com/office/powerpoint/2010/main" xmlns:p15="http://schemas.microsoft.com/office/powerpoint/2012/main">
+<p:sld xmlns:a="http://schemas.openxmlformats.org/drawingml/2006/main" xmlns:r="http://schemas.openxmlformats.org/officeDocument/2006/relationships" xmlns:p="http://schemas.openxmlformats.org/presentationml/2006/main">
   <p:cSld>
     <p:spTree>
       <p:nvGrpSpPr>
-        <p:cNvPr id="136" name="Shape 136"/>
+        <p:cNvPr id="1" name="Shape 136"/>
         <p:cNvGrpSpPr/>
         <p:nvPr/>
       </p:nvGrpSpPr>
@@ -9408,7 +9520,9 @@
       <p:sp>
         <p:nvSpPr>
           <p:cNvPr id="137" name="Google Shape;137;p20"/>
-          <p:cNvSpPr txBox="1"/>
+          <p:cNvSpPr txBox="1">
+            <a:spLocks noGrp="1"/>
+          </p:cNvSpPr>
           <p:nvPr>
             <p:ph type="title"/>
           </p:nvPr>
@@ -9423,12 +9537,12 @@
           </a:prstGeom>
         </p:spPr>
         <p:txBody>
-          <a:bodyPr anchorCtr="0" anchor="t" bIns="91425" lIns="91425" spcFirstLastPara="1" rIns="91425" wrap="square" tIns="91425">
+          <a:bodyPr spcFirstLastPara="1" wrap="square" lIns="91425" tIns="91425" rIns="91425" bIns="91425" anchor="t" anchorCtr="0">
             <a:noAutofit/>
           </a:bodyPr>
           <a:lstStyle/>
           <a:p>
-            <a:pPr indent="0" lvl="0" marL="0" rtl="0" algn="l">
+            <a:pPr marL="0" lvl="0" indent="0" algn="l" rtl="0">
               <a:spcBef>
                 <a:spcPts val="0"/>
               </a:spcBef>
@@ -9448,9 +9562,11 @@
       <p:sp>
         <p:nvSpPr>
           <p:cNvPr id="138" name="Google Shape;138;p20"/>
-          <p:cNvSpPr txBox="1"/>
+          <p:cNvSpPr txBox="1">
+            <a:spLocks noGrp="1"/>
+          </p:cNvSpPr>
           <p:nvPr>
-            <p:ph idx="1" type="body"/>
+            <p:ph type="body" idx="1"/>
           </p:nvPr>
         </p:nvSpPr>
         <p:spPr>
@@ -9463,12 +9579,12 @@
           </a:prstGeom>
         </p:spPr>
         <p:txBody>
-          <a:bodyPr anchorCtr="0" anchor="t" bIns="91425" lIns="91425" spcFirstLastPara="1" rIns="91425" wrap="square" tIns="91425">
+          <a:bodyPr spcFirstLastPara="1" wrap="square" lIns="91425" tIns="91425" rIns="91425" bIns="91425" anchor="t" anchorCtr="0">
             <a:noAutofit/>
           </a:bodyPr>
           <a:lstStyle/>
           <a:p>
-            <a:pPr indent="-311150" lvl="0" marL="457200" rtl="0" algn="l">
+            <a:pPr marL="457200" lvl="0" indent="-311150" algn="l" rtl="0">
               <a:spcBef>
                 <a:spcPts val="0"/>
               </a:spcBef>
@@ -9479,13 +9595,33 @@
               <a:buChar char="●"/>
             </a:pPr>
             <a:r>
-              <a:rPr lang="en"/>
-              <a:t>O que o construtor?</a:t>
+              <a:rPr lang="en" dirty="0"/>
+              <a:t>O que o construtor</a:t>
             </a:r>
-            <a:endParaRPr/>
+            <a:r>
+              <a:rPr lang="en" dirty="0" smtClean="0"/>
+              <a:t>?</a:t>
+            </a:r>
           </a:p>
           <a:p>
-            <a:pPr indent="-311150" lvl="0" marL="457200" rtl="0" algn="l">
+            <a:pPr marL="146050" lvl="0" indent="0" algn="l" rtl="0">
+              <a:spcBef>
+                <a:spcPts val="0"/>
+              </a:spcBef>
+              <a:spcAft>
+                <a:spcPts val="0"/>
+              </a:spcAft>
+              <a:buSzPts val="1300"/>
+              <a:buNone/>
+            </a:pPr>
+            <a:r>
+              <a:rPr lang="en" dirty="0" smtClean="0"/>
+              <a:t>É o __init__</a:t>
+            </a:r>
+            <a:endParaRPr dirty="0"/>
+          </a:p>
+          <a:p>
+            <a:pPr marL="457200" lvl="0" indent="-311150" algn="l" rtl="0">
               <a:spcBef>
                 <a:spcPts val="0"/>
               </a:spcBef>
@@ -9496,13 +9632,13 @@
               <a:buChar char="●"/>
             </a:pPr>
             <a:r>
-              <a:rPr lang="en"/>
+              <a:rPr lang="en" dirty="0"/>
               <a:t>O que são atributos e como são acessados?</a:t>
             </a:r>
-            <a:endParaRPr/>
+            <a:endParaRPr dirty="0"/>
           </a:p>
           <a:p>
-            <a:pPr indent="-311150" lvl="0" marL="457200" rtl="0" algn="l">
+            <a:pPr marL="457200" lvl="0" indent="-311150" algn="l" rtl="0">
               <a:spcBef>
                 <a:spcPts val="0"/>
               </a:spcBef>
@@ -9513,13 +9649,13 @@
               <a:buChar char="●"/>
             </a:pPr>
             <a:r>
-              <a:rPr lang="en"/>
+              <a:rPr lang="en" dirty="0"/>
               <a:t>O que são métodos e como são executados?</a:t>
             </a:r>
-            <a:endParaRPr/>
+            <a:endParaRPr dirty="0"/>
           </a:p>
           <a:p>
-            <a:pPr indent="0" lvl="0" marL="0" rtl="0" algn="l">
+            <a:pPr marL="0" lvl="0" indent="0" algn="l" rtl="0">
               <a:spcBef>
                 <a:spcPts val="1600"/>
               </a:spcBef>
@@ -9528,10 +9664,7 @@
               </a:spcAft>
               <a:buNone/>
             </a:pPr>
-            <a:r>
-              <a:t/>
-            </a:r>
-            <a:endParaRPr/>
+            <a:endParaRPr dirty="0"/>
           </a:p>
         </p:txBody>
       </p:sp>
@@ -9544,11 +9677,11 @@
 </file>
 
 <file path=ppt/slides/slide9.xml><?xml version="1.0" encoding="utf-8"?>
-<p:sld xmlns:a="http://schemas.openxmlformats.org/drawingml/2006/main" xmlns:r="http://schemas.openxmlformats.org/officeDocument/2006/relationships" xmlns:mc="http://schemas.openxmlformats.org/markup-compatibility/2006" xmlns:mv="urn:schemas-microsoft-com:mac:vml" xmlns:p="http://schemas.openxmlformats.org/presentationml/2006/main" xmlns:c="http://schemas.openxmlformats.org/drawingml/2006/chart" xmlns:dgm="http://schemas.openxmlformats.org/drawingml/2006/diagram" xmlns:o="urn:schemas-microsoft-com:office:office" xmlns:v="urn:schemas-microsoft-com:vml" xmlns:pvml="urn:schemas-microsoft-com:office:powerpoint" xmlns:com="http://schemas.openxmlformats.org/drawingml/2006/compatibility" xmlns:p14="http://schemas.microsoft.com/office/powerpoint/2010/main" xmlns:p15="http://schemas.microsoft.com/office/powerpoint/2012/main">
+<p:sld xmlns:a="http://schemas.openxmlformats.org/drawingml/2006/main" xmlns:r="http://schemas.openxmlformats.org/officeDocument/2006/relationships" xmlns:p="http://schemas.openxmlformats.org/presentationml/2006/main">
   <p:cSld>
     <p:spTree>
       <p:nvGrpSpPr>
-        <p:cNvPr id="142" name="Shape 142"/>
+        <p:cNvPr id="1" name="Shape 142"/>
         <p:cNvGrpSpPr/>
         <p:nvPr/>
       </p:nvGrpSpPr>
@@ -9563,7 +9696,9 @@
       <p:sp>
         <p:nvSpPr>
           <p:cNvPr id="143" name="Google Shape;143;p21"/>
-          <p:cNvSpPr txBox="1"/>
+          <p:cNvSpPr txBox="1">
+            <a:spLocks noGrp="1"/>
+          </p:cNvSpPr>
           <p:nvPr>
             <p:ph type="title"/>
           </p:nvPr>
@@ -9578,12 +9713,12 @@
           </a:prstGeom>
         </p:spPr>
         <p:txBody>
-          <a:bodyPr anchorCtr="0" anchor="t" bIns="91425" lIns="91425" spcFirstLastPara="1" rIns="91425" wrap="square" tIns="91425">
+          <a:bodyPr spcFirstLastPara="1" wrap="square" lIns="91425" tIns="91425" rIns="91425" bIns="91425" anchor="t" anchorCtr="0">
             <a:noAutofit/>
           </a:bodyPr>
           <a:lstStyle/>
           <a:p>
-            <a:pPr indent="0" lvl="0" marL="0" rtl="0" algn="l">
+            <a:pPr marL="0" lvl="0" indent="0" algn="l" rtl="0">
               <a:spcBef>
                 <a:spcPts val="0"/>
               </a:spcBef>
@@ -9603,9 +9738,11 @@
       <p:sp>
         <p:nvSpPr>
           <p:cNvPr id="144" name="Google Shape;144;p21"/>
-          <p:cNvSpPr txBox="1"/>
+          <p:cNvSpPr txBox="1">
+            <a:spLocks noGrp="1"/>
+          </p:cNvSpPr>
           <p:nvPr>
-            <p:ph idx="1" type="body"/>
+            <p:ph type="body" idx="1"/>
           </p:nvPr>
         </p:nvSpPr>
         <p:spPr>
@@ -9618,12 +9755,12 @@
           </a:prstGeom>
         </p:spPr>
         <p:txBody>
-          <a:bodyPr anchorCtr="0" anchor="t" bIns="91425" lIns="91425" spcFirstLastPara="1" rIns="91425" wrap="square" tIns="91425">
+          <a:bodyPr spcFirstLastPara="1" wrap="square" lIns="91425" tIns="91425" rIns="91425" bIns="91425" anchor="t" anchorCtr="0">
             <a:noAutofit/>
           </a:bodyPr>
           <a:lstStyle/>
           <a:p>
-            <a:pPr indent="0" lvl="0" marL="0" rtl="0" algn="l">
+            <a:pPr marL="0" lvl="0" indent="0" algn="l" rtl="0">
               <a:spcBef>
                 <a:spcPts val="0"/>
               </a:spcBef>
@@ -9633,11 +9770,11 @@
               <a:buNone/>
             </a:pPr>
             <a:r>
-              <a:rPr lang="en"/>
+              <a:rPr lang="en" dirty="0"/>
               <a:t>Crie a classe grid e adicione um método </a:t>
             </a:r>
             <a:r>
-              <a:rPr lang="en">
+              <a:rPr lang="en" dirty="0">
                 <a:latin typeface="Roboto Mono"/>
                 <a:ea typeface="Roboto Mono"/>
                 <a:cs typeface="Roboto Mono"/>
@@ -9646,10 +9783,10 @@
               <a:t>auto_grid()</a:t>
             </a:r>
             <a:r>
-              <a:rPr lang="en"/>
+              <a:rPr lang="en" dirty="0"/>
               <a:t>, que recebe as coordenadas x, y, z de um point set e as dimensões dos blocos. Esse método altera os valores de nx, ny, nz e ox, oy, oz para cobrir todo o point set.</a:t>
             </a:r>
-            <a:endParaRPr/>
+            <a:endParaRPr dirty="0"/>
           </a:p>
         </p:txBody>
       </p:sp>
@@ -9662,7 +9799,7 @@
 </file>
 
 <file path=ppt/theme/theme1.xml><?xml version="1.0" encoding="utf-8"?>
-<a:theme xmlns:a="http://schemas.openxmlformats.org/drawingml/2006/main" xmlns:r="http://schemas.openxmlformats.org/officeDocument/2006/relationships" name="Streamline">
+<a:theme xmlns:a="http://schemas.openxmlformats.org/drawingml/2006/main" name="Streamline">
   <a:themeElements>
     <a:clrScheme name="Streamline">
       <a:dk1>
@@ -9937,11 +10074,13 @@
       </a:bgFillStyleLst>
     </a:fmtScheme>
   </a:themeElements>
+  <a:objectDefaults/>
+  <a:extraClrSchemeLst/>
 </a:theme>
 </file>
 
 <file path=ppt/theme/theme2.xml><?xml version="1.0" encoding="utf-8"?>
-<a:theme xmlns:a="http://schemas.openxmlformats.org/drawingml/2006/main" xmlns:r="http://schemas.openxmlformats.org/officeDocument/2006/relationships">
+<a:theme xmlns:a="http://schemas.openxmlformats.org/drawingml/2006/main">
   <a:themeElements>
     <a:clrScheme name="Default">
       <a:dk1>
@@ -10216,5 +10355,7 @@
       </a:bgFillStyleLst>
     </a:fmtScheme>
   </a:themeElements>
+  <a:objectDefaults/>
+  <a:extraClrSchemeLst/>
 </a:theme>
 </file>